--- a/Project plan/The final All Hands Meeting.pptx
+++ b/Project plan/The final All Hands Meeting.pptx
@@ -5,18 +5,20 @@
     <p:sldMasterId id="2147483684" r:id="rId1"/>
   </p:sldMasterIdLst>
   <p:notesMasterIdLst>
-    <p:notesMasterId r:id="rId11"/>
+    <p:notesMasterId r:id="rId13"/>
   </p:notesMasterIdLst>
   <p:sldIdLst>
     <p:sldId id="256" r:id="rId2"/>
-    <p:sldId id="264" r:id="rId3"/>
-    <p:sldId id="263" r:id="rId4"/>
-    <p:sldId id="273" r:id="rId5"/>
-    <p:sldId id="272" r:id="rId6"/>
-    <p:sldId id="265" r:id="rId7"/>
-    <p:sldId id="271" r:id="rId8"/>
-    <p:sldId id="267" r:id="rId9"/>
-    <p:sldId id="266" r:id="rId10"/>
+    <p:sldId id="274" r:id="rId3"/>
+    <p:sldId id="278" r:id="rId4"/>
+    <p:sldId id="275" r:id="rId5"/>
+    <p:sldId id="279" r:id="rId6"/>
+    <p:sldId id="264" r:id="rId7"/>
+    <p:sldId id="265" r:id="rId8"/>
+    <p:sldId id="276" r:id="rId9"/>
+    <p:sldId id="267" r:id="rId10"/>
+    <p:sldId id="277" r:id="rId11"/>
+    <p:sldId id="266" r:id="rId12"/>
   </p:sldIdLst>
   <p:sldSz cx="12192000" cy="6858000"/>
   <p:notesSz cx="6858000" cy="9144000"/>
@@ -205,7 +207,7 @@
           <a:p>
             <a:fld id="{87D6BDF9-27B2-B94C-BC17-05257C71D9D8}" type="datetimeFigureOut">
               <a:rPr lang="ru-RU" smtClean="0"/>
-              <a:t>21.05.17</a:t>
+              <a:t>29.05.17</a:t>
             </a:fld>
             <a:endParaRPr lang="ru-RU"/>
           </a:p>
@@ -519,15 +521,17 @@
           <a:p>
             <a:r>
               <a:rPr lang="ru-RU" dirty="0" smtClean="0"/>
-              <a:t>Сегодня</a:t>
+              <a:t>Чтобы</a:t>
             </a:r>
             <a:r>
               <a:rPr lang="ru-RU" baseline="0" dirty="0" smtClean="0"/>
-              <a:t> расскажу вам не просто, что </a:t>
-            </a:r>
-            <a:r>
-              <a:rPr lang="ru-RU" baseline="0" smtClean="0"/>
-              <a:t>я сделал, а чем я научился =)</a:t>
+              <a:t> успеть за 15 время, я постарался вынести на слайды информацию, которой хочется уделить внимание, но мой показ ограничен во времени.</a:t>
+            </a:r>
+          </a:p>
+          <a:p>
+            <a:r>
+              <a:rPr lang="ru-RU" baseline="0" dirty="0" smtClean="0"/>
+              <a:t>За время учебы в школе я познакомился со многими технологиями и сделал три проекта:</a:t>
             </a:r>
             <a:endParaRPr lang="ru-RU" dirty="0"/>
           </a:p>
@@ -560,6 +564,90 @@
     <p:extLst>
       <p:ext uri="{BB962C8B-B14F-4D97-AF65-F5344CB8AC3E}">
         <p14:creationId xmlns:p14="http://schemas.microsoft.com/office/powerpoint/2010/main" val="197288301"/>
+      </p:ext>
+    </p:extLst>
+  </p:cSld>
+  <p:clrMapOvr>
+    <a:masterClrMapping/>
+  </p:clrMapOvr>
+</p:notes>
+</file>
+
+<file path=ppt/notesSlides/notesSlide10.xml><?xml version="1.0" encoding="utf-8"?>
+<p:notes xmlns:a="http://schemas.openxmlformats.org/drawingml/2006/main" xmlns:r="http://schemas.openxmlformats.org/officeDocument/2006/relationships" xmlns:p="http://schemas.openxmlformats.org/presentationml/2006/main">
+  <p:cSld>
+    <p:spTree>
+      <p:nvGrpSpPr>
+        <p:cNvPr id="1" name=""/>
+        <p:cNvGrpSpPr/>
+        <p:nvPr/>
+      </p:nvGrpSpPr>
+      <p:grpSpPr>
+        <a:xfrm>
+          <a:off x="0" y="0"/>
+          <a:ext cx="0" cy="0"/>
+          <a:chOff x="0" y="0"/>
+          <a:chExt cx="0" cy="0"/>
+        </a:xfrm>
+      </p:grpSpPr>
+      <p:sp>
+        <p:nvSpPr>
+          <p:cNvPr id="2" name="Образ слайда 1"/>
+          <p:cNvSpPr>
+            <a:spLocks noGrp="1" noRot="1" noChangeAspect="1"/>
+          </p:cNvSpPr>
+          <p:nvPr>
+            <p:ph type="sldImg"/>
+          </p:nvPr>
+        </p:nvSpPr>
+        <p:spPr/>
+      </p:sp>
+      <p:sp>
+        <p:nvSpPr>
+          <p:cNvPr id="3" name="Заметки 2"/>
+          <p:cNvSpPr>
+            <a:spLocks noGrp="1"/>
+          </p:cNvSpPr>
+          <p:nvPr>
+            <p:ph type="body" idx="1"/>
+          </p:nvPr>
+        </p:nvSpPr>
+        <p:spPr/>
+        <p:txBody>
+          <a:bodyPr/>
+          <a:lstStyle/>
+          <a:p>
+            <a:endParaRPr lang="ru-RU" dirty="0"/>
+          </a:p>
+        </p:txBody>
+      </p:sp>
+      <p:sp>
+        <p:nvSpPr>
+          <p:cNvPr id="4" name="Номер слайда 3"/>
+          <p:cNvSpPr>
+            <a:spLocks noGrp="1"/>
+          </p:cNvSpPr>
+          <p:nvPr>
+            <p:ph type="sldNum" sz="quarter" idx="10"/>
+          </p:nvPr>
+        </p:nvSpPr>
+        <p:spPr/>
+        <p:txBody>
+          <a:bodyPr/>
+          <a:lstStyle/>
+          <a:p>
+            <a:fld id="{E56B264A-FD85-1B46-9265-710D0808F009}" type="slidenum">
+              <a:rPr lang="ru-RU" smtClean="0"/>
+              <a:t>10</a:t>
+            </a:fld>
+            <a:endParaRPr lang="ru-RU"/>
+          </a:p>
+        </p:txBody>
+      </p:sp>
+    </p:spTree>
+    <p:extLst>
+      <p:ext uri="{BB962C8B-B14F-4D97-AF65-F5344CB8AC3E}">
+        <p14:creationId xmlns:p14="http://schemas.microsoft.com/office/powerpoint/2010/main" val="1087651352"/>
       </p:ext>
     </p:extLst>
   </p:cSld>
@@ -615,11 +703,67 @@
           <a:p>
             <a:r>
               <a:rPr lang="ru-RU" dirty="0" smtClean="0"/>
-              <a:t>У каждого урока есть своя</a:t>
+              <a:t>Первый проект, для меня он самый главный и интересный.</a:t>
             </a:r>
             <a:r>
               <a:rPr lang="ru-RU" baseline="0" dirty="0" smtClean="0"/>
-              <a:t> тема: условие задачи. Примерно вот такую задачу предстояло решить(изучить). </a:t>
+              <a:t> С использованием технологии </a:t>
+            </a:r>
+            <a:r>
+              <a:rPr lang="en-US" baseline="0" dirty="0" smtClean="0"/>
+              <a:t>Spring </a:t>
+            </a:r>
+            <a:r>
+              <a:rPr lang="ru-RU" baseline="0" dirty="0" smtClean="0"/>
+              <a:t>я сделал небольшое клиент-серверное приложение — прототип сервиса покупки железнодорожных билетов. </a:t>
+            </a:r>
+            <a:r>
+              <a:rPr lang="ru-RU" baseline="0" dirty="0" smtClean="0"/>
+              <a:t>Отмечу </a:t>
+            </a:r>
+            <a:r>
+              <a:rPr lang="ru-RU" baseline="0" dirty="0" smtClean="0"/>
+              <a:t>заранее то, что приложение развернуто в настоящее время на хостинге </a:t>
+            </a:r>
+            <a:r>
+              <a:rPr lang="en-US" baseline="0" dirty="0" smtClean="0"/>
+              <a:t>Digital Ocean.</a:t>
+            </a:r>
+            <a:r>
+              <a:rPr lang="ru-RU" baseline="0" dirty="0" smtClean="0"/>
+              <a:t> Это доказывает то, что оно работает с коробки не только под </a:t>
+            </a:r>
+            <a:r>
+              <a:rPr lang="en-US" baseline="0" dirty="0" smtClean="0"/>
+              <a:t>OS X</a:t>
+            </a:r>
+            <a:r>
+              <a:rPr lang="ru-RU" baseline="0" dirty="0" smtClean="0"/>
+              <a:t>, но и на другой системе. Подробное описание развертки проекта я привел в </a:t>
+            </a:r>
+            <a:r>
+              <a:rPr lang="ru-RU" baseline="0" dirty="0" err="1" smtClean="0"/>
+              <a:t>техникал</a:t>
+            </a:r>
+            <a:r>
+              <a:rPr lang="ru-RU" baseline="0" dirty="0" smtClean="0"/>
+              <a:t> </a:t>
+            </a:r>
+            <a:r>
+              <a:rPr lang="ru-RU" baseline="0" dirty="0" err="1" smtClean="0"/>
+              <a:t>солюшн</a:t>
+            </a:r>
+            <a:r>
+              <a:rPr lang="ru-RU" baseline="0" dirty="0" smtClean="0"/>
+              <a:t> </a:t>
+            </a:r>
+            <a:r>
+              <a:rPr lang="ru-RU" baseline="0" dirty="0" err="1" smtClean="0"/>
+              <a:t>дескрипшн</a:t>
+            </a:r>
+            <a:r>
+              <a:rPr lang="ru-RU" baseline="0" dirty="0" smtClean="0"/>
+              <a:t>.</a:t>
             </a:r>
             <a:endParaRPr lang="ru-RU" dirty="0"/>
           </a:p>
@@ -651,7 +795,7 @@
     </p:spTree>
     <p:extLst>
       <p:ext uri="{BB962C8B-B14F-4D97-AF65-F5344CB8AC3E}">
-        <p14:creationId xmlns:p14="http://schemas.microsoft.com/office/powerpoint/2010/main" val="1658113125"/>
+        <p14:creationId xmlns:p14="http://schemas.microsoft.com/office/powerpoint/2010/main" val="228281338"/>
       </p:ext>
     </p:extLst>
   </p:cSld>
@@ -707,17 +851,96 @@
           <a:p>
             <a:r>
               <a:rPr lang="ru-RU" dirty="0" smtClean="0"/>
-              <a:t>Что</a:t>
+              <a:t>Главное</a:t>
             </a:r>
             <a:r>
               <a:rPr lang="ru-RU" baseline="0" dirty="0" smtClean="0"/>
-              <a:t> получилось? Разработать прототип сервиса, который позволяет искать и делать псевдо-покупку железнодорожных билетов. А так же графически создавать и изменять </a:t>
+              <a:t> для заказчика — получение прибыли. В данном случае эта прибыль зависит от цены.</a:t>
+            </a:r>
+          </a:p>
+          <a:p>
+            <a:r>
+              <a:rPr lang="ru-RU" baseline="0" dirty="0" smtClean="0"/>
+              <a:t>Цена в свою очередь рассчитывается по простому правило : чем дальше едем, тем дороже. Соответственно, все станции имеют свои координаты, а цена рассчитывается как геометрическое расстояние между точками.</a:t>
+            </a:r>
+          </a:p>
+          <a:p>
+            <a:endParaRPr lang="ru-RU" baseline="0" dirty="0" smtClean="0"/>
+          </a:p>
+          <a:p>
+            <a:r>
+              <a:rPr lang="ru-RU" baseline="0" dirty="0" smtClean="0"/>
+              <a:t>Любая компания боится потерять своих клиентов и важной особенность должно является то, что клиент мог всегда получает необходимую поддержку. Поэтому в сервисе предусмотрена поддержка на уровне чата: администратор-клиент.</a:t>
+            </a:r>
+          </a:p>
+          <a:p>
+            <a:endParaRPr lang="ru-RU" baseline="0" dirty="0" smtClean="0"/>
+          </a:p>
+          <a:p>
+            <a:r>
+              <a:rPr lang="ru-RU" baseline="0" dirty="0" smtClean="0"/>
+              <a:t>Чтобы грамотно управлять бизнес-процессами, </a:t>
+            </a:r>
+            <a:r>
+              <a:rPr lang="ru-RU" baseline="0" dirty="0" err="1" smtClean="0"/>
+              <a:t>менаджер</a:t>
+            </a:r>
+            <a:r>
+              <a:rPr lang="ru-RU" baseline="0" dirty="0" smtClean="0"/>
+              <a:t> должен видеть статистику посещений, покупок и другого в наглядной форме. А наглядная форма — диаграммы и графики.</a:t>
+            </a:r>
+          </a:p>
+          <a:p>
+            <a:endParaRPr lang="ru-RU" baseline="0" dirty="0" smtClean="0"/>
+          </a:p>
+          <a:p>
+            <a:r>
+              <a:rPr lang="ru-RU" baseline="0" dirty="0" smtClean="0"/>
+              <a:t>Продолжаем играть на пользователя : одновременная покупка билетов с пересадками.</a:t>
+            </a:r>
+          </a:p>
+          <a:p>
+            <a:endParaRPr lang="ru-RU" baseline="0" dirty="0" smtClean="0"/>
+          </a:p>
+          <a:p>
+            <a:r>
+              <a:rPr lang="ru-RU" baseline="0" dirty="0" smtClean="0"/>
+              <a:t>После покупке — билет в виде </a:t>
             </a:r>
             <a:r>
               <a:rPr lang="en-US" baseline="0" dirty="0" smtClean="0"/>
-              <a:t>entity.</a:t>
-            </a:r>
-            <a:endParaRPr lang="ru-RU" dirty="0"/>
+              <a:t>QR-code. </a:t>
+            </a:r>
+            <a:r>
+              <a:rPr lang="ru-RU" baseline="0" dirty="0" smtClean="0"/>
+              <a:t>Удобно и современно. </a:t>
+            </a:r>
+          </a:p>
+          <a:p>
+            <a:endParaRPr lang="ru-RU" baseline="0" dirty="0" smtClean="0"/>
+          </a:p>
+          <a:p>
+            <a:r>
+              <a:rPr lang="ru-RU" baseline="0" dirty="0" smtClean="0"/>
+              <a:t>И главная особенность : полная абстракция серверной части от графического интерфейса. Мы можем без труда заменить </a:t>
+            </a:r>
+            <a:r>
+              <a:rPr lang="en-US" baseline="0" dirty="0" smtClean="0"/>
+              <a:t>UI</a:t>
+            </a:r>
+            <a:r>
+              <a:rPr lang="ru-RU" baseline="0" dirty="0" smtClean="0"/>
+              <a:t> на новый. </a:t>
+            </a:r>
+          </a:p>
+          <a:p>
+            <a:endParaRPr lang="ru-RU" baseline="0" dirty="0" smtClean="0"/>
+          </a:p>
+          <a:p>
+            <a:endParaRPr lang="ru-RU" baseline="0" dirty="0" smtClean="0"/>
+          </a:p>
+          <a:p>
+            <a:endParaRPr lang="ru-RU" baseline="0" dirty="0" smtClean="0"/>
           </a:p>
         </p:txBody>
       </p:sp>
@@ -747,7 +970,7 @@
     </p:spTree>
     <p:extLst>
       <p:ext uri="{BB962C8B-B14F-4D97-AF65-F5344CB8AC3E}">
-        <p14:creationId xmlns:p14="http://schemas.microsoft.com/office/powerpoint/2010/main" val="675787636"/>
+        <p14:creationId xmlns:p14="http://schemas.microsoft.com/office/powerpoint/2010/main" val="338827990"/>
       </p:ext>
     </p:extLst>
   </p:cSld>
@@ -801,7 +1024,37 @@
           <a:bodyPr/>
           <a:lstStyle/>
           <a:p>
-            <a:endParaRPr lang="ru-RU" dirty="0"/>
+            <a:r>
+              <a:rPr lang="ru-RU" dirty="0" smtClean="0"/>
+              <a:t>Второе приложение — с использованием</a:t>
+            </a:r>
+            <a:r>
+              <a:rPr lang="ru-RU" baseline="0" dirty="0" smtClean="0"/>
+              <a:t> технологий </a:t>
+            </a:r>
+            <a:r>
+              <a:rPr lang="en-US" baseline="0" dirty="0" smtClean="0"/>
+              <a:t>JSF </a:t>
+            </a:r>
+            <a:r>
+              <a:rPr lang="ru-RU" baseline="0" dirty="0" smtClean="0"/>
+              <a:t>и </a:t>
+            </a:r>
+            <a:r>
+              <a:rPr lang="en-US" baseline="0" dirty="0" smtClean="0"/>
+              <a:t>EJB. </a:t>
+            </a:r>
+            <a:r>
+              <a:rPr lang="ru-RU" baseline="0" dirty="0" smtClean="0"/>
+              <a:t>Оно позволило овладеть базовыми навыками работы с этими технологиями</a:t>
+            </a:r>
+            <a:r>
+              <a:rPr lang="ru-RU" baseline="0" dirty="0" smtClean="0"/>
+              <a:t>.</a:t>
+            </a:r>
+          </a:p>
+          <a:p>
+            <a:endParaRPr lang="ru-RU" baseline="0" dirty="0" smtClean="0"/>
           </a:p>
         </p:txBody>
       </p:sp>
@@ -831,7 +1084,7 @@
     </p:spTree>
     <p:extLst>
       <p:ext uri="{BB962C8B-B14F-4D97-AF65-F5344CB8AC3E}">
-        <p14:creationId xmlns:p14="http://schemas.microsoft.com/office/powerpoint/2010/main" val="500344010"/>
+        <p14:creationId xmlns:p14="http://schemas.microsoft.com/office/powerpoint/2010/main" val="2041405003"/>
       </p:ext>
     </p:extLst>
   </p:cSld>
@@ -885,6 +1138,43 @@
           <a:bodyPr/>
           <a:lstStyle/>
           <a:p>
+            <a:endParaRPr lang="ru-RU" baseline="0" dirty="0" smtClean="0"/>
+          </a:p>
+          <a:p>
+            <a:r>
+              <a:rPr lang="ru-RU" baseline="0" dirty="0" smtClean="0"/>
+              <a:t>Главной нашей  архитектурной задумкой стало создание приложения, которое бы работало независимо от доступности сервера с данными или от активности сервера обмена сообщениями. </a:t>
+            </a:r>
+          </a:p>
+          <a:p>
+            <a:endParaRPr lang="ru-RU" baseline="0" dirty="0" smtClean="0"/>
+          </a:p>
+          <a:p>
+            <a:r>
+              <a:rPr lang="ru-RU" baseline="0" dirty="0" smtClean="0"/>
+              <a:t>Далее, в приложении предусмотрен бин, который регистрирует слушателя и проверяет его работу.</a:t>
+            </a:r>
+          </a:p>
+          <a:p>
+            <a:endParaRPr lang="ru-RU" baseline="0" dirty="0" smtClean="0"/>
+          </a:p>
+          <a:p>
+            <a:r>
+              <a:rPr lang="ru-RU" baseline="0" dirty="0" smtClean="0"/>
+              <a:t>Чтобы сократить количество обращений к сервису было принято решение обращаться к сервису только в 2 случаях : запуск сервиса и обновление данных.</a:t>
+            </a:r>
+          </a:p>
+          <a:p>
+            <a:endParaRPr lang="ru-RU" baseline="0" dirty="0" smtClean="0"/>
+          </a:p>
+          <a:p>
+            <a:r>
+              <a:rPr lang="ru-RU" baseline="0" dirty="0" smtClean="0"/>
+              <a:t>И естественно, отбывающий поезд должен автоматически удаляться из расписания. </a:t>
+            </a:r>
+            <a:endParaRPr lang="ru-RU" dirty="0" smtClean="0"/>
+          </a:p>
+          <a:p>
             <a:endParaRPr lang="ru-RU" dirty="0"/>
           </a:p>
         </p:txBody>
@@ -915,7 +1205,7 @@
     </p:spTree>
     <p:extLst>
       <p:ext uri="{BB962C8B-B14F-4D97-AF65-F5344CB8AC3E}">
-        <p14:creationId xmlns:p14="http://schemas.microsoft.com/office/powerpoint/2010/main" val="579980886"/>
+        <p14:creationId xmlns:p14="http://schemas.microsoft.com/office/powerpoint/2010/main" val="766881514"/>
       </p:ext>
     </p:extLst>
   </p:cSld>
@@ -971,13 +1261,26 @@
           <a:p>
             <a:r>
               <a:rPr lang="ru-RU" dirty="0" smtClean="0"/>
-              <a:t>Пару</a:t>
+              <a:t>И третье приложение.</a:t>
             </a:r>
             <a:r>
               <a:rPr lang="ru-RU" baseline="0" dirty="0" smtClean="0"/>
-              <a:t> слов про тестирование.</a:t>
-            </a:r>
-            <a:endParaRPr lang="ru-RU" dirty="0"/>
+              <a:t> Идея приложения появилось после лекции по </a:t>
+            </a:r>
+            <a:r>
+              <a:rPr lang="ru-RU" baseline="0" dirty="0" err="1" smtClean="0"/>
+              <a:t>Ангулару</a:t>
+            </a:r>
+            <a:r>
+              <a:rPr lang="ru-RU" baseline="0" dirty="0" smtClean="0"/>
+              <a:t>. И сделано с целью закрепление материала, который читался на лекции. Поэтому оно вышло маленьким и по большей мере тренировочным. </a:t>
+            </a:r>
+          </a:p>
+          <a:p>
+            <a:r>
+              <a:rPr lang="ru-RU" baseline="0" dirty="0" smtClean="0"/>
+              <a:t>Приложение подразумевает открытие расписание по нажатию на город из списка. Ничего сложного, все банально и просто.</a:t>
+            </a:r>
           </a:p>
         </p:txBody>
       </p:sp>
@@ -1007,7 +1310,7 @@
     </p:spTree>
     <p:extLst>
       <p:ext uri="{BB962C8B-B14F-4D97-AF65-F5344CB8AC3E}">
-        <p14:creationId xmlns:p14="http://schemas.microsoft.com/office/powerpoint/2010/main" val="1956747904"/>
+        <p14:creationId xmlns:p14="http://schemas.microsoft.com/office/powerpoint/2010/main" val="1658113125"/>
       </p:ext>
     </p:extLst>
   </p:cSld>
@@ -1063,19 +1366,89 @@
           <a:p>
             <a:r>
               <a:rPr lang="ru-RU" dirty="0" smtClean="0"/>
-              <a:t>Среднее</a:t>
+              <a:t>Для</a:t>
             </a:r>
             <a:r>
               <a:rPr lang="ru-RU" baseline="0" dirty="0" smtClean="0"/>
-              <a:t> время отклика растет. </a:t>
-            </a:r>
-          </a:p>
-          <a:p>
+              <a:t> тестирования приложения я выбрал 2 библиотеки </a:t>
+            </a:r>
+            <a:r>
+              <a:rPr lang="ru-RU" baseline="0" dirty="0" err="1" smtClean="0"/>
+              <a:t>Москито</a:t>
+            </a:r>
             <a:r>
               <a:rPr lang="ru-RU" baseline="0" dirty="0" smtClean="0"/>
-              <a:t>Время обработки с перерывами меняется.</a:t>
-            </a:r>
-            <a:endParaRPr lang="ru-RU" dirty="0"/>
+              <a:t> и </a:t>
+            </a:r>
+            <a:r>
+              <a:rPr lang="en-US" baseline="0" dirty="0" smtClean="0"/>
+              <a:t>Junit </a:t>
+            </a:r>
+            <a:r>
+              <a:rPr lang="ru-RU" baseline="0" dirty="0" smtClean="0"/>
+              <a:t>и тестировал бизнес логику.</a:t>
+            </a:r>
+          </a:p>
+          <a:p>
+            <a:r>
+              <a:rPr lang="ru-RU" baseline="0" dirty="0" smtClean="0"/>
+              <a:t>Для </a:t>
+            </a:r>
+            <a:r>
+              <a:rPr lang="ru-RU" baseline="0" dirty="0" err="1" smtClean="0"/>
+              <a:t>москито</a:t>
+            </a:r>
+            <a:r>
+              <a:rPr lang="ru-RU" baseline="0" dirty="0" smtClean="0"/>
+              <a:t> : ставил </a:t>
+            </a:r>
+            <a:r>
+              <a:rPr lang="ru-RU" baseline="0" dirty="0" err="1" smtClean="0"/>
+              <a:t>загрушки</a:t>
+            </a:r>
+            <a:r>
+              <a:rPr lang="ru-RU" baseline="0" dirty="0" smtClean="0"/>
+              <a:t> на </a:t>
+            </a:r>
+            <a:r>
+              <a:rPr lang="en-US" baseline="0" dirty="0" smtClean="0"/>
+              <a:t>DAO </a:t>
+            </a:r>
+            <a:r>
+              <a:rPr lang="ru-RU" baseline="0" dirty="0" smtClean="0"/>
+              <a:t>и тестировал сервисы.</a:t>
+            </a:r>
+          </a:p>
+          <a:p>
+            <a:r>
+              <a:rPr lang="ru-RU" baseline="0" dirty="0" smtClean="0"/>
+              <a:t>Или проверял конкретные значения вывода отдельных методов уже всеми известными </a:t>
+            </a:r>
+            <a:r>
+              <a:rPr lang="en-US" baseline="0" dirty="0" err="1" smtClean="0"/>
+              <a:t>AsserTrue</a:t>
+            </a:r>
+            <a:r>
+              <a:rPr lang="en-US" baseline="0" dirty="0" smtClean="0"/>
+              <a:t>, </a:t>
+            </a:r>
+            <a:r>
+              <a:rPr lang="en-US" baseline="0" dirty="0" err="1" smtClean="0"/>
+              <a:t>AssertEquals</a:t>
+            </a:r>
+            <a:r>
+              <a:rPr lang="en-US" baseline="0" dirty="0" smtClean="0"/>
+              <a:t> </a:t>
+            </a:r>
+            <a:r>
+              <a:rPr lang="ru-RU" baseline="0" dirty="0" smtClean="0"/>
+              <a:t>и </a:t>
+            </a:r>
+            <a:r>
+              <a:rPr lang="ru-RU" baseline="0" dirty="0" err="1" smtClean="0"/>
+              <a:t>тд</a:t>
+            </a:r>
+            <a:endParaRPr lang="ru-RU" baseline="0" dirty="0" smtClean="0"/>
           </a:p>
         </p:txBody>
       </p:sp>
@@ -1105,7 +1478,245 @@
     </p:spTree>
     <p:extLst>
       <p:ext uri="{BB962C8B-B14F-4D97-AF65-F5344CB8AC3E}">
-        <p14:creationId xmlns:p14="http://schemas.microsoft.com/office/powerpoint/2010/main" val="659739833"/>
+        <p14:creationId xmlns:p14="http://schemas.microsoft.com/office/powerpoint/2010/main" val="1956747904"/>
+      </p:ext>
+    </p:extLst>
+  </p:cSld>
+  <p:clrMapOvr>
+    <a:masterClrMapping/>
+  </p:clrMapOvr>
+</p:notes>
+</file>
+
+<file path=ppt/notesSlides/notesSlide8.xml><?xml version="1.0" encoding="utf-8"?>
+<p:notes xmlns:a="http://schemas.openxmlformats.org/drawingml/2006/main" xmlns:r="http://schemas.openxmlformats.org/officeDocument/2006/relationships" xmlns:p="http://schemas.openxmlformats.org/presentationml/2006/main">
+  <p:cSld>
+    <p:spTree>
+      <p:nvGrpSpPr>
+        <p:cNvPr id="1" name=""/>
+        <p:cNvGrpSpPr/>
+        <p:nvPr/>
+      </p:nvGrpSpPr>
+      <p:grpSpPr>
+        <a:xfrm>
+          <a:off x="0" y="0"/>
+          <a:ext cx="0" cy="0"/>
+          <a:chOff x="0" y="0"/>
+          <a:chExt cx="0" cy="0"/>
+        </a:xfrm>
+      </p:grpSpPr>
+      <p:sp>
+        <p:nvSpPr>
+          <p:cNvPr id="2" name="Образ слайда 1"/>
+          <p:cNvSpPr>
+            <a:spLocks noGrp="1" noRot="1" noChangeAspect="1"/>
+          </p:cNvSpPr>
+          <p:nvPr>
+            <p:ph type="sldImg"/>
+          </p:nvPr>
+        </p:nvSpPr>
+        <p:spPr/>
+      </p:sp>
+      <p:sp>
+        <p:nvSpPr>
+          <p:cNvPr id="3" name="Заметки 2"/>
+          <p:cNvSpPr>
+            <a:spLocks noGrp="1"/>
+          </p:cNvSpPr>
+          <p:nvPr>
+            <p:ph type="body" idx="1"/>
+          </p:nvPr>
+        </p:nvSpPr>
+        <p:spPr/>
+        <p:txBody>
+          <a:bodyPr/>
+          <a:lstStyle/>
+          <a:p>
+            <a:r>
+              <a:rPr lang="ru-RU" dirty="0" smtClean="0"/>
+              <a:t>Для того,</a:t>
+            </a:r>
+            <a:r>
+              <a:rPr lang="ru-RU" baseline="0" dirty="0" smtClean="0"/>
+              <a:t> чтобы не выполнять ежедневную проверку функционала я сделал 39 автоматических тестов и запускал их 2 раза в день.</a:t>
+            </a:r>
+          </a:p>
+          <a:p>
+            <a:r>
+              <a:rPr lang="ru-RU" baseline="0" dirty="0" smtClean="0"/>
+              <a:t>Это позволяло мне понять : корректно ли в данными момент работают Элементы </a:t>
+            </a:r>
+            <a:r>
+              <a:rPr lang="en-US" baseline="0" dirty="0" smtClean="0"/>
+              <a:t>UI. </a:t>
+            </a:r>
+            <a:r>
+              <a:rPr lang="ru-RU" baseline="0" dirty="0" smtClean="0"/>
+              <a:t>В этом мне помог </a:t>
+            </a:r>
+            <a:r>
+              <a:rPr lang="en-US" baseline="0" dirty="0" smtClean="0"/>
+              <a:t>Selenium </a:t>
+            </a:r>
+            <a:r>
+              <a:rPr lang="ru-RU" baseline="0" dirty="0" smtClean="0"/>
+              <a:t>работающий корректно от нахождения Венеры в Козероге. Сами же тесты писал на </a:t>
+            </a:r>
+            <a:r>
+              <a:rPr lang="en-US" baseline="0" dirty="0" smtClean="0"/>
+              <a:t>Java </a:t>
+            </a:r>
+            <a:r>
+              <a:rPr lang="ru-RU" baseline="0" dirty="0" smtClean="0"/>
+              <a:t>с использованием обращения к элементам по </a:t>
+            </a:r>
+            <a:r>
+              <a:rPr lang="en-US" baseline="0" dirty="0" err="1" smtClean="0"/>
+              <a:t>xpath</a:t>
+            </a:r>
+            <a:r>
+              <a:rPr lang="en-US" baseline="0" dirty="0" smtClean="0"/>
+              <a:t> </a:t>
+            </a:r>
+            <a:r>
+              <a:rPr lang="ru-RU" baseline="0" dirty="0" smtClean="0"/>
+              <a:t>или по </a:t>
+            </a:r>
+            <a:r>
+              <a:rPr lang="en-US" baseline="0" dirty="0" smtClean="0"/>
+              <a:t>Id </a:t>
+            </a:r>
+            <a:r>
+              <a:rPr lang="ru-RU" baseline="0" dirty="0" smtClean="0"/>
+              <a:t>и </a:t>
+            </a:r>
+            <a:r>
+              <a:rPr lang="ru-RU" baseline="0" dirty="0" err="1" smtClean="0"/>
+              <a:t>тд</a:t>
+            </a:r>
+            <a:r>
+              <a:rPr lang="ru-RU" baseline="0" dirty="0" smtClean="0"/>
+              <a:t>.</a:t>
+            </a:r>
+            <a:endParaRPr lang="ru-RU" dirty="0"/>
+          </a:p>
+        </p:txBody>
+      </p:sp>
+      <p:sp>
+        <p:nvSpPr>
+          <p:cNvPr id="4" name="Номер слайда 3"/>
+          <p:cNvSpPr>
+            <a:spLocks noGrp="1"/>
+          </p:cNvSpPr>
+          <p:nvPr>
+            <p:ph type="sldNum" sz="quarter" idx="10"/>
+          </p:nvPr>
+        </p:nvSpPr>
+        <p:spPr/>
+        <p:txBody>
+          <a:bodyPr/>
+          <a:lstStyle/>
+          <a:p>
+            <a:fld id="{E56B264A-FD85-1B46-9265-710D0808F009}" type="slidenum">
+              <a:rPr lang="ru-RU" smtClean="0"/>
+              <a:t>8</a:t>
+            </a:fld>
+            <a:endParaRPr lang="ru-RU"/>
+          </a:p>
+        </p:txBody>
+      </p:sp>
+    </p:spTree>
+    <p:extLst>
+      <p:ext uri="{BB962C8B-B14F-4D97-AF65-F5344CB8AC3E}">
+        <p14:creationId xmlns:p14="http://schemas.microsoft.com/office/powerpoint/2010/main" val="478001883"/>
+      </p:ext>
+    </p:extLst>
+  </p:cSld>
+  <p:clrMapOvr>
+    <a:masterClrMapping/>
+  </p:clrMapOvr>
+</p:notes>
+</file>
+
+<file path=ppt/notesSlides/notesSlide9.xml><?xml version="1.0" encoding="utf-8"?>
+<p:notes xmlns:a="http://schemas.openxmlformats.org/drawingml/2006/main" xmlns:r="http://schemas.openxmlformats.org/officeDocument/2006/relationships" xmlns:p="http://schemas.openxmlformats.org/presentationml/2006/main">
+  <p:cSld>
+    <p:spTree>
+      <p:nvGrpSpPr>
+        <p:cNvPr id="1" name=""/>
+        <p:cNvGrpSpPr/>
+        <p:nvPr/>
+      </p:nvGrpSpPr>
+      <p:grpSpPr>
+        <a:xfrm>
+          <a:off x="0" y="0"/>
+          <a:ext cx="0" cy="0"/>
+          <a:chOff x="0" y="0"/>
+          <a:chExt cx="0" cy="0"/>
+        </a:xfrm>
+      </p:grpSpPr>
+      <p:sp>
+        <p:nvSpPr>
+          <p:cNvPr id="2" name="Образ слайда 1"/>
+          <p:cNvSpPr>
+            <a:spLocks noGrp="1" noRot="1" noChangeAspect="1"/>
+          </p:cNvSpPr>
+          <p:nvPr>
+            <p:ph type="sldImg"/>
+          </p:nvPr>
+        </p:nvSpPr>
+        <p:spPr/>
+      </p:sp>
+      <p:sp>
+        <p:nvSpPr>
+          <p:cNvPr id="3" name="Заметки 2"/>
+          <p:cNvSpPr>
+            <a:spLocks noGrp="1"/>
+          </p:cNvSpPr>
+          <p:nvPr>
+            <p:ph type="body" idx="1"/>
+          </p:nvPr>
+        </p:nvSpPr>
+        <p:spPr/>
+        <p:txBody>
+          <a:bodyPr/>
+          <a:lstStyle/>
+          <a:p>
+            <a:r>
+              <a:rPr lang="ru-RU" dirty="0" smtClean="0"/>
+              <a:t>Плавно переходим к демонстрации.</a:t>
+            </a:r>
+            <a:endParaRPr lang="ru-RU" dirty="0"/>
+          </a:p>
+        </p:txBody>
+      </p:sp>
+      <p:sp>
+        <p:nvSpPr>
+          <p:cNvPr id="4" name="Номер слайда 3"/>
+          <p:cNvSpPr>
+            <a:spLocks noGrp="1"/>
+          </p:cNvSpPr>
+          <p:nvPr>
+            <p:ph type="sldNum" sz="quarter" idx="10"/>
+          </p:nvPr>
+        </p:nvSpPr>
+        <p:spPr/>
+        <p:txBody>
+          <a:bodyPr/>
+          <a:lstStyle/>
+          <a:p>
+            <a:fld id="{E56B264A-FD85-1B46-9265-710D0808F009}" type="slidenum">
+              <a:rPr lang="ru-RU" smtClean="0"/>
+              <a:t>9</a:t>
+            </a:fld>
+            <a:endParaRPr lang="ru-RU"/>
+          </a:p>
+        </p:txBody>
+      </p:sp>
+    </p:spTree>
+    <p:extLst>
+      <p:ext uri="{BB962C8B-B14F-4D97-AF65-F5344CB8AC3E}">
+        <p14:creationId xmlns:p14="http://schemas.microsoft.com/office/powerpoint/2010/main" val="575215919"/>
       </p:ext>
     </p:extLst>
   </p:cSld>
@@ -1246,7 +1857,7 @@
           <a:p>
             <a:fld id="{C3C7FBEA-6A11-514B-9423-C113B0AD849F}" type="datetimeFigureOut">
               <a:rPr lang="ru-RU" smtClean="0"/>
-              <a:t>21.05.17</a:t>
+              <a:t>29.05.17</a:t>
             </a:fld>
             <a:endParaRPr lang="ru-RU"/>
           </a:p>
@@ -1416,7 +2027,7 @@
           <a:p>
             <a:fld id="{C3C7FBEA-6A11-514B-9423-C113B0AD849F}" type="datetimeFigureOut">
               <a:rPr lang="ru-RU" smtClean="0"/>
-              <a:t>21.05.17</a:t>
+              <a:t>29.05.17</a:t>
             </a:fld>
             <a:endParaRPr lang="ru-RU"/>
           </a:p>
@@ -1596,7 +2207,7 @@
           <a:p>
             <a:fld id="{C3C7FBEA-6A11-514B-9423-C113B0AD849F}" type="datetimeFigureOut">
               <a:rPr lang="ru-RU" smtClean="0"/>
-              <a:t>21.05.17</a:t>
+              <a:t>29.05.17</a:t>
             </a:fld>
             <a:endParaRPr lang="ru-RU"/>
           </a:p>
@@ -1766,7 +2377,7 @@
           <a:p>
             <a:fld id="{C3C7FBEA-6A11-514B-9423-C113B0AD849F}" type="datetimeFigureOut">
               <a:rPr lang="ru-RU" smtClean="0"/>
-              <a:t>21.05.17</a:t>
+              <a:t>29.05.17</a:t>
             </a:fld>
             <a:endParaRPr lang="ru-RU"/>
           </a:p>
@@ -2012,7 +2623,7 @@
           <a:p>
             <a:fld id="{C3C7FBEA-6A11-514B-9423-C113B0AD849F}" type="datetimeFigureOut">
               <a:rPr lang="ru-RU" smtClean="0"/>
-              <a:t>21.05.17</a:t>
+              <a:t>29.05.17</a:t>
             </a:fld>
             <a:endParaRPr lang="ru-RU"/>
           </a:p>
@@ -2244,7 +2855,7 @@
           <a:p>
             <a:fld id="{C3C7FBEA-6A11-514B-9423-C113B0AD849F}" type="datetimeFigureOut">
               <a:rPr lang="ru-RU" smtClean="0"/>
-              <a:t>21.05.17</a:t>
+              <a:t>29.05.17</a:t>
             </a:fld>
             <a:endParaRPr lang="ru-RU"/>
           </a:p>
@@ -2611,7 +3222,7 @@
           <a:p>
             <a:fld id="{C3C7FBEA-6A11-514B-9423-C113B0AD849F}" type="datetimeFigureOut">
               <a:rPr lang="ru-RU" smtClean="0"/>
-              <a:t>21.05.17</a:t>
+              <a:t>29.05.17</a:t>
             </a:fld>
             <a:endParaRPr lang="ru-RU"/>
           </a:p>
@@ -2729,7 +3340,7 @@
           <a:p>
             <a:fld id="{C3C7FBEA-6A11-514B-9423-C113B0AD849F}" type="datetimeFigureOut">
               <a:rPr lang="ru-RU" smtClean="0"/>
-              <a:t>21.05.17</a:t>
+              <a:t>29.05.17</a:t>
             </a:fld>
             <a:endParaRPr lang="ru-RU"/>
           </a:p>
@@ -2824,7 +3435,7 @@
           <a:p>
             <a:fld id="{C3C7FBEA-6A11-514B-9423-C113B0AD849F}" type="datetimeFigureOut">
               <a:rPr lang="ru-RU" smtClean="0"/>
-              <a:t>21.05.17</a:t>
+              <a:t>29.05.17</a:t>
             </a:fld>
             <a:endParaRPr lang="ru-RU"/>
           </a:p>
@@ -3101,7 +3712,7 @@
           <a:p>
             <a:fld id="{C3C7FBEA-6A11-514B-9423-C113B0AD849F}" type="datetimeFigureOut">
               <a:rPr lang="ru-RU" smtClean="0"/>
-              <a:t>21.05.17</a:t>
+              <a:t>29.05.17</a:t>
             </a:fld>
             <a:endParaRPr lang="ru-RU"/>
           </a:p>
@@ -3358,7 +3969,7 @@
           <a:p>
             <a:fld id="{C3C7FBEA-6A11-514B-9423-C113B0AD849F}" type="datetimeFigureOut">
               <a:rPr lang="ru-RU" smtClean="0"/>
-              <a:t>21.05.17</a:t>
+              <a:t>29.05.17</a:t>
             </a:fld>
             <a:endParaRPr lang="ru-RU"/>
           </a:p>
@@ -3571,7 +4182,7 @@
           <a:p>
             <a:fld id="{C3C7FBEA-6A11-514B-9423-C113B0AD849F}" type="datetimeFigureOut">
               <a:rPr lang="ru-RU" smtClean="0"/>
-              <a:t>21.05.17</a:t>
+              <a:t>29.05.17</a:t>
             </a:fld>
             <a:endParaRPr lang="ru-RU"/>
           </a:p>
@@ -4000,6 +4611,9 @@
           <a:p>
             <a:r>
               <a:rPr lang="en-US" sz="4000" dirty="0" smtClean="0">
+                <a:solidFill>
+                  <a:srgbClr val="FFFF00"/>
+                </a:solidFill>
                 <a:latin typeface="Courier New" charset="0"/>
                 <a:ea typeface="Courier New" charset="0"/>
                 <a:cs typeface="Courier New" charset="0"/>
@@ -4008,6 +4622,9 @@
             </a:r>
             <a:br>
               <a:rPr lang="en-US" sz="4000" dirty="0" smtClean="0">
+                <a:solidFill>
+                  <a:srgbClr val="FFFF00"/>
+                </a:solidFill>
                 <a:latin typeface="Courier New" charset="0"/>
                 <a:ea typeface="Courier New" charset="0"/>
                 <a:cs typeface="Courier New" charset="0"/>
@@ -4015,6 +4632,9 @@
             </a:br>
             <a:r>
               <a:rPr lang="en-US" sz="4000" dirty="0" err="1" smtClean="0">
+                <a:solidFill>
+                  <a:srgbClr val="FFFF00"/>
+                </a:solidFill>
                 <a:latin typeface="Courier New" charset="0"/>
                 <a:ea typeface="Courier New" charset="0"/>
                 <a:cs typeface="Courier New" charset="0"/>
@@ -4154,6 +4774,349 @@
     <p:extLst>
       <p:ext uri="{BB962C8B-B14F-4D97-AF65-F5344CB8AC3E}">
         <p14:creationId xmlns:p14="http://schemas.microsoft.com/office/powerpoint/2010/main" val="1044367033"/>
+      </p:ext>
+    </p:extLst>
+  </p:cSld>
+  <p:clrMapOvr>
+    <a:masterClrMapping/>
+  </p:clrMapOvr>
+  <p:timing>
+    <p:tnLst>
+      <p:par>
+        <p:cTn id="1" dur="indefinite" restart="never" nodeType="tmRoot"/>
+      </p:par>
+    </p:tnLst>
+  </p:timing>
+</p:sld>
+</file>
+
+<file path=ppt/slides/slide10.xml><?xml version="1.0" encoding="utf-8"?>
+<p:sld xmlns:a="http://schemas.openxmlformats.org/drawingml/2006/main" xmlns:r="http://schemas.openxmlformats.org/officeDocument/2006/relationships" xmlns:p="http://schemas.openxmlformats.org/presentationml/2006/main">
+  <p:cSld>
+    <p:spTree>
+      <p:nvGrpSpPr>
+        <p:cNvPr id="1" name=""/>
+        <p:cNvGrpSpPr/>
+        <p:nvPr/>
+      </p:nvGrpSpPr>
+      <p:grpSpPr>
+        <a:xfrm>
+          <a:off x="0" y="0"/>
+          <a:ext cx="0" cy="0"/>
+          <a:chOff x="0" y="0"/>
+          <a:chExt cx="0" cy="0"/>
+        </a:xfrm>
+      </p:grpSpPr>
+      <p:sp>
+        <p:nvSpPr>
+          <p:cNvPr id="2" name="Заголовок 1"/>
+          <p:cNvSpPr>
+            <a:spLocks noGrp="1"/>
+          </p:cNvSpPr>
+          <p:nvPr>
+            <p:ph type="title"/>
+          </p:nvPr>
+        </p:nvSpPr>
+        <p:spPr>
+          <a:xfrm>
+            <a:off x="900334" y="196998"/>
+            <a:ext cx="10515600" cy="1325563"/>
+          </a:xfrm>
+        </p:spPr>
+        <p:txBody>
+          <a:bodyPr/>
+          <a:lstStyle/>
+          <a:p>
+            <a:pPr algn="ctr"/>
+            <a:r>
+              <a:rPr lang="en-US" dirty="0" smtClean="0">
+                <a:solidFill>
+                  <a:srgbClr val="FFFF00"/>
+                </a:solidFill>
+                <a:latin typeface="Courier New" charset="0"/>
+                <a:ea typeface="Courier New" charset="0"/>
+                <a:cs typeface="Courier New" charset="0"/>
+              </a:rPr>
+              <a:t>//Result</a:t>
+            </a:r>
+            <a:endParaRPr lang="ru-RU" dirty="0">
+              <a:solidFill>
+                <a:srgbClr val="FFFF00"/>
+              </a:solidFill>
+              <a:latin typeface="Courier New" charset="0"/>
+              <a:ea typeface="Courier New" charset="0"/>
+              <a:cs typeface="Courier New" charset="0"/>
+            </a:endParaRPr>
+          </a:p>
+        </p:txBody>
+      </p:sp>
+      <p:sp>
+        <p:nvSpPr>
+          <p:cNvPr id="3" name="TextBox 2"/>
+          <p:cNvSpPr txBox="1"/>
+          <p:nvPr/>
+        </p:nvSpPr>
+        <p:spPr>
+          <a:xfrm>
+            <a:off x="1529862" y="2532185"/>
+            <a:ext cx="9302261" cy="1708160"/>
+          </a:xfrm>
+          <a:prstGeom prst="rect">
+            <a:avLst/>
+          </a:prstGeom>
+          <a:noFill/>
+        </p:spPr>
+        <p:txBody>
+          <a:bodyPr wrap="square" rtlCol="0">
+            <a:spAutoFit/>
+          </a:bodyPr>
+          <a:lstStyle/>
+          <a:p>
+            <a:pPr marL="457200" indent="-457200">
+              <a:buFont typeface="Arial" charset="0"/>
+              <a:buChar char="•"/>
+            </a:pPr>
+            <a:r>
+              <a:rPr lang="en-US" sz="3500" dirty="0" smtClean="0">
+                <a:latin typeface="Courier New" charset="0"/>
+                <a:ea typeface="Courier New" charset="0"/>
+                <a:cs typeface="Courier New" charset="0"/>
+              </a:rPr>
+              <a:t>Learned how to remake</a:t>
+            </a:r>
+          </a:p>
+          <a:p>
+            <a:pPr marL="457200" indent="-457200">
+              <a:buFont typeface="Arial" charset="0"/>
+              <a:buChar char="•"/>
+            </a:pPr>
+            <a:r>
+              <a:rPr lang="en-US" sz="3500" dirty="0">
+                <a:latin typeface="Courier New" charset="0"/>
+                <a:ea typeface="Courier New" charset="0"/>
+                <a:cs typeface="Courier New" charset="0"/>
+              </a:rPr>
+              <a:t>Learned to feel in a </a:t>
+            </a:r>
+            <a:r>
+              <a:rPr lang="en-US" sz="3500" dirty="0" smtClean="0">
+                <a:latin typeface="Courier New" charset="0"/>
+                <a:ea typeface="Courier New" charset="0"/>
+                <a:cs typeface="Courier New" charset="0"/>
+              </a:rPr>
+              <a:t>team</a:t>
+            </a:r>
+            <a:endParaRPr lang="ru-RU" sz="3500" dirty="0" smtClean="0">
+              <a:latin typeface="Courier New" charset="0"/>
+              <a:ea typeface="Courier New" charset="0"/>
+              <a:cs typeface="Courier New" charset="0"/>
+            </a:endParaRPr>
+          </a:p>
+          <a:p>
+            <a:pPr marL="457200" indent="-457200">
+              <a:buFont typeface="Arial" charset="0"/>
+              <a:buChar char="•"/>
+            </a:pPr>
+            <a:endParaRPr lang="ru-RU" sz="3500" dirty="0">
+              <a:latin typeface="Courier New" charset="0"/>
+              <a:ea typeface="Courier New" charset="0"/>
+              <a:cs typeface="Courier New" charset="0"/>
+            </a:endParaRPr>
+          </a:p>
+        </p:txBody>
+      </p:sp>
+    </p:spTree>
+    <p:extLst>
+      <p:ext uri="{BB962C8B-B14F-4D97-AF65-F5344CB8AC3E}">
+        <p14:creationId xmlns:p14="http://schemas.microsoft.com/office/powerpoint/2010/main" val="600550298"/>
+      </p:ext>
+    </p:extLst>
+  </p:cSld>
+  <p:clrMapOvr>
+    <a:masterClrMapping/>
+  </p:clrMapOvr>
+  <p:timing>
+    <p:tnLst>
+      <p:par>
+        <p:cTn id="1" dur="indefinite" restart="never" nodeType="tmRoot"/>
+      </p:par>
+    </p:tnLst>
+  </p:timing>
+</p:sld>
+</file>
+
+<file path=ppt/slides/slide11.xml><?xml version="1.0" encoding="utf-8"?>
+<p:sld xmlns:a="http://schemas.openxmlformats.org/drawingml/2006/main" xmlns:r="http://schemas.openxmlformats.org/officeDocument/2006/relationships" xmlns:p="http://schemas.openxmlformats.org/presentationml/2006/main">
+  <p:cSld>
+    <p:spTree>
+      <p:nvGrpSpPr>
+        <p:cNvPr id="1" name=""/>
+        <p:cNvGrpSpPr/>
+        <p:nvPr/>
+      </p:nvGrpSpPr>
+      <p:grpSpPr>
+        <a:xfrm>
+          <a:off x="0" y="0"/>
+          <a:ext cx="0" cy="0"/>
+          <a:chOff x="0" y="0"/>
+          <a:chExt cx="0" cy="0"/>
+        </a:xfrm>
+      </p:grpSpPr>
+      <p:sp>
+        <p:nvSpPr>
+          <p:cNvPr id="2" name="Заголовок 1"/>
+          <p:cNvSpPr>
+            <a:spLocks noGrp="1"/>
+          </p:cNvSpPr>
+          <p:nvPr>
+            <p:ph type="title"/>
+          </p:nvPr>
+        </p:nvSpPr>
+        <p:spPr/>
+        <p:txBody>
+          <a:bodyPr/>
+          <a:lstStyle/>
+          <a:p>
+            <a:pPr algn="ctr"/>
+            <a:r>
+              <a:rPr lang="en-US" dirty="0" smtClean="0"/>
+              <a:t>Q&amp;A</a:t>
+            </a:r>
+            <a:endParaRPr lang="ru-RU" dirty="0"/>
+          </a:p>
+        </p:txBody>
+      </p:sp>
+      <p:sp>
+        <p:nvSpPr>
+          <p:cNvPr id="3" name="Объект 2"/>
+          <p:cNvSpPr>
+            <a:spLocks noGrp="1"/>
+          </p:cNvSpPr>
+          <p:nvPr>
+            <p:ph idx="1"/>
+          </p:nvPr>
+        </p:nvSpPr>
+        <p:spPr>
+          <a:xfrm>
+            <a:off x="2757487" y="2311399"/>
+            <a:ext cx="6677025" cy="3103563"/>
+          </a:xfrm>
+        </p:spPr>
+        <p:txBody>
+          <a:bodyPr/>
+          <a:lstStyle/>
+          <a:p>
+            <a:pPr marL="0" marR="0" lvl="0" indent="0" algn="ctr" defTabSz="914400" eaLnBrk="1" fontAlgn="auto" latinLnBrk="0" hangingPunct="1">
+              <a:lnSpc>
+                <a:spcPct val="100000"/>
+              </a:lnSpc>
+              <a:spcBef>
+                <a:spcPts val="0"/>
+              </a:spcBef>
+              <a:spcAft>
+                <a:spcPts val="0"/>
+              </a:spcAft>
+              <a:buClrTx/>
+              <a:buSzTx/>
+              <a:buFontTx/>
+              <a:buNone/>
+              <a:tabLst/>
+              <a:defRPr/>
+            </a:pPr>
+            <a:r>
+              <a:rPr lang="en-US" sz="3200" dirty="0" err="1" smtClean="0">
+                <a:latin typeface="Courier New" charset="0"/>
+                <a:ea typeface="Courier New" charset="0"/>
+                <a:cs typeface="Courier New" charset="0"/>
+              </a:rPr>
+              <a:t>Prendota</a:t>
+            </a:r>
+            <a:r>
+              <a:rPr lang="en-US" sz="3200" dirty="0" smtClean="0">
+                <a:latin typeface="Courier New" charset="0"/>
+                <a:ea typeface="Courier New" charset="0"/>
+                <a:cs typeface="Courier New" charset="0"/>
+              </a:rPr>
+              <a:t>  Alexander</a:t>
+            </a:r>
+          </a:p>
+          <a:p>
+            <a:pPr marL="0" marR="0" lvl="0" indent="0" algn="ctr" defTabSz="914400" eaLnBrk="1" fontAlgn="auto" latinLnBrk="0" hangingPunct="1">
+              <a:lnSpc>
+                <a:spcPct val="100000"/>
+              </a:lnSpc>
+              <a:spcBef>
+                <a:spcPts val="0"/>
+              </a:spcBef>
+              <a:spcAft>
+                <a:spcPts val="0"/>
+              </a:spcAft>
+              <a:buClrTx/>
+              <a:buSzTx/>
+              <a:buFontTx/>
+              <a:buNone/>
+              <a:tabLst/>
+              <a:defRPr/>
+            </a:pPr>
+            <a:endParaRPr lang="en-US" sz="3200" dirty="0">
+              <a:latin typeface="Courier New" charset="0"/>
+              <a:ea typeface="Courier New" charset="0"/>
+              <a:cs typeface="Courier New" charset="0"/>
+            </a:endParaRPr>
+          </a:p>
+          <a:p>
+            <a:pPr marL="0" marR="0" lvl="0" indent="0" algn="ctr" defTabSz="914400" eaLnBrk="1" fontAlgn="auto" latinLnBrk="0" hangingPunct="1">
+              <a:lnSpc>
+                <a:spcPct val="100000"/>
+              </a:lnSpc>
+              <a:spcBef>
+                <a:spcPts val="0"/>
+              </a:spcBef>
+              <a:spcAft>
+                <a:spcPts val="0"/>
+              </a:spcAft>
+              <a:buClrTx/>
+              <a:buSzTx/>
+              <a:buFontTx/>
+              <a:buNone/>
+              <a:tabLst/>
+              <a:defRPr/>
+            </a:pPr>
+            <a:r>
+              <a:rPr lang="en-US" sz="3200" dirty="0">
+                <a:latin typeface="Courier New" charset="0"/>
+                <a:ea typeface="Courier New" charset="0"/>
+                <a:cs typeface="Courier New" charset="0"/>
+              </a:rPr>
+              <a:t>Prendota@mail.ru</a:t>
+            </a:r>
+          </a:p>
+          <a:p>
+            <a:pPr marL="0" marR="0" lvl="0" indent="0" defTabSz="914400" eaLnBrk="1" fontAlgn="auto" latinLnBrk="0" hangingPunct="1">
+              <a:lnSpc>
+                <a:spcPct val="100000"/>
+              </a:lnSpc>
+              <a:spcBef>
+                <a:spcPts val="0"/>
+              </a:spcBef>
+              <a:spcAft>
+                <a:spcPts val="0"/>
+              </a:spcAft>
+              <a:buClrTx/>
+              <a:buSzTx/>
+              <a:buFontTx/>
+              <a:buNone/>
+              <a:tabLst/>
+              <a:defRPr/>
+            </a:pPr>
+            <a:endParaRPr lang="ru-RU" dirty="0"/>
+          </a:p>
+        </p:txBody>
+      </p:sp>
+    </p:spTree>
+    <p:extLst>
+      <p:ext uri="{BB962C8B-B14F-4D97-AF65-F5344CB8AC3E}">
+        <p14:creationId xmlns:p14="http://schemas.microsoft.com/office/powerpoint/2010/main" val="481617623"/>
       </p:ext>
     </p:extLst>
   </p:cSld>
@@ -4197,7 +5160,12 @@
             <p:ph type="title"/>
           </p:nvPr>
         </p:nvSpPr>
-        <p:spPr/>
+        <p:spPr>
+          <a:xfrm>
+            <a:off x="838199" y="0"/>
+            <a:ext cx="10515600" cy="1325563"/>
+          </a:xfrm>
+        </p:spPr>
         <p:txBody>
           <a:bodyPr/>
           <a:lstStyle/>
@@ -4212,18 +5180,7 @@
                 <a:ea typeface="Courier New" charset="0"/>
                 <a:cs typeface="Courier New" charset="0"/>
               </a:rPr>
-              <a:t>//</a:t>
-            </a:r>
-            <a:r>
-              <a:rPr lang="en-US" dirty="0" smtClean="0">
-                <a:solidFill>
-                  <a:srgbClr val="FFFF00"/>
-                </a:solidFill>
-                <a:latin typeface="Courier New" charset="0"/>
-                <a:ea typeface="Courier New" charset="0"/>
-                <a:cs typeface="Courier New" charset="0"/>
-              </a:rPr>
-              <a:t>DONE</a:t>
+              <a:t>//DONE</a:t>
             </a:r>
             <a:endParaRPr lang="ru-RU" dirty="0">
               <a:solidFill>
@@ -4248,8 +5205,8 @@
         </p:nvSpPr>
         <p:spPr>
           <a:xfrm>
-            <a:off x="1453661" y="1570161"/>
-            <a:ext cx="10515600" cy="4803775"/>
+            <a:off x="0" y="1097817"/>
+            <a:ext cx="12192000" cy="4803775"/>
           </a:xfrm>
         </p:spPr>
         <p:txBody>
@@ -4258,6 +5215,9 @@
           </a:bodyPr>
           <a:lstStyle/>
           <a:p>
+            <a:pPr marL="0" indent="0" algn="ctr">
+              <a:buNone/>
+            </a:pPr>
             <a:r>
               <a:rPr lang="en-US" sz="4000" dirty="0" err="1" smtClean="0">
                 <a:latin typeface="Courier New" charset="0"/>
@@ -4267,20 +5227,12 @@
               <a:t>JustRailWays</a:t>
             </a:r>
             <a:r>
-              <a:rPr lang="en-US" sz="4000" dirty="0">
-                <a:latin typeface="Courier New" charset="0"/>
-                <a:ea typeface="Courier New" charset="0"/>
-                <a:cs typeface="Courier New" charset="0"/>
-              </a:rPr>
-              <a:t> </a:t>
-            </a:r>
-            <a:r>
               <a:rPr lang="en-US" sz="4000" dirty="0" smtClean="0">
                 <a:latin typeface="Courier New" charset="0"/>
                 <a:ea typeface="Courier New" charset="0"/>
                 <a:cs typeface="Courier New" charset="0"/>
               </a:rPr>
-              <a:t>Application </a:t>
+              <a:t> Application </a:t>
             </a:r>
             <a:r>
               <a:rPr lang="pt-BR" sz="4000" dirty="0" smtClean="0">
@@ -4290,119 +5242,49 @@
               </a:rPr>
               <a:t>37.139.26.89:8080/home</a:t>
             </a:r>
-            <a:endParaRPr lang="en-US" sz="4000" dirty="0">
+            <a:endParaRPr lang="ru-RU" sz="4000" dirty="0">
               <a:latin typeface="Courier New" charset="0"/>
               <a:ea typeface="Courier New" charset="0"/>
               <a:cs typeface="Courier New" charset="0"/>
             </a:endParaRPr>
           </a:p>
-          <a:p>
-            <a:pPr marL="0" indent="0">
-              <a:buNone/>
-            </a:pPr>
-            <a:r>
-              <a:rPr lang="en-US" sz="4000" dirty="0">
-                <a:latin typeface="Courier New" charset="0"/>
-                <a:ea typeface="Courier New" charset="0"/>
-                <a:cs typeface="Courier New" charset="0"/>
-              </a:rPr>
-              <a:t>	</a:t>
-            </a:r>
-            <a:r>
-              <a:rPr lang="en-US" sz="4000" i="1" dirty="0" smtClean="0">
-                <a:latin typeface="Courier New" charset="0"/>
-                <a:ea typeface="Courier New" charset="0"/>
-                <a:cs typeface="Courier New" charset="0"/>
-              </a:rPr>
-              <a:t>Spring Framework</a:t>
-            </a:r>
-            <a:endParaRPr lang="en-US" sz="4000" i="1" dirty="0" smtClean="0">
-              <a:latin typeface="Courier New" charset="0"/>
-              <a:ea typeface="Courier New" charset="0"/>
-              <a:cs typeface="Courier New" charset="0"/>
-            </a:endParaRPr>
-          </a:p>
-          <a:p>
-            <a:r>
-              <a:rPr lang="en-US" sz="4000" dirty="0" err="1" smtClean="0">
-                <a:latin typeface="Courier New" charset="0"/>
-                <a:ea typeface="Courier New" charset="0"/>
-                <a:cs typeface="Courier New" charset="0"/>
-              </a:rPr>
-              <a:t>TimeSchedule</a:t>
-            </a:r>
-            <a:r>
-              <a:rPr lang="en-US" sz="4000" dirty="0" smtClean="0">
-                <a:latin typeface="Courier New" charset="0"/>
-                <a:ea typeface="Courier New" charset="0"/>
-                <a:cs typeface="Courier New" charset="0"/>
-              </a:rPr>
-              <a:t> Application </a:t>
-            </a:r>
-          </a:p>
-          <a:p>
-            <a:pPr marL="0" indent="0">
-              <a:buNone/>
-            </a:pPr>
-            <a:r>
-              <a:rPr lang="en-US" sz="4000" dirty="0" smtClean="0">
-                <a:latin typeface="Courier New" charset="0"/>
-                <a:ea typeface="Courier New" charset="0"/>
-                <a:cs typeface="Courier New" charset="0"/>
-              </a:rPr>
-              <a:t>	</a:t>
-            </a:r>
-            <a:r>
-              <a:rPr lang="en-US" sz="4000" i="1" dirty="0" smtClean="0">
-                <a:latin typeface="Courier New" charset="0"/>
-                <a:ea typeface="Courier New" charset="0"/>
-                <a:cs typeface="Courier New" charset="0"/>
-              </a:rPr>
-              <a:t>JSF/EJB</a:t>
-            </a:r>
-            <a:endParaRPr lang="en-US" sz="4000" i="1" dirty="0">
-              <a:latin typeface="Courier New" charset="0"/>
-              <a:ea typeface="Courier New" charset="0"/>
-              <a:cs typeface="Courier New" charset="0"/>
-            </a:endParaRPr>
-          </a:p>
-          <a:p>
-            <a:r>
-              <a:rPr lang="en-US" sz="4000" dirty="0" smtClean="0">
-                <a:latin typeface="Courier New" charset="0"/>
-                <a:ea typeface="Courier New" charset="0"/>
-                <a:cs typeface="Courier New" charset="0"/>
-              </a:rPr>
-              <a:t>Station Schedule Application</a:t>
-            </a:r>
-          </a:p>
-          <a:p>
-            <a:pPr marL="0" indent="0">
-              <a:buNone/>
-            </a:pPr>
-            <a:r>
-              <a:rPr lang="en-US" sz="4000" dirty="0">
-                <a:latin typeface="Courier New" charset="0"/>
-                <a:ea typeface="Courier New" charset="0"/>
-                <a:cs typeface="Courier New" charset="0"/>
-              </a:rPr>
-              <a:t>	</a:t>
-            </a:r>
-            <a:r>
-              <a:rPr lang="en-US" sz="4000" i="1" dirty="0" smtClean="0">
-                <a:latin typeface="Courier New" charset="0"/>
-                <a:ea typeface="Courier New" charset="0"/>
-                <a:cs typeface="Courier New" charset="0"/>
-              </a:rPr>
-              <a:t>Angular JS</a:t>
-            </a:r>
-          </a:p>
-        </p:txBody>
-      </p:sp>
+        </p:txBody>
+      </p:sp>
+      <p:pic>
+        <p:nvPicPr>
+          <p:cNvPr id="4" name="Объект 3"/>
+          <p:cNvPicPr>
+            <a:picLocks noChangeAspect="1"/>
+          </p:cNvPicPr>
+          <p:nvPr/>
+        </p:nvPicPr>
+        <p:blipFill>
+          <a:blip r:embed="rId3">
+            <a:alphaModFix amt="85000"/>
+            <a:extLst>
+              <a:ext uri="{28A0092B-C50C-407E-A947-70E740481C1C}">
+                <a14:useLocalDpi xmlns:a14="http://schemas.microsoft.com/office/drawing/2010/main" val="0"/>
+              </a:ext>
+            </a:extLst>
+          </a:blip>
+          <a:stretch>
+            <a:fillRect/>
+          </a:stretch>
+        </p:blipFill>
+        <p:spPr>
+          <a:xfrm>
+            <a:off x="2329725" y="2423380"/>
+            <a:ext cx="7532548" cy="3781424"/>
+          </a:xfrm>
+          <a:prstGeom prst="rect">
+            <a:avLst/>
+          </a:prstGeom>
+        </p:spPr>
+      </p:pic>
     </p:spTree>
     <p:extLst>
       <p:ext uri="{BB962C8B-B14F-4D97-AF65-F5344CB8AC3E}">
-        <p14:creationId xmlns:p14="http://schemas.microsoft.com/office/powerpoint/2010/main" val="476913084"/>
+        <p14:creationId xmlns:p14="http://schemas.microsoft.com/office/powerpoint/2010/main" val="553910269"/>
       </p:ext>
     </p:extLst>
   </p:cSld>
@@ -4446,12 +5328,7 @@
             <p:ph type="title"/>
           </p:nvPr>
         </p:nvSpPr>
-        <p:spPr>
-          <a:xfrm>
-            <a:off x="838199" y="0"/>
-            <a:ext cx="10515600" cy="1325563"/>
-          </a:xfrm>
-        </p:spPr>
+        <p:spPr/>
         <p:txBody>
           <a:bodyPr/>
           <a:lstStyle/>
@@ -4466,18 +5343,7 @@
                 <a:ea typeface="Courier New" charset="0"/>
                 <a:cs typeface="Courier New" charset="0"/>
               </a:rPr>
-              <a:t>//What </a:t>
-            </a:r>
-            <a:r>
-              <a:rPr lang="en-US" dirty="0">
-                <a:solidFill>
-                  <a:srgbClr val="FFFF00"/>
-                </a:solidFill>
-                <a:latin typeface="Courier New" charset="0"/>
-                <a:ea typeface="Courier New" charset="0"/>
-                <a:cs typeface="Courier New" charset="0"/>
-              </a:rPr>
-              <a:t>happened?</a:t>
+              <a:t>//Features</a:t>
             </a:r>
             <a:endParaRPr lang="ru-RU" dirty="0">
               <a:solidFill>
@@ -4490,40 +5356,99 @@
           </a:p>
         </p:txBody>
       </p:sp>
-      <p:pic>
-        <p:nvPicPr>
-          <p:cNvPr id="4" name="Объект 3"/>
-          <p:cNvPicPr>
-            <a:picLocks noGrp="1" noChangeAspect="1"/>
-          </p:cNvPicPr>
+      <p:sp>
+        <p:nvSpPr>
+          <p:cNvPr id="3" name="Объект 2"/>
+          <p:cNvSpPr>
+            <a:spLocks noGrp="1"/>
+          </p:cNvSpPr>
           <p:nvPr>
             <p:ph idx="1"/>
           </p:nvPr>
-        </p:nvPicPr>
-        <p:blipFill>
-          <a:blip r:embed="rId3">
-            <a:alphaModFix amt="85000"/>
-            <a:extLst>
-              <a:ext uri="{28A0092B-C50C-407E-A947-70E740481C1C}">
-                <a14:useLocalDpi xmlns:a14="http://schemas.microsoft.com/office/drawing/2010/main" val="0"/>
-              </a:ext>
-            </a:extLst>
-          </a:blip>
-          <a:stretch>
-            <a:fillRect/>
-          </a:stretch>
-        </p:blipFill>
-        <p:spPr>
-          <a:xfrm>
-            <a:off x="1762095" y="1582737"/>
-            <a:ext cx="8667809" cy="4351338"/>
-          </a:xfrm>
-        </p:spPr>
-      </p:pic>
+        </p:nvSpPr>
+        <p:spPr/>
+        <p:txBody>
+          <a:bodyPr>
+            <a:normAutofit/>
+          </a:bodyPr>
+          <a:lstStyle/>
+          <a:p>
+            <a:pPr algn="ctr"/>
+            <a:r>
+              <a:rPr lang="en-US" sz="4000" dirty="0" smtClean="0">
+                <a:latin typeface="Courier New" charset="0"/>
+                <a:ea typeface="Courier New" charset="0"/>
+                <a:cs typeface="Courier New" charset="0"/>
+              </a:rPr>
+              <a:t>Price</a:t>
+            </a:r>
+          </a:p>
+          <a:p>
+            <a:pPr algn="ctr"/>
+            <a:r>
+              <a:rPr lang="en-US" sz="4000" dirty="0" smtClean="0">
+                <a:latin typeface="Courier New" charset="0"/>
+                <a:ea typeface="Courier New" charset="0"/>
+                <a:cs typeface="Courier New" charset="0"/>
+              </a:rPr>
+              <a:t>Support</a:t>
+            </a:r>
+          </a:p>
+          <a:p>
+            <a:pPr algn="ctr"/>
+            <a:r>
+              <a:rPr lang="en-US" sz="4000" dirty="0" smtClean="0">
+                <a:latin typeface="Courier New" charset="0"/>
+                <a:ea typeface="Courier New" charset="0"/>
+                <a:cs typeface="Courier New" charset="0"/>
+              </a:rPr>
+              <a:t>Statistics</a:t>
+            </a:r>
+          </a:p>
+          <a:p>
+            <a:pPr algn="ctr"/>
+            <a:r>
+              <a:rPr lang="en-US" sz="4000" dirty="0" smtClean="0">
+                <a:latin typeface="Courier New" charset="0"/>
+                <a:ea typeface="Courier New" charset="0"/>
+                <a:cs typeface="Courier New" charset="0"/>
+              </a:rPr>
+              <a:t>Transfer ways</a:t>
+            </a:r>
+          </a:p>
+          <a:p>
+            <a:pPr algn="ctr"/>
+            <a:r>
+              <a:rPr lang="en-US" sz="4000" dirty="0" smtClean="0">
+                <a:latin typeface="Courier New" charset="0"/>
+                <a:ea typeface="Courier New" charset="0"/>
+                <a:cs typeface="Courier New" charset="0"/>
+              </a:rPr>
+              <a:t>Generate QR-code</a:t>
+            </a:r>
+          </a:p>
+          <a:p>
+            <a:pPr algn="ctr"/>
+            <a:r>
+              <a:rPr lang="en-US" sz="4000" dirty="0" smtClean="0">
+                <a:latin typeface="Courier New" charset="0"/>
+                <a:ea typeface="Courier New" charset="0"/>
+                <a:cs typeface="Courier New" charset="0"/>
+              </a:rPr>
+              <a:t>Abstract back and frond</a:t>
+            </a:r>
+            <a:endParaRPr lang="ru-RU" sz="4000" dirty="0">
+              <a:latin typeface="Courier New" charset="0"/>
+              <a:ea typeface="Courier New" charset="0"/>
+              <a:cs typeface="Courier New" charset="0"/>
+            </a:endParaRPr>
+          </a:p>
+        </p:txBody>
+      </p:sp>
     </p:spTree>
     <p:extLst>
       <p:ext uri="{BB962C8B-B14F-4D97-AF65-F5344CB8AC3E}">
-        <p14:creationId xmlns:p14="http://schemas.microsoft.com/office/powerpoint/2010/main" val="559203809"/>
+        <p14:creationId xmlns:p14="http://schemas.microsoft.com/office/powerpoint/2010/main" val="1239269725"/>
       </p:ext>
     </p:extLst>
   </p:cSld>
@@ -4564,7 +5489,256 @@
                                           </p:stCondLst>
                                         </p:cTn>
                                         <p:tgtEl>
-                                          <p:spTgt spid="4"/>
+                                          <p:spTgt spid="3">
+                                            <p:txEl>
+                                              <p:pRg st="0" end="0"/>
+                                            </p:txEl>
+                                          </p:spTgt>
+                                        </p:tgtEl>
+                                        <p:attrNameLst>
+                                          <p:attrName>style.visibility</p:attrName>
+                                        </p:attrNameLst>
+                                      </p:cBhvr>
+                                      <p:to>
+                                        <p:strVal val="visible"/>
+                                      </p:to>
+                                    </p:set>
+                                  </p:childTnLst>
+                                </p:cTn>
+                              </p:par>
+                            </p:childTnLst>
+                          </p:cTn>
+                        </p:par>
+                      </p:childTnLst>
+                    </p:cTn>
+                  </p:par>
+                  <p:par>
+                    <p:cTn id="7" fill="hold">
+                      <p:stCondLst>
+                        <p:cond delay="indefinite"/>
+                      </p:stCondLst>
+                      <p:childTnLst>
+                        <p:par>
+                          <p:cTn id="8" fill="hold">
+                            <p:stCondLst>
+                              <p:cond delay="0"/>
+                            </p:stCondLst>
+                            <p:childTnLst>
+                              <p:par>
+                                <p:cTn id="9" presetID="1" presetClass="entr" presetSubtype="0" fill="hold" nodeType="clickEffect">
+                                  <p:stCondLst>
+                                    <p:cond delay="0"/>
+                                  </p:stCondLst>
+                                  <p:childTnLst>
+                                    <p:set>
+                                      <p:cBhvr>
+                                        <p:cTn id="10" dur="1" fill="hold">
+                                          <p:stCondLst>
+                                            <p:cond delay="0"/>
+                                          </p:stCondLst>
+                                        </p:cTn>
+                                        <p:tgtEl>
+                                          <p:spTgt spid="3">
+                                            <p:txEl>
+                                              <p:pRg st="1" end="1"/>
+                                            </p:txEl>
+                                          </p:spTgt>
+                                        </p:tgtEl>
+                                        <p:attrNameLst>
+                                          <p:attrName>style.visibility</p:attrName>
+                                        </p:attrNameLst>
+                                      </p:cBhvr>
+                                      <p:to>
+                                        <p:strVal val="visible"/>
+                                      </p:to>
+                                    </p:set>
+                                  </p:childTnLst>
+                                </p:cTn>
+                              </p:par>
+                            </p:childTnLst>
+                          </p:cTn>
+                        </p:par>
+                      </p:childTnLst>
+                    </p:cTn>
+                  </p:par>
+                  <p:par>
+                    <p:cTn id="11" fill="hold">
+                      <p:stCondLst>
+                        <p:cond delay="indefinite"/>
+                      </p:stCondLst>
+                      <p:childTnLst>
+                        <p:par>
+                          <p:cTn id="12" fill="hold">
+                            <p:stCondLst>
+                              <p:cond delay="0"/>
+                            </p:stCondLst>
+                            <p:childTnLst>
+                              <p:par>
+                                <p:cTn id="13" presetID="1" presetClass="entr" presetSubtype="0" fill="hold" nodeType="clickEffect">
+                                  <p:stCondLst>
+                                    <p:cond delay="0"/>
+                                  </p:stCondLst>
+                                  <p:childTnLst>
+                                    <p:set>
+                                      <p:cBhvr>
+                                        <p:cTn id="14" dur="1" fill="hold">
+                                          <p:stCondLst>
+                                            <p:cond delay="0"/>
+                                          </p:stCondLst>
+                                        </p:cTn>
+                                        <p:tgtEl>
+                                          <p:spTgt spid="3">
+                                            <p:txEl>
+                                              <p:pRg st="2" end="2"/>
+                                            </p:txEl>
+                                          </p:spTgt>
+                                        </p:tgtEl>
+                                        <p:attrNameLst>
+                                          <p:attrName>style.visibility</p:attrName>
+                                        </p:attrNameLst>
+                                      </p:cBhvr>
+                                      <p:to>
+                                        <p:strVal val="visible"/>
+                                      </p:to>
+                                    </p:set>
+                                  </p:childTnLst>
+                                </p:cTn>
+                              </p:par>
+                            </p:childTnLst>
+                          </p:cTn>
+                        </p:par>
+                      </p:childTnLst>
+                    </p:cTn>
+                  </p:par>
+                  <p:par>
+                    <p:cTn id="15" fill="hold">
+                      <p:stCondLst>
+                        <p:cond delay="indefinite"/>
+                      </p:stCondLst>
+                      <p:childTnLst>
+                        <p:par>
+                          <p:cTn id="16" fill="hold">
+                            <p:stCondLst>
+                              <p:cond delay="0"/>
+                            </p:stCondLst>
+                            <p:childTnLst>
+                              <p:par>
+                                <p:cTn id="17" presetID="1" presetClass="entr" presetSubtype="0" fill="hold" nodeType="clickEffect">
+                                  <p:stCondLst>
+                                    <p:cond delay="0"/>
+                                  </p:stCondLst>
+                                  <p:childTnLst>
+                                    <p:set>
+                                      <p:cBhvr>
+                                        <p:cTn id="18" dur="1" fill="hold">
+                                          <p:stCondLst>
+                                            <p:cond delay="0"/>
+                                          </p:stCondLst>
+                                        </p:cTn>
+                                        <p:tgtEl>
+                                          <p:spTgt spid="3">
+                                            <p:txEl>
+                                              <p:pRg st="3" end="3"/>
+                                            </p:txEl>
+                                          </p:spTgt>
+                                        </p:tgtEl>
+                                        <p:attrNameLst>
+                                          <p:attrName>style.visibility</p:attrName>
+                                        </p:attrNameLst>
+                                      </p:cBhvr>
+                                      <p:to>
+                                        <p:strVal val="visible"/>
+                                      </p:to>
+                                    </p:set>
+                                  </p:childTnLst>
+                                </p:cTn>
+                              </p:par>
+                            </p:childTnLst>
+                          </p:cTn>
+                        </p:par>
+                      </p:childTnLst>
+                    </p:cTn>
+                  </p:par>
+                  <p:par>
+                    <p:cTn id="19" fill="hold">
+                      <p:stCondLst>
+                        <p:cond delay="indefinite"/>
+                      </p:stCondLst>
+                      <p:childTnLst>
+                        <p:par>
+                          <p:cTn id="20" fill="hold">
+                            <p:stCondLst>
+                              <p:cond delay="0"/>
+                            </p:stCondLst>
+                            <p:childTnLst>
+                              <p:par>
+                                <p:cTn id="21" presetID="1" presetClass="entr" presetSubtype="0" fill="hold" nodeType="clickEffect">
+                                  <p:stCondLst>
+                                    <p:cond delay="0"/>
+                                  </p:stCondLst>
+                                  <p:childTnLst>
+                                    <p:set>
+                                      <p:cBhvr>
+                                        <p:cTn id="22" dur="1" fill="hold">
+                                          <p:stCondLst>
+                                            <p:cond delay="0"/>
+                                          </p:stCondLst>
+                                        </p:cTn>
+                                        <p:tgtEl>
+                                          <p:spTgt spid="3">
+                                            <p:txEl>
+                                              <p:pRg st="4" end="4"/>
+                                            </p:txEl>
+                                          </p:spTgt>
+                                        </p:tgtEl>
+                                        <p:attrNameLst>
+                                          <p:attrName>style.visibility</p:attrName>
+                                        </p:attrNameLst>
+                                      </p:cBhvr>
+                                      <p:to>
+                                        <p:strVal val="visible"/>
+                                      </p:to>
+                                    </p:set>
+                                  </p:childTnLst>
+                                </p:cTn>
+                              </p:par>
+                            </p:childTnLst>
+                          </p:cTn>
+                        </p:par>
+                      </p:childTnLst>
+                    </p:cTn>
+                  </p:par>
+                  <p:par>
+                    <p:cTn id="23" fill="hold">
+                      <p:stCondLst>
+                        <p:cond delay="indefinite"/>
+                      </p:stCondLst>
+                      <p:childTnLst>
+                        <p:par>
+                          <p:cTn id="24" fill="hold">
+                            <p:stCondLst>
+                              <p:cond delay="0"/>
+                            </p:stCondLst>
+                            <p:childTnLst>
+                              <p:par>
+                                <p:cTn id="25" presetID="1" presetClass="entr" presetSubtype="0" fill="hold" nodeType="clickEffect">
+                                  <p:stCondLst>
+                                    <p:cond delay="0"/>
+                                  </p:stCondLst>
+                                  <p:childTnLst>
+                                    <p:set>
+                                      <p:cBhvr>
+                                        <p:cTn id="26" dur="1" fill="hold">
+                                          <p:stCondLst>
+                                            <p:cond delay="0"/>
+                                          </p:stCondLst>
+                                        </p:cTn>
+                                        <p:tgtEl>
+                                          <p:spTgt spid="3">
+                                            <p:txEl>
+                                              <p:pRg st="5" end="5"/>
+                                            </p:txEl>
+                                          </p:spTgt>
                                         </p:tgtEl>
                                         <p:attrNameLst>
                                           <p:attrName>style.visibility</p:attrName>
@@ -4637,7 +5811,7 @@
         </p:nvSpPr>
         <p:spPr>
           <a:xfrm>
-            <a:off x="838199" y="0"/>
+            <a:off x="592016" y="-42038"/>
             <a:ext cx="10515600" cy="1325563"/>
           </a:xfrm>
         </p:spPr>
@@ -4655,18 +5829,7 @@
                 <a:ea typeface="Courier New" charset="0"/>
                 <a:cs typeface="Courier New" charset="0"/>
               </a:rPr>
-              <a:t>//What </a:t>
-            </a:r>
-            <a:r>
-              <a:rPr lang="en-US" dirty="0">
-                <a:solidFill>
-                  <a:srgbClr val="FFFF00"/>
-                </a:solidFill>
-                <a:latin typeface="Courier New" charset="0"/>
-                <a:ea typeface="Courier New" charset="0"/>
-                <a:cs typeface="Courier New" charset="0"/>
-              </a:rPr>
-              <a:t>happened?</a:t>
+              <a:t>//DONE</a:t>
             </a:r>
             <a:endParaRPr lang="ru-RU" dirty="0">
               <a:solidFill>
@@ -4679,15 +5842,72 @@
           </a:p>
         </p:txBody>
       </p:sp>
+      <p:sp>
+        <p:nvSpPr>
+          <p:cNvPr id="3" name="Объект 2"/>
+          <p:cNvSpPr>
+            <a:spLocks noGrp="1"/>
+          </p:cNvSpPr>
+          <p:nvPr>
+            <p:ph idx="1"/>
+          </p:nvPr>
+        </p:nvSpPr>
+        <p:spPr>
+          <a:xfrm>
+            <a:off x="592016" y="2645597"/>
+            <a:ext cx="4261338" cy="2160319"/>
+          </a:xfrm>
+        </p:spPr>
+        <p:txBody>
+          <a:bodyPr>
+            <a:noAutofit/>
+          </a:bodyPr>
+          <a:lstStyle/>
+          <a:p>
+            <a:r>
+              <a:rPr lang="en-US" sz="4000" dirty="0" err="1" smtClean="0">
+                <a:latin typeface="Courier New" charset="0"/>
+                <a:ea typeface="Courier New" charset="0"/>
+                <a:cs typeface="Courier New" charset="0"/>
+              </a:rPr>
+              <a:t>TimeSchedule</a:t>
+            </a:r>
+            <a:r>
+              <a:rPr lang="en-US" sz="4000" dirty="0" smtClean="0">
+                <a:latin typeface="Courier New" charset="0"/>
+                <a:ea typeface="Courier New" charset="0"/>
+                <a:cs typeface="Courier New" charset="0"/>
+              </a:rPr>
+              <a:t> Application </a:t>
+            </a:r>
+          </a:p>
+          <a:p>
+            <a:pPr marL="0" indent="0">
+              <a:buNone/>
+            </a:pPr>
+            <a:r>
+              <a:rPr lang="en-US" sz="4000" dirty="0" smtClean="0">
+                <a:latin typeface="Courier New" charset="0"/>
+                <a:ea typeface="Courier New" charset="0"/>
+                <a:cs typeface="Courier New" charset="0"/>
+              </a:rPr>
+              <a:t>	</a:t>
+            </a:r>
+            <a:endParaRPr lang="en-US" sz="4000" i="1" dirty="0">
+              <a:latin typeface="Courier New" charset="0"/>
+              <a:ea typeface="Courier New" charset="0"/>
+              <a:cs typeface="Courier New" charset="0"/>
+            </a:endParaRPr>
+          </a:p>
+        </p:txBody>
+      </p:sp>
       <p:pic>
         <p:nvPicPr>
-          <p:cNvPr id="6" name="Объект 5"/>
+          <p:cNvPr id="4" name="Объект 5"/>
           <p:cNvPicPr>
-            <a:picLocks noGrp="1"/>
+            <a:picLocks/>
           </p:cNvPicPr>
-          <p:nvPr>
-            <p:ph idx="1"/>
-          </p:nvPr>
+          <p:nvPr/>
         </p:nvPicPr>
         <p:blipFill>
           <a:blip r:embed="rId3">
@@ -4703,7 +5923,7 @@
         </p:blipFill>
         <p:spPr>
           <a:xfrm>
-            <a:off x="2873368" y="967154"/>
+            <a:off x="5141783" y="996889"/>
             <a:ext cx="6445261" cy="5591908"/>
           </a:xfrm>
           <a:prstGeom prst="rect">
@@ -4714,7 +5934,7 @@
     </p:spTree>
     <p:extLst>
       <p:ext uri="{BB962C8B-B14F-4D97-AF65-F5344CB8AC3E}">
-        <p14:creationId xmlns:p14="http://schemas.microsoft.com/office/powerpoint/2010/main" val="1953681520"/>
+        <p14:creationId xmlns:p14="http://schemas.microsoft.com/office/powerpoint/2010/main" val="590305728"/>
       </p:ext>
     </p:extLst>
   </p:cSld>
@@ -4758,19 +5978,14 @@
             <p:ph type="title"/>
           </p:nvPr>
         </p:nvSpPr>
-        <p:spPr>
-          <a:xfrm>
-            <a:off x="838199" y="0"/>
-            <a:ext cx="10515600" cy="1325563"/>
-          </a:xfrm>
-        </p:spPr>
+        <p:spPr/>
         <p:txBody>
           <a:bodyPr/>
           <a:lstStyle/>
           <a:p>
             <a:pPr algn="ctr"/>
             <a:r>
-              <a:rPr lang="en-US" smtClean="0">
+              <a:rPr lang="en-US" dirty="0" smtClean="0">
                 <a:solidFill>
                   <a:srgbClr val="FFFF00"/>
                 </a:solidFill>
@@ -4778,18 +5993,7 @@
                 <a:ea typeface="Courier New" charset="0"/>
                 <a:cs typeface="Courier New" charset="0"/>
               </a:rPr>
-              <a:t>//What </a:t>
-            </a:r>
-            <a:r>
-              <a:rPr lang="en-US" dirty="0">
-                <a:solidFill>
-                  <a:srgbClr val="FFFF00"/>
-                </a:solidFill>
-                <a:latin typeface="Courier New" charset="0"/>
-                <a:ea typeface="Courier New" charset="0"/>
-                <a:cs typeface="Courier New" charset="0"/>
-              </a:rPr>
-              <a:t>happened?</a:t>
+              <a:t>//Features</a:t>
             </a:r>
             <a:endParaRPr lang="ru-RU" dirty="0">
               <a:solidFill>
@@ -4802,79 +6006,14 @@
           </a:p>
         </p:txBody>
       </p:sp>
-      <p:pic>
-        <p:nvPicPr>
-          <p:cNvPr id="5" name="Изображение 4"/>
-          <p:cNvPicPr/>
-          <p:nvPr/>
-        </p:nvPicPr>
-        <p:blipFill>
-          <a:blip r:embed="rId3">
-            <a:extLst>
-              <a:ext uri="{28A0092B-C50C-407E-A947-70E740481C1C}">
-                <a14:useLocalDpi xmlns:a14="http://schemas.microsoft.com/office/drawing/2010/main" val="0"/>
-              </a:ext>
-            </a:extLst>
-          </a:blip>
-          <a:stretch>
-            <a:fillRect/>
-          </a:stretch>
-        </p:blipFill>
-        <p:spPr>
-          <a:xfrm>
-            <a:off x="2178439" y="1325563"/>
-            <a:ext cx="8724021" cy="4679852"/>
-          </a:xfrm>
-          <a:prstGeom prst="rect">
-            <a:avLst/>
-          </a:prstGeom>
-        </p:spPr>
-      </p:pic>
-    </p:spTree>
-    <p:extLst>
-      <p:ext uri="{BB962C8B-B14F-4D97-AF65-F5344CB8AC3E}">
-        <p14:creationId xmlns:p14="http://schemas.microsoft.com/office/powerpoint/2010/main" val="1327981051"/>
-      </p:ext>
-    </p:extLst>
-  </p:cSld>
-  <p:clrMapOvr>
-    <a:masterClrMapping/>
-  </p:clrMapOvr>
-  <p:timing>
-    <p:tnLst>
-      <p:par>
-        <p:cTn id="1" dur="indefinite" restart="never" nodeType="tmRoot"/>
-      </p:par>
-    </p:tnLst>
-  </p:timing>
-</p:sld>
-</file>
-
-<file path=ppt/slides/slide6.xml><?xml version="1.0" encoding="utf-8"?>
-<p:sld xmlns:a="http://schemas.openxmlformats.org/drawingml/2006/main" xmlns:r="http://schemas.openxmlformats.org/officeDocument/2006/relationships" xmlns:p="http://schemas.openxmlformats.org/presentationml/2006/main">
-  <p:cSld>
-    <p:spTree>
-      <p:nvGrpSpPr>
-        <p:cNvPr id="1" name=""/>
-        <p:cNvGrpSpPr/>
-        <p:nvPr/>
-      </p:nvGrpSpPr>
-      <p:grpSpPr>
-        <a:xfrm>
-          <a:off x="0" y="0"/>
-          <a:ext cx="0" cy="0"/>
-          <a:chOff x="0" y="0"/>
-          <a:chExt cx="0" cy="0"/>
-        </a:xfrm>
-      </p:grpSpPr>
-      <p:sp>
-        <p:nvSpPr>
-          <p:cNvPr id="2" name="Заголовок 1"/>
-          <p:cNvSpPr>
-            <a:spLocks noGrp="1"/>
-          </p:cNvSpPr>
-          <p:nvPr>
-            <p:ph type="title"/>
+      <p:sp>
+        <p:nvSpPr>
+          <p:cNvPr id="3" name="Объект 2"/>
+          <p:cNvSpPr>
+            <a:spLocks noGrp="1"/>
+          </p:cNvSpPr>
+          <p:nvPr>
+            <p:ph idx="1"/>
           </p:nvPr>
         </p:nvSpPr>
         <p:spPr/>
@@ -4884,108 +6023,59 @@
           <a:p>
             <a:pPr algn="ctr"/>
             <a:r>
-              <a:rPr lang="en-US" dirty="0" smtClean="0">
-                <a:solidFill>
-                  <a:srgbClr val="FFFF00"/>
-                </a:solidFill>
+              <a:rPr lang="en-US" sz="4800" dirty="0" smtClean="0">
                 <a:latin typeface="Courier New" charset="0"/>
                 <a:ea typeface="Courier New" charset="0"/>
                 <a:cs typeface="Courier New" charset="0"/>
               </a:rPr>
-              <a:t>// Testing</a:t>
-            </a:r>
-            <a:endParaRPr lang="ru-RU" dirty="0">
-              <a:solidFill>
-                <a:srgbClr val="FFFF00"/>
-              </a:solidFill>
-              <a:latin typeface="Courier New" charset="0"/>
-              <a:ea typeface="Courier New" charset="0"/>
-              <a:cs typeface="Courier New" charset="0"/>
-            </a:endParaRPr>
-          </a:p>
-        </p:txBody>
-      </p:sp>
-      <p:sp>
-        <p:nvSpPr>
-          <p:cNvPr id="3" name="Объект 2"/>
-          <p:cNvSpPr>
-            <a:spLocks noGrp="1"/>
-          </p:cNvSpPr>
-          <p:nvPr>
-            <p:ph idx="1"/>
-          </p:nvPr>
-        </p:nvSpPr>
-        <p:spPr>
-          <a:xfrm>
-            <a:off x="838200" y="1825625"/>
-            <a:ext cx="10515600" cy="1717675"/>
-          </a:xfrm>
-        </p:spPr>
-        <p:txBody>
-          <a:bodyPr/>
-          <a:lstStyle/>
-          <a:p>
-            <a:r>
-              <a:rPr lang="en-US" dirty="0" smtClean="0">
+              <a:t>Exception handler</a:t>
+            </a:r>
+          </a:p>
+          <a:p>
+            <a:pPr algn="ctr"/>
+            <a:r>
+              <a:rPr lang="en-US" sz="4800" dirty="0" smtClean="0">
                 <a:latin typeface="Courier New" charset="0"/>
                 <a:ea typeface="Courier New" charset="0"/>
                 <a:cs typeface="Courier New" charset="0"/>
               </a:rPr>
-              <a:t>Unit tests — 25  </a:t>
-            </a:r>
-          </a:p>
-          <a:p>
-            <a:r>
-              <a:rPr lang="en-US" dirty="0" smtClean="0">
+              <a:t>Listener registration</a:t>
+            </a:r>
+          </a:p>
+          <a:p>
+            <a:pPr algn="ctr"/>
+            <a:r>
+              <a:rPr lang="en-US" sz="4800" dirty="0" smtClean="0">
                 <a:latin typeface="Courier New" charset="0"/>
                 <a:ea typeface="Courier New" charset="0"/>
                 <a:cs typeface="Courier New" charset="0"/>
               </a:rPr>
-              <a:t>Selenium automatic tests — 10 </a:t>
-            </a:r>
-            <a:endParaRPr lang="ru-RU" dirty="0">
-              <a:latin typeface="Courier New" charset="0"/>
-              <a:ea typeface="Courier New" charset="0"/>
-              <a:cs typeface="Courier New" charset="0"/>
-            </a:endParaRPr>
-          </a:p>
-        </p:txBody>
-      </p:sp>
-      <p:pic>
-        <p:nvPicPr>
-          <p:cNvPr id="5" name="Изображение 4"/>
-          <p:cNvPicPr>
-            <a:picLocks noChangeAspect="1"/>
-          </p:cNvPicPr>
-          <p:nvPr/>
-        </p:nvPicPr>
-        <p:blipFill>
-          <a:blip r:embed="rId3">
-            <a:alphaModFix amt="85000"/>
-            <a:extLst>
-              <a:ext uri="{28A0092B-C50C-407E-A947-70E740481C1C}">
-                <a14:useLocalDpi xmlns:a14="http://schemas.microsoft.com/office/drawing/2010/main" val="0"/>
-              </a:ext>
-            </a:extLst>
-          </a:blip>
-          <a:stretch>
-            <a:fillRect/>
-          </a:stretch>
-        </p:blipFill>
-        <p:spPr>
-          <a:xfrm>
-            <a:off x="838200" y="3262313"/>
-            <a:ext cx="10058400" cy="2684626"/>
-          </a:xfrm>
-          <a:prstGeom prst="rect">
-            <a:avLst/>
-          </a:prstGeom>
-        </p:spPr>
-      </p:pic>
+              <a:t>Load data only 2 ways</a:t>
+            </a:r>
+          </a:p>
+          <a:p>
+            <a:pPr algn="ctr"/>
+            <a:r>
+              <a:rPr lang="en-US" sz="4800" dirty="0">
+                <a:latin typeface="Courier New" charset="0"/>
+                <a:ea typeface="Courier New" charset="0"/>
+                <a:cs typeface="Courier New" charset="0"/>
+              </a:rPr>
+              <a:t>Auto-deleting schedule</a:t>
+            </a:r>
+          </a:p>
+          <a:p>
+            <a:endParaRPr lang="en-US" dirty="0" smtClean="0"/>
+          </a:p>
+          <a:p>
+            <a:endParaRPr lang="ru-RU" dirty="0"/>
+          </a:p>
+        </p:txBody>
+      </p:sp>
     </p:spTree>
     <p:extLst>
       <p:ext uri="{BB962C8B-B14F-4D97-AF65-F5344CB8AC3E}">
-        <p14:creationId xmlns:p14="http://schemas.microsoft.com/office/powerpoint/2010/main" val="620045295"/>
+        <p14:creationId xmlns:p14="http://schemas.microsoft.com/office/powerpoint/2010/main" val="78488965"/>
       </p:ext>
     </p:extLst>
   </p:cSld>
@@ -5026,7 +6116,158 @@
                                           </p:stCondLst>
                                         </p:cTn>
                                         <p:tgtEl>
-                                          <p:spTgt spid="5"/>
+                                          <p:spTgt spid="3">
+                                            <p:txEl>
+                                              <p:pRg st="0" end="0"/>
+                                            </p:txEl>
+                                          </p:spTgt>
+                                        </p:tgtEl>
+                                        <p:attrNameLst>
+                                          <p:attrName>style.visibility</p:attrName>
+                                        </p:attrNameLst>
+                                      </p:cBhvr>
+                                      <p:to>
+                                        <p:strVal val="visible"/>
+                                      </p:to>
+                                    </p:set>
+                                  </p:childTnLst>
+                                </p:cTn>
+                              </p:par>
+                            </p:childTnLst>
+                          </p:cTn>
+                        </p:par>
+                      </p:childTnLst>
+                    </p:cTn>
+                  </p:par>
+                  <p:par>
+                    <p:cTn id="7" fill="hold">
+                      <p:stCondLst>
+                        <p:cond delay="indefinite"/>
+                      </p:stCondLst>
+                      <p:childTnLst>
+                        <p:par>
+                          <p:cTn id="8" fill="hold">
+                            <p:stCondLst>
+                              <p:cond delay="0"/>
+                            </p:stCondLst>
+                            <p:childTnLst>
+                              <p:par>
+                                <p:cTn id="9" presetID="1" presetClass="entr" presetSubtype="0" fill="hold" nodeType="clickEffect">
+                                  <p:stCondLst>
+                                    <p:cond delay="0"/>
+                                  </p:stCondLst>
+                                  <p:childTnLst>
+                                    <p:set>
+                                      <p:cBhvr>
+                                        <p:cTn id="10" dur="1" fill="hold">
+                                          <p:stCondLst>
+                                            <p:cond delay="0"/>
+                                          </p:stCondLst>
+                                        </p:cTn>
+                                        <p:tgtEl>
+                                          <p:spTgt spid="3">
+                                            <p:txEl>
+                                              <p:pRg st="1" end="1"/>
+                                            </p:txEl>
+                                          </p:spTgt>
+                                        </p:tgtEl>
+                                        <p:attrNameLst>
+                                          <p:attrName>style.visibility</p:attrName>
+                                        </p:attrNameLst>
+                                      </p:cBhvr>
+                                      <p:to>
+                                        <p:strVal val="visible"/>
+                                      </p:to>
+                                    </p:set>
+                                  </p:childTnLst>
+                                </p:cTn>
+                              </p:par>
+                            </p:childTnLst>
+                          </p:cTn>
+                        </p:par>
+                      </p:childTnLst>
+                    </p:cTn>
+                  </p:par>
+                  <p:par>
+                    <p:cTn id="11" fill="hold">
+                      <p:stCondLst>
+                        <p:cond delay="indefinite"/>
+                      </p:stCondLst>
+                      <p:childTnLst>
+                        <p:par>
+                          <p:cTn id="12" fill="hold">
+                            <p:stCondLst>
+                              <p:cond delay="0"/>
+                            </p:stCondLst>
+                            <p:childTnLst>
+                              <p:par>
+                                <p:cTn id="13" presetID="1" presetClass="entr" presetSubtype="0" fill="hold" nodeType="clickEffect">
+                                  <p:stCondLst>
+                                    <p:cond delay="0"/>
+                                  </p:stCondLst>
+                                  <p:childTnLst>
+                                    <p:set>
+                                      <p:cBhvr>
+                                        <p:cTn id="14" dur="1" fill="hold">
+                                          <p:stCondLst>
+                                            <p:cond delay="0"/>
+                                          </p:stCondLst>
+                                        </p:cTn>
+                                        <p:tgtEl>
+                                          <p:spTgt spid="3">
+                                            <p:txEl>
+                                              <p:pRg st="2" end="2"/>
+                                            </p:txEl>
+                                          </p:spTgt>
+                                        </p:tgtEl>
+                                        <p:attrNameLst>
+                                          <p:attrName>style.visibility</p:attrName>
+                                        </p:attrNameLst>
+                                      </p:cBhvr>
+                                      <p:to>
+                                        <p:strVal val="visible"/>
+                                      </p:to>
+                                    </p:set>
+                                  </p:childTnLst>
+                                </p:cTn>
+                              </p:par>
+                            </p:childTnLst>
+                          </p:cTn>
+                        </p:par>
+                      </p:childTnLst>
+                    </p:cTn>
+                  </p:par>
+                  <p:par>
+                    <p:cTn id="15" fill="hold">
+                      <p:stCondLst>
+                        <p:cond delay="indefinite"/>
+                      </p:stCondLst>
+                      <p:childTnLst>
+                        <p:par>
+                          <p:cTn id="16" fill="hold">
+                            <p:stCondLst>
+                              <p:cond delay="0"/>
+                            </p:stCondLst>
+                            <p:childTnLst>
+                              <p:par>
+                                <p:cTn id="17" presetID="1" presetClass="entr" presetSubtype="0" fill="hold" nodeType="clickEffect">
+                                  <p:stCondLst>
+                                    <p:cond delay="0"/>
+                                  </p:stCondLst>
+                                  <p:childTnLst>
+                                    <p:set>
+                                      <p:cBhvr>
+                                        <p:cTn id="18" dur="1" fill="hold">
+                                          <p:stCondLst>
+                                            <p:cond delay="0"/>
+                                          </p:stCondLst>
+                                        </p:cTn>
+                                        <p:tgtEl>
+                                          <p:spTgt spid="3">
+                                            <p:txEl>
+                                              <p:pRg st="3" end="3"/>
+                                            </p:txEl>
+                                          </p:spTgt>
                                         </p:tgtEl>
                                         <p:attrNameLst>
                                           <p:attrName>style.visibility</p:attrName>
@@ -5070,6 +6311,168 @@
 </p:sld>
 </file>
 
+<file path=ppt/slides/slide6.xml><?xml version="1.0" encoding="utf-8"?>
+<p:sld xmlns:a="http://schemas.openxmlformats.org/drawingml/2006/main" xmlns:r="http://schemas.openxmlformats.org/officeDocument/2006/relationships" xmlns:p="http://schemas.openxmlformats.org/presentationml/2006/main">
+  <p:cSld>
+    <p:spTree>
+      <p:nvGrpSpPr>
+        <p:cNvPr id="1" name=""/>
+        <p:cNvGrpSpPr/>
+        <p:nvPr/>
+      </p:nvGrpSpPr>
+      <p:grpSpPr>
+        <a:xfrm>
+          <a:off x="0" y="0"/>
+          <a:ext cx="0" cy="0"/>
+          <a:chOff x="0" y="0"/>
+          <a:chExt cx="0" cy="0"/>
+        </a:xfrm>
+      </p:grpSpPr>
+      <p:sp>
+        <p:nvSpPr>
+          <p:cNvPr id="2" name="Заголовок 1"/>
+          <p:cNvSpPr>
+            <a:spLocks noGrp="1"/>
+          </p:cNvSpPr>
+          <p:nvPr>
+            <p:ph type="title"/>
+          </p:nvPr>
+        </p:nvSpPr>
+        <p:spPr>
+          <a:xfrm>
+            <a:off x="774404" y="0"/>
+            <a:ext cx="10515600" cy="1325563"/>
+          </a:xfrm>
+        </p:spPr>
+        <p:txBody>
+          <a:bodyPr/>
+          <a:lstStyle/>
+          <a:p>
+            <a:pPr algn="ctr"/>
+            <a:r>
+              <a:rPr lang="en-US" dirty="0" smtClean="0">
+                <a:solidFill>
+                  <a:srgbClr val="FFFF00"/>
+                </a:solidFill>
+                <a:latin typeface="Courier New" charset="0"/>
+                <a:ea typeface="Courier New" charset="0"/>
+                <a:cs typeface="Courier New" charset="0"/>
+              </a:rPr>
+              <a:t>//DONE</a:t>
+            </a:r>
+            <a:endParaRPr lang="ru-RU" dirty="0">
+              <a:solidFill>
+                <a:srgbClr val="FFFF00"/>
+              </a:solidFill>
+              <a:latin typeface="Courier New" charset="0"/>
+              <a:ea typeface="Courier New" charset="0"/>
+              <a:cs typeface="Courier New" charset="0"/>
+            </a:endParaRPr>
+          </a:p>
+        </p:txBody>
+      </p:sp>
+      <p:sp>
+        <p:nvSpPr>
+          <p:cNvPr id="3" name="Объект 2"/>
+          <p:cNvSpPr>
+            <a:spLocks noGrp="1"/>
+          </p:cNvSpPr>
+          <p:nvPr>
+            <p:ph idx="1"/>
+          </p:nvPr>
+        </p:nvSpPr>
+        <p:spPr>
+          <a:xfrm>
+            <a:off x="1347336" y="974738"/>
+            <a:ext cx="10515600" cy="4803775"/>
+          </a:xfrm>
+        </p:spPr>
+        <p:txBody>
+          <a:bodyPr>
+            <a:noAutofit/>
+          </a:bodyPr>
+          <a:lstStyle/>
+          <a:p>
+            <a:r>
+              <a:rPr lang="en-US" sz="4000" dirty="0" smtClean="0">
+                <a:latin typeface="Courier New" charset="0"/>
+                <a:ea typeface="Courier New" charset="0"/>
+                <a:cs typeface="Courier New" charset="0"/>
+              </a:rPr>
+              <a:t>Station Schedule Application</a:t>
+            </a:r>
+          </a:p>
+          <a:p>
+            <a:pPr marL="0" indent="0">
+              <a:buNone/>
+            </a:pPr>
+            <a:r>
+              <a:rPr lang="en-US" sz="4000" dirty="0">
+                <a:latin typeface="Courier New" charset="0"/>
+                <a:ea typeface="Courier New" charset="0"/>
+                <a:cs typeface="Courier New" charset="0"/>
+              </a:rPr>
+              <a:t>	</a:t>
+            </a:r>
+            <a:r>
+              <a:rPr lang="en-US" sz="4000" i="1" dirty="0" smtClean="0">
+                <a:latin typeface="Courier New" charset="0"/>
+                <a:ea typeface="Courier New" charset="0"/>
+                <a:cs typeface="Courier New" charset="0"/>
+              </a:rPr>
+              <a:t>Angular JS</a:t>
+            </a:r>
+          </a:p>
+        </p:txBody>
+      </p:sp>
+      <p:pic>
+        <p:nvPicPr>
+          <p:cNvPr id="4" name="Изображение 3"/>
+          <p:cNvPicPr/>
+          <p:nvPr/>
+        </p:nvPicPr>
+        <p:blipFill>
+          <a:blip r:embed="rId3">
+            <a:extLst>
+              <a:ext uri="{28A0092B-C50C-407E-A947-70E740481C1C}">
+                <a14:useLocalDpi xmlns:a14="http://schemas.microsoft.com/office/drawing/2010/main" val="0"/>
+              </a:ext>
+            </a:extLst>
+          </a:blip>
+          <a:stretch>
+            <a:fillRect/>
+          </a:stretch>
+        </p:blipFill>
+        <p:spPr>
+          <a:xfrm>
+            <a:off x="1670193" y="2300301"/>
+            <a:ext cx="8724021" cy="4679852"/>
+          </a:xfrm>
+          <a:prstGeom prst="rect">
+            <a:avLst/>
+          </a:prstGeom>
+        </p:spPr>
+      </p:pic>
+    </p:spTree>
+    <p:extLst>
+      <p:ext uri="{BB962C8B-B14F-4D97-AF65-F5344CB8AC3E}">
+        <p14:creationId xmlns:p14="http://schemas.microsoft.com/office/powerpoint/2010/main" val="476913084"/>
+      </p:ext>
+    </p:extLst>
+  </p:cSld>
+  <p:clrMapOvr>
+    <a:masterClrMapping/>
+  </p:clrMapOvr>
+  <p:timing>
+    <p:tnLst>
+      <p:par>
+        <p:cTn id="1" dur="indefinite" restart="never" nodeType="tmRoot"/>
+      </p:par>
+    </p:tnLst>
+  </p:timing>
+</p:sld>
+</file>
+
 <file path=ppt/slides/slide7.xml><?xml version="1.0" encoding="utf-8"?>
 <p:sld xmlns:a="http://schemas.openxmlformats.org/drawingml/2006/main" xmlns:r="http://schemas.openxmlformats.org/officeDocument/2006/relationships" xmlns:p="http://schemas.openxmlformats.org/presentationml/2006/main">
   <p:cSld>
@@ -5104,14 +6507,46 @@
           <a:p>
             <a:pPr algn="ctr"/>
             <a:r>
-              <a:rPr lang="en-US" dirty="0">
+              <a:rPr lang="en-US" dirty="0" smtClean="0">
+                <a:solidFill>
+                  <a:srgbClr val="FFFF00"/>
+                </a:solidFill>
                 <a:latin typeface="Courier New" charset="0"/>
                 <a:ea typeface="Courier New" charset="0"/>
                 <a:cs typeface="Courier New" charset="0"/>
               </a:rPr>
-              <a:t>What about testing?</a:t>
-            </a:r>
-            <a:endParaRPr lang="ru-RU" dirty="0"/>
+              <a:t>// Testing</a:t>
+            </a:r>
+            <a:r>
+              <a:rPr lang="ru-RU" dirty="0" smtClean="0">
+                <a:solidFill>
+                  <a:srgbClr val="FFFF00"/>
+                </a:solidFill>
+                <a:latin typeface="Courier New" charset="0"/>
+                <a:ea typeface="Courier New" charset="0"/>
+                <a:cs typeface="Courier New" charset="0"/>
+              </a:rPr>
+              <a:t> </a:t>
+            </a:r>
+            <a:r>
+              <a:rPr lang="ru-RU" b="1" dirty="0" smtClean="0">
+                <a:solidFill>
+                  <a:srgbClr val="FFFF00"/>
+                </a:solidFill>
+                <a:latin typeface="Courier New" charset="0"/>
+                <a:ea typeface="Courier New" charset="0"/>
+                <a:cs typeface="Courier New" charset="0"/>
+              </a:rPr>
+              <a:t>301 </a:t>
+            </a:r>
+            <a:endParaRPr lang="ru-RU" b="1" dirty="0">
+              <a:solidFill>
+                <a:srgbClr val="FFFF00"/>
+              </a:solidFill>
+              <a:latin typeface="Courier New" charset="0"/>
+              <a:ea typeface="Courier New" charset="0"/>
+              <a:cs typeface="Courier New" charset="0"/>
+            </a:endParaRPr>
           </a:p>
         </p:txBody>
       </p:sp>
@@ -5125,32 +6560,40 @@
             <p:ph idx="1"/>
           </p:nvPr>
         </p:nvSpPr>
-        <p:spPr/>
-        <p:txBody>
-          <a:bodyPr/>
-          <a:lstStyle/>
-          <a:p>
-            <a:pPr>
-              <a:lnSpc>
-                <a:spcPct val="100000"/>
-              </a:lnSpc>
-              <a:spcBef>
-                <a:spcPts val="0"/>
-              </a:spcBef>
-            </a:pPr>
+        <p:spPr>
+          <a:xfrm>
+            <a:off x="838200" y="1825625"/>
+            <a:ext cx="10515600" cy="1717675"/>
+          </a:xfrm>
+        </p:spPr>
+        <p:txBody>
+          <a:bodyPr/>
+          <a:lstStyle/>
+          <a:p>
             <a:r>
               <a:rPr lang="en-US" dirty="0" smtClean="0">
                 <a:latin typeface="Courier New" charset="0"/>
                 <a:ea typeface="Courier New" charset="0"/>
                 <a:cs typeface="Courier New" charset="0"/>
               </a:rPr>
-              <a:t>Stress testing — 1000 users.</a:t>
-            </a:r>
-            <a:endParaRPr lang="ru-RU" dirty="0">
-              <a:latin typeface="Courier New" charset="0"/>
-              <a:ea typeface="Courier New" charset="0"/>
-              <a:cs typeface="Courier New" charset="0"/>
-            </a:endParaRPr>
+              <a:t>Unit tests — </a:t>
+            </a:r>
+            <a:r>
+              <a:rPr lang="ru-RU" dirty="0" smtClean="0">
+                <a:latin typeface="Courier New" charset="0"/>
+                <a:ea typeface="Courier New" charset="0"/>
+                <a:cs typeface="Courier New" charset="0"/>
+              </a:rPr>
+              <a:t>262</a:t>
+            </a:r>
+            <a:r>
+              <a:rPr lang="en-US" dirty="0" smtClean="0">
+                <a:latin typeface="Courier New" charset="0"/>
+                <a:ea typeface="Courier New" charset="0"/>
+                <a:cs typeface="Courier New" charset="0"/>
+              </a:rPr>
+              <a:t> </a:t>
+            </a:r>
           </a:p>
         </p:txBody>
       </p:sp>
@@ -5176,8 +6619,8 @@
         </p:blipFill>
         <p:spPr>
           <a:xfrm>
-            <a:off x="2917669" y="2399937"/>
-            <a:ext cx="6356662" cy="4018231"/>
+            <a:off x="362507" y="2684462"/>
+            <a:ext cx="11466985" cy="2985681"/>
           </a:xfrm>
           <a:prstGeom prst="rect">
             <a:avLst/>
@@ -5187,7 +6630,7 @@
     </p:spTree>
     <p:extLst>
       <p:ext uri="{BB962C8B-B14F-4D97-AF65-F5344CB8AC3E}">
-        <p14:creationId xmlns:p14="http://schemas.microsoft.com/office/powerpoint/2010/main" val="2105865487"/>
+        <p14:creationId xmlns:p14="http://schemas.microsoft.com/office/powerpoint/2010/main" val="620045295"/>
       </p:ext>
     </p:extLst>
   </p:cSld>
@@ -5231,24 +6674,99 @@
             <p:ph type="title"/>
           </p:nvPr>
         </p:nvSpPr>
+        <p:spPr/>
+        <p:txBody>
+          <a:bodyPr/>
+          <a:lstStyle/>
+          <a:p>
+            <a:pPr algn="ctr"/>
+            <a:r>
+              <a:rPr lang="en-US" dirty="0" smtClean="0">
+                <a:solidFill>
+                  <a:srgbClr val="FFFF00"/>
+                </a:solidFill>
+                <a:latin typeface="Courier New" charset="0"/>
+                <a:ea typeface="Courier New" charset="0"/>
+                <a:cs typeface="Courier New" charset="0"/>
+              </a:rPr>
+              <a:t>// Testing</a:t>
+            </a:r>
+            <a:r>
+              <a:rPr lang="ru-RU" dirty="0" smtClean="0">
+                <a:solidFill>
+                  <a:srgbClr val="FFFF00"/>
+                </a:solidFill>
+                <a:latin typeface="Courier New" charset="0"/>
+                <a:ea typeface="Courier New" charset="0"/>
+                <a:cs typeface="Courier New" charset="0"/>
+              </a:rPr>
+              <a:t> </a:t>
+            </a:r>
+            <a:r>
+              <a:rPr lang="ru-RU" b="1" dirty="0" smtClean="0">
+                <a:solidFill>
+                  <a:srgbClr val="FFFF00"/>
+                </a:solidFill>
+                <a:latin typeface="Courier New" charset="0"/>
+                <a:ea typeface="Courier New" charset="0"/>
+                <a:cs typeface="Courier New" charset="0"/>
+              </a:rPr>
+              <a:t>301 </a:t>
+            </a:r>
+            <a:endParaRPr lang="ru-RU" b="1" dirty="0">
+              <a:solidFill>
+                <a:srgbClr val="FFFF00"/>
+              </a:solidFill>
+              <a:latin typeface="Courier New" charset="0"/>
+              <a:ea typeface="Courier New" charset="0"/>
+              <a:cs typeface="Courier New" charset="0"/>
+            </a:endParaRPr>
+          </a:p>
+        </p:txBody>
+      </p:sp>
+      <p:sp>
+        <p:nvSpPr>
+          <p:cNvPr id="3" name="Объект 2"/>
+          <p:cNvSpPr>
+            <a:spLocks noGrp="1"/>
+          </p:cNvSpPr>
+          <p:nvPr>
+            <p:ph idx="1"/>
+          </p:nvPr>
+        </p:nvSpPr>
         <p:spPr>
           <a:xfrm>
-            <a:off x="623888" y="2451100"/>
-            <a:ext cx="10515600" cy="1325563"/>
+            <a:off x="838200" y="1825625"/>
+            <a:ext cx="10515600" cy="1717675"/>
           </a:xfrm>
         </p:spPr>
         <p:txBody>
           <a:bodyPr/>
           <a:lstStyle/>
           <a:p>
-            <a:pPr algn="ctr"/>
             <a:r>
               <a:rPr lang="en-US" dirty="0" smtClean="0">
                 <a:latin typeface="Courier New" charset="0"/>
                 <a:ea typeface="Courier New" charset="0"/>
                 <a:cs typeface="Courier New" charset="0"/>
               </a:rPr>
-              <a:t>Demonstration</a:t>
+              <a:t>Selenium automatic tests — </a:t>
+            </a:r>
+            <a:r>
+              <a:rPr lang="ru-RU" dirty="0" smtClean="0">
+                <a:latin typeface="Courier New" charset="0"/>
+                <a:ea typeface="Courier New" charset="0"/>
+                <a:cs typeface="Courier New" charset="0"/>
+              </a:rPr>
+              <a:t>39</a:t>
+            </a:r>
+            <a:r>
+              <a:rPr lang="en-US" dirty="0" smtClean="0">
+                <a:latin typeface="Courier New" charset="0"/>
+                <a:ea typeface="Courier New" charset="0"/>
+                <a:cs typeface="Courier New" charset="0"/>
+              </a:rPr>
+              <a:t> </a:t>
             </a:r>
             <a:endParaRPr lang="ru-RU" dirty="0">
               <a:latin typeface="Courier New" charset="0"/>
@@ -5258,10 +6776,40 @@
           </a:p>
         </p:txBody>
       </p:sp>
+      <p:pic>
+        <p:nvPicPr>
+          <p:cNvPr id="4" name="Изображение 3"/>
+          <p:cNvPicPr>
+            <a:picLocks noChangeAspect="1"/>
+          </p:cNvPicPr>
+          <p:nvPr/>
+        </p:nvPicPr>
+        <p:blipFill>
+          <a:blip r:embed="rId3">
+            <a:extLst>
+              <a:ext uri="{28A0092B-C50C-407E-A947-70E740481C1C}">
+                <a14:useLocalDpi xmlns:a14="http://schemas.microsoft.com/office/drawing/2010/main" val="0"/>
+              </a:ext>
+            </a:extLst>
+          </a:blip>
+          <a:stretch>
+            <a:fillRect/>
+          </a:stretch>
+        </p:blipFill>
+        <p:spPr>
+          <a:xfrm>
+            <a:off x="659219" y="3112576"/>
+            <a:ext cx="10994065" cy="1980346"/>
+          </a:xfrm>
+          <a:prstGeom prst="rect">
+            <a:avLst/>
+          </a:prstGeom>
+        </p:spPr>
+      </p:pic>
     </p:spTree>
     <p:extLst>
       <p:ext uri="{BB962C8B-B14F-4D97-AF65-F5344CB8AC3E}">
-        <p14:creationId xmlns:p14="http://schemas.microsoft.com/office/powerpoint/2010/main" val="1399125485"/>
+        <p14:creationId xmlns:p14="http://schemas.microsoft.com/office/powerpoint/2010/main" val="802955033"/>
       </p:ext>
     </p:extLst>
   </p:cSld>
@@ -5305,151 +6853,54 @@
             <p:ph type="title"/>
           </p:nvPr>
         </p:nvSpPr>
-        <p:spPr/>
-        <p:txBody>
-          <a:bodyPr/>
-          <a:lstStyle/>
-          <a:p>
-            <a:pPr algn="ctr"/>
-            <a:r>
-              <a:rPr lang="en-US" dirty="0" smtClean="0"/>
-              <a:t>Q&amp;A</a:t>
-            </a:r>
-            <a:endParaRPr lang="ru-RU" dirty="0"/>
-          </a:p>
-        </p:txBody>
-      </p:sp>
-      <p:sp>
-        <p:nvSpPr>
-          <p:cNvPr id="3" name="Объект 2"/>
-          <p:cNvSpPr>
-            <a:spLocks noGrp="1"/>
-          </p:cNvSpPr>
-          <p:nvPr>
-            <p:ph idx="1"/>
-          </p:nvPr>
-        </p:nvSpPr>
         <p:spPr>
           <a:xfrm>
-            <a:off x="2757487" y="2311399"/>
-            <a:ext cx="6677025" cy="3103563"/>
+            <a:off x="623888" y="2451100"/>
+            <a:ext cx="10515600" cy="1325563"/>
           </a:xfrm>
         </p:spPr>
         <p:txBody>
           <a:bodyPr/>
           <a:lstStyle/>
           <a:p>
-            <a:pPr marL="0" marR="0" lvl="0" indent="0" algn="ctr" defTabSz="914400" eaLnBrk="1" fontAlgn="auto" latinLnBrk="0" hangingPunct="1">
-              <a:lnSpc>
-                <a:spcPct val="100000"/>
-              </a:lnSpc>
-              <a:spcBef>
-                <a:spcPts val="0"/>
-              </a:spcBef>
-              <a:spcAft>
-                <a:spcPts val="0"/>
-              </a:spcAft>
-              <a:buClrTx/>
-              <a:buSzTx/>
-              <a:buFontTx/>
-              <a:buNone/>
-              <a:tabLst/>
-              <a:defRPr/>
-            </a:pPr>
-            <a:r>
-              <a:rPr lang="en-US" sz="3200" dirty="0" err="1" smtClean="0">
+            <a:pPr algn="ctr"/>
+            <a:r>
+              <a:rPr lang="ru-RU" dirty="0" smtClean="0">
+                <a:solidFill>
+                  <a:srgbClr val="FFFF00"/>
+                </a:solidFill>
                 <a:latin typeface="Courier New" charset="0"/>
                 <a:ea typeface="Courier New" charset="0"/>
                 <a:cs typeface="Courier New" charset="0"/>
               </a:rPr>
-              <a:t>Prendota</a:t>
-            </a:r>
-            <a:r>
-              <a:rPr lang="en-US" sz="3200" dirty="0" smtClean="0">
+              <a:t>//</a:t>
+            </a:r>
+            <a:r>
+              <a:rPr lang="en-US" dirty="0" smtClean="0">
+                <a:solidFill>
+                  <a:srgbClr val="FFFF00"/>
+                </a:solidFill>
                 <a:latin typeface="Courier New" charset="0"/>
                 <a:ea typeface="Courier New" charset="0"/>
                 <a:cs typeface="Courier New" charset="0"/>
               </a:rPr>
-              <a:t>  Alexander</a:t>
-            </a:r>
-          </a:p>
-          <a:p>
-            <a:pPr marL="0" marR="0" lvl="0" indent="0" algn="ctr" defTabSz="914400" eaLnBrk="1" fontAlgn="auto" latinLnBrk="0" hangingPunct="1">
-              <a:lnSpc>
-                <a:spcPct val="100000"/>
-              </a:lnSpc>
-              <a:spcBef>
-                <a:spcPts val="0"/>
-              </a:spcBef>
-              <a:spcAft>
-                <a:spcPts val="0"/>
-              </a:spcAft>
-              <a:buClrTx/>
-              <a:buSzTx/>
-              <a:buFontTx/>
-              <a:buNone/>
-              <a:tabLst/>
-              <a:defRPr/>
-            </a:pPr>
-            <a:endParaRPr lang="en-US" sz="3200" dirty="0">
+              <a:t>Demonstration</a:t>
+            </a:r>
+            <a:endParaRPr lang="ru-RU" dirty="0">
+              <a:solidFill>
+                <a:srgbClr val="FFFF00"/>
+              </a:solidFill>
               <a:latin typeface="Courier New" charset="0"/>
               <a:ea typeface="Courier New" charset="0"/>
               <a:cs typeface="Courier New" charset="0"/>
             </a:endParaRPr>
           </a:p>
-          <a:p>
-            <a:pPr marL="0" marR="0" lvl="0" indent="0" algn="ctr" defTabSz="914400" eaLnBrk="1" fontAlgn="auto" latinLnBrk="0" hangingPunct="1">
-              <a:lnSpc>
-                <a:spcPct val="100000"/>
-              </a:lnSpc>
-              <a:spcBef>
-                <a:spcPts val="0"/>
-              </a:spcBef>
-              <a:spcAft>
-                <a:spcPts val="0"/>
-              </a:spcAft>
-              <a:buClrTx/>
-              <a:buSzTx/>
-              <a:buFontTx/>
-              <a:buNone/>
-              <a:tabLst/>
-              <a:defRPr/>
-            </a:pPr>
-            <a:r>
-              <a:rPr lang="en-US" sz="3200" dirty="0">
-                <a:latin typeface="Courier New" charset="0"/>
-                <a:ea typeface="Courier New" charset="0"/>
-                <a:cs typeface="Courier New" charset="0"/>
-              </a:rPr>
-              <a:t>Prendota@mail.ru</a:t>
-            </a:r>
-          </a:p>
-          <a:p>
-            <a:pPr marL="0" marR="0" lvl="0" indent="0" defTabSz="914400" eaLnBrk="1" fontAlgn="auto" latinLnBrk="0" hangingPunct="1">
-              <a:lnSpc>
-                <a:spcPct val="100000"/>
-              </a:lnSpc>
-              <a:spcBef>
-                <a:spcPts val="0"/>
-              </a:spcBef>
-              <a:spcAft>
-                <a:spcPts val="0"/>
-              </a:spcAft>
-              <a:buClrTx/>
-              <a:buSzTx/>
-              <a:buFontTx/>
-              <a:buNone/>
-              <a:tabLst/>
-              <a:defRPr/>
-            </a:pPr>
-            <a:endParaRPr lang="ru-RU" dirty="0"/>
-          </a:p>
         </p:txBody>
       </p:sp>
     </p:spTree>
     <p:extLst>
       <p:ext uri="{BB962C8B-B14F-4D97-AF65-F5344CB8AC3E}">
-        <p14:creationId xmlns:p14="http://schemas.microsoft.com/office/powerpoint/2010/main" val="481617623"/>
+        <p14:creationId xmlns:p14="http://schemas.microsoft.com/office/powerpoint/2010/main" val="1399125485"/>
       </p:ext>
     </p:extLst>
   </p:cSld>

--- a/Project plan/The final All Hands Meeting.pptx
+++ b/Project plan/The final All Hands Meeting.pptx
@@ -1,24 +1,20 @@
 
 <file path=ppt/presentation.xml><?xml version="1.0" encoding="utf-8"?>
-<p:presentation xmlns:a="http://schemas.openxmlformats.org/drawingml/2006/main" xmlns:r="http://schemas.openxmlformats.org/officeDocument/2006/relationships" xmlns:p="http://schemas.openxmlformats.org/presentationml/2006/main" saveSubsetFonts="1" autoCompressPictures="0">
+<p:presentation xmlns:a="http://schemas.openxmlformats.org/drawingml/2006/main" xmlns:r="http://schemas.openxmlformats.org/officeDocument/2006/relationships" xmlns:p="http://schemas.openxmlformats.org/presentationml/2006/main" showSpecialPlsOnTitleSld="0" saveSubsetFonts="1" autoCompressPictures="0">
   <p:sldMasterIdLst>
     <p:sldMasterId id="2147483684" r:id="rId1"/>
   </p:sldMasterIdLst>
   <p:notesMasterIdLst>
-    <p:notesMasterId r:id="rId13"/>
+    <p:notesMasterId r:id="rId9"/>
   </p:notesMasterIdLst>
   <p:sldIdLst>
     <p:sldId id="256" r:id="rId2"/>
     <p:sldId id="274" r:id="rId3"/>
-    <p:sldId id="278" r:id="rId4"/>
-    <p:sldId id="275" r:id="rId5"/>
-    <p:sldId id="279" r:id="rId6"/>
-    <p:sldId id="264" r:id="rId7"/>
-    <p:sldId id="265" r:id="rId8"/>
-    <p:sldId id="276" r:id="rId9"/>
-    <p:sldId id="267" r:id="rId10"/>
-    <p:sldId id="277" r:id="rId11"/>
-    <p:sldId id="266" r:id="rId12"/>
+    <p:sldId id="275" r:id="rId4"/>
+    <p:sldId id="278" r:id="rId5"/>
+    <p:sldId id="265" r:id="rId6"/>
+    <p:sldId id="276" r:id="rId7"/>
+    <p:sldId id="266" r:id="rId8"/>
   </p:sldIdLst>
   <p:sldSz cx="12192000" cy="6858000"/>
   <p:notesSz cx="6858000" cy="9144000"/>
@@ -520,20 +516,37 @@
           <a:lstStyle/>
           <a:p>
             <a:r>
-              <a:rPr lang="ru-RU" dirty="0" smtClean="0"/>
-              <a:t>Чтобы</a:t>
-            </a:r>
-            <a:r>
               <a:rPr lang="ru-RU" baseline="0" dirty="0" smtClean="0"/>
-              <a:t> успеть за 15 время, я постарался вынести на слайды информацию, которой хочется уделить внимание, но мой показ ограничен во времени.</a:t>
-            </a:r>
-          </a:p>
-          <a:p>
+              <a:t>Добрый день, господа. Меня зовут </a:t>
+            </a:r>
+            <a:r>
+              <a:rPr lang="ru-RU" baseline="0" dirty="0" err="1" smtClean="0"/>
+              <a:t>Прендота</a:t>
+            </a:r>
             <a:r>
               <a:rPr lang="ru-RU" baseline="0" dirty="0" smtClean="0"/>
-              <a:t>За время учебы в школе я познакомился со многими технологиями и сделал три проекта:</a:t>
-            </a:r>
-            <a:endParaRPr lang="ru-RU" dirty="0"/>
+              <a:t> Александр, я студент 4 курса Университета ИТМО. </a:t>
+            </a:r>
+          </a:p>
+          <a:p>
+            <a:r>
+              <a:rPr lang="ru-RU" baseline="0" dirty="0" smtClean="0"/>
+              <a:t>За 2 месяца обучения в </a:t>
+            </a:r>
+            <a:r>
+              <a:rPr lang="en-US" baseline="0" dirty="0" smtClean="0"/>
+              <a:t>JS </a:t>
+            </a:r>
+            <a:r>
+              <a:rPr lang="ru-RU" baseline="0" dirty="0" smtClean="0"/>
+              <a:t>я познакомился со многими интересными технология и много чему научился.</a:t>
+            </a:r>
+          </a:p>
+          <a:p>
+            <a:r>
+              <a:rPr lang="ru-RU" baseline="0" dirty="0" smtClean="0"/>
+              <a:t> И сегодня я хочу продемонстрировать вам то, что у меня получилось — это три небольших проекта.</a:t>
+            </a:r>
           </a:p>
         </p:txBody>
       </p:sp>
@@ -564,90 +577,6 @@
     <p:extLst>
       <p:ext uri="{BB962C8B-B14F-4D97-AF65-F5344CB8AC3E}">
         <p14:creationId xmlns:p14="http://schemas.microsoft.com/office/powerpoint/2010/main" val="197288301"/>
-      </p:ext>
-    </p:extLst>
-  </p:cSld>
-  <p:clrMapOvr>
-    <a:masterClrMapping/>
-  </p:clrMapOvr>
-</p:notes>
-</file>
-
-<file path=ppt/notesSlides/notesSlide10.xml><?xml version="1.0" encoding="utf-8"?>
-<p:notes xmlns:a="http://schemas.openxmlformats.org/drawingml/2006/main" xmlns:r="http://schemas.openxmlformats.org/officeDocument/2006/relationships" xmlns:p="http://schemas.openxmlformats.org/presentationml/2006/main">
-  <p:cSld>
-    <p:spTree>
-      <p:nvGrpSpPr>
-        <p:cNvPr id="1" name=""/>
-        <p:cNvGrpSpPr/>
-        <p:nvPr/>
-      </p:nvGrpSpPr>
-      <p:grpSpPr>
-        <a:xfrm>
-          <a:off x="0" y="0"/>
-          <a:ext cx="0" cy="0"/>
-          <a:chOff x="0" y="0"/>
-          <a:chExt cx="0" cy="0"/>
-        </a:xfrm>
-      </p:grpSpPr>
-      <p:sp>
-        <p:nvSpPr>
-          <p:cNvPr id="2" name="Образ слайда 1"/>
-          <p:cNvSpPr>
-            <a:spLocks noGrp="1" noRot="1" noChangeAspect="1"/>
-          </p:cNvSpPr>
-          <p:nvPr>
-            <p:ph type="sldImg"/>
-          </p:nvPr>
-        </p:nvSpPr>
-        <p:spPr/>
-      </p:sp>
-      <p:sp>
-        <p:nvSpPr>
-          <p:cNvPr id="3" name="Заметки 2"/>
-          <p:cNvSpPr>
-            <a:spLocks noGrp="1"/>
-          </p:cNvSpPr>
-          <p:nvPr>
-            <p:ph type="body" idx="1"/>
-          </p:nvPr>
-        </p:nvSpPr>
-        <p:spPr/>
-        <p:txBody>
-          <a:bodyPr/>
-          <a:lstStyle/>
-          <a:p>
-            <a:endParaRPr lang="ru-RU" dirty="0"/>
-          </a:p>
-        </p:txBody>
-      </p:sp>
-      <p:sp>
-        <p:nvSpPr>
-          <p:cNvPr id="4" name="Номер слайда 3"/>
-          <p:cNvSpPr>
-            <a:spLocks noGrp="1"/>
-          </p:cNvSpPr>
-          <p:nvPr>
-            <p:ph type="sldNum" sz="quarter" idx="10"/>
-          </p:nvPr>
-        </p:nvSpPr>
-        <p:spPr/>
-        <p:txBody>
-          <a:bodyPr/>
-          <a:lstStyle/>
-          <a:p>
-            <a:fld id="{E56B264A-FD85-1B46-9265-710D0808F009}" type="slidenum">
-              <a:rPr lang="ru-RU" smtClean="0"/>
-              <a:t>10</a:t>
-            </a:fld>
-            <a:endParaRPr lang="ru-RU"/>
-          </a:p>
-        </p:txBody>
-      </p:sp>
-    </p:spTree>
-    <p:extLst>
-      <p:ext uri="{BB962C8B-B14F-4D97-AF65-F5344CB8AC3E}">
-        <p14:creationId xmlns:p14="http://schemas.microsoft.com/office/powerpoint/2010/main" val="1087651352"/>
       </p:ext>
     </p:extLst>
   </p:cSld>
@@ -715,15 +644,7 @@
             </a:r>
             <a:r>
               <a:rPr lang="ru-RU" baseline="0" dirty="0" smtClean="0"/>
-              <a:t>я сделал небольшое клиент-серверное приложение — прототип сервиса покупки железнодорожных билетов. </a:t>
-            </a:r>
-            <a:r>
-              <a:rPr lang="ru-RU" baseline="0" dirty="0" smtClean="0"/>
-              <a:t>Отмечу </a:t>
-            </a:r>
-            <a:r>
-              <a:rPr lang="ru-RU" baseline="0" dirty="0" smtClean="0"/>
-              <a:t>заранее то, что приложение развернуто в настоящее время на хостинге </a:t>
+              <a:t>я сделал небольшое клиент-серверное приложение — прототип сервиса покупки железнодорожных билетов. Отмечу заранее то, что приложение развернуто в настоящее время на хостинге </a:t>
             </a:r>
             <a:r>
               <a:rPr lang="en-US" baseline="0" dirty="0" smtClean="0"/>
@@ -764,6 +685,15 @@
             <a:r>
               <a:rPr lang="ru-RU" baseline="0" dirty="0" smtClean="0"/>
               <a:t>.</a:t>
+            </a:r>
+          </a:p>
+          <a:p>
+            <a:endParaRPr lang="ru-RU" baseline="0" dirty="0" smtClean="0"/>
+          </a:p>
+          <a:p>
+            <a:r>
+              <a:rPr lang="ru-RU" baseline="0" dirty="0" smtClean="0"/>
+              <a:t>В приложении используются 2 роли: роль администратора и клиента. Сейчас продемонстрирую как это работает.</a:t>
             </a:r>
             <a:endParaRPr lang="ru-RU" dirty="0"/>
           </a:p>
@@ -851,90 +781,38 @@
           <a:p>
             <a:r>
               <a:rPr lang="ru-RU" dirty="0" smtClean="0"/>
-              <a:t>Главное</a:t>
+              <a:t>Второе приложение — с использованием</a:t>
             </a:r>
             <a:r>
               <a:rPr lang="ru-RU" baseline="0" dirty="0" smtClean="0"/>
-              <a:t> для заказчика — получение прибыли. В данном случае эта прибыль зависит от цены.</a:t>
-            </a:r>
-          </a:p>
-          <a:p>
+              <a:t> технологий </a:t>
+            </a:r>
+            <a:r>
+              <a:rPr lang="en-US" baseline="0" dirty="0" smtClean="0"/>
+              <a:t>JSF </a:t>
+            </a:r>
             <a:r>
               <a:rPr lang="ru-RU" baseline="0" dirty="0" smtClean="0"/>
-              <a:t>Цена в свою очередь рассчитывается по простому правило : чем дальше едем, тем дороже. Соответственно, все станции имеют свои координаты, а цена рассчитывается как геометрическое расстояние между точками.</a:t>
-            </a:r>
-          </a:p>
-          <a:p>
-            <a:endParaRPr lang="ru-RU" baseline="0" dirty="0" smtClean="0"/>
-          </a:p>
-          <a:p>
+              <a:t>и </a:t>
+            </a:r>
+            <a:r>
+              <a:rPr lang="en-US" baseline="0" dirty="0" smtClean="0"/>
+              <a:t>EJB. </a:t>
+            </a:r>
             <a:r>
               <a:rPr lang="ru-RU" baseline="0" dirty="0" smtClean="0"/>
-              <a:t>Любая компания боится потерять своих клиентов и важной особенность должно является то, что клиент мог всегда получает необходимую поддержку. Поэтому в сервисе предусмотрена поддержка на уровне чата: администратор-клиент.</a:t>
-            </a:r>
-          </a:p>
-          <a:p>
-            <a:endParaRPr lang="ru-RU" baseline="0" dirty="0" smtClean="0"/>
-          </a:p>
-          <a:p>
+              <a:t>Оно позволило овладеть базовыми навыками работы с этими технологиями</a:t>
+            </a:r>
             <a:r>
               <a:rPr lang="ru-RU" baseline="0" dirty="0" smtClean="0"/>
-              <a:t>Чтобы грамотно управлять бизнес-процессами, </a:t>
-            </a:r>
-            <a:r>
-              <a:rPr lang="ru-RU" baseline="0" dirty="0" err="1" smtClean="0"/>
-              <a:t>менаджер</a:t>
-            </a:r>
+              <a:t>.</a:t>
+            </a:r>
+          </a:p>
+          <a:p>
             <a:r>
               <a:rPr lang="ru-RU" baseline="0" dirty="0" smtClean="0"/>
-              <a:t> должен видеть статистику посещений, покупок и другого в наглядной форме. А наглядная форма — диаграммы и графики.</a:t>
-            </a:r>
-          </a:p>
-          <a:p>
-            <a:endParaRPr lang="ru-RU" baseline="0" dirty="0" smtClean="0"/>
-          </a:p>
-          <a:p>
-            <a:r>
-              <a:rPr lang="ru-RU" baseline="0" dirty="0" smtClean="0"/>
-              <a:t>Продолжаем играть на пользователя : одновременная покупка билетов с пересадками.</a:t>
-            </a:r>
-          </a:p>
-          <a:p>
-            <a:endParaRPr lang="ru-RU" baseline="0" dirty="0" smtClean="0"/>
-          </a:p>
-          <a:p>
-            <a:r>
-              <a:rPr lang="ru-RU" baseline="0" dirty="0" smtClean="0"/>
-              <a:t>После покупке — билет в виде </a:t>
-            </a:r>
-            <a:r>
-              <a:rPr lang="en-US" baseline="0" dirty="0" smtClean="0"/>
-              <a:t>QR-code. </a:t>
-            </a:r>
-            <a:r>
-              <a:rPr lang="ru-RU" baseline="0" dirty="0" smtClean="0"/>
-              <a:t>Удобно и современно. </a:t>
-            </a:r>
-          </a:p>
-          <a:p>
-            <a:endParaRPr lang="ru-RU" baseline="0" dirty="0" smtClean="0"/>
-          </a:p>
-          <a:p>
-            <a:r>
-              <a:rPr lang="ru-RU" baseline="0" dirty="0" smtClean="0"/>
-              <a:t>И главная особенность : полная абстракция серверной части от графического интерфейса. Мы можем без труда заменить </a:t>
-            </a:r>
-            <a:r>
-              <a:rPr lang="en-US" baseline="0" dirty="0" smtClean="0"/>
-              <a:t>UI</a:t>
-            </a:r>
-            <a:r>
-              <a:rPr lang="ru-RU" baseline="0" dirty="0" smtClean="0"/>
-              <a:t> на новый. </a:t>
-            </a:r>
-          </a:p>
-          <a:p>
-            <a:endParaRPr lang="ru-RU" baseline="0" dirty="0" smtClean="0"/>
+              <a:t>Давайте перейдем к демонстрации</a:t>
+            </a:r>
           </a:p>
           <a:p>
             <a:endParaRPr lang="ru-RU" baseline="0" dirty="0" smtClean="0"/>
@@ -970,7 +848,7 @@
     </p:spTree>
     <p:extLst>
       <p:ext uri="{BB962C8B-B14F-4D97-AF65-F5344CB8AC3E}">
-        <p14:creationId xmlns:p14="http://schemas.microsoft.com/office/powerpoint/2010/main" val="338827990"/>
+        <p14:creationId xmlns:p14="http://schemas.microsoft.com/office/powerpoint/2010/main" val="2041405003"/>
       </p:ext>
     </p:extLst>
   </p:cSld>
@@ -1024,37 +902,7 @@
           <a:bodyPr/>
           <a:lstStyle/>
           <a:p>
-            <a:r>
-              <a:rPr lang="ru-RU" dirty="0" smtClean="0"/>
-              <a:t>Второе приложение — с использованием</a:t>
-            </a:r>
-            <a:r>
-              <a:rPr lang="ru-RU" baseline="0" dirty="0" smtClean="0"/>
-              <a:t> технологий </a:t>
-            </a:r>
-            <a:r>
-              <a:rPr lang="en-US" baseline="0" dirty="0" smtClean="0"/>
-              <a:t>JSF </a:t>
-            </a:r>
-            <a:r>
-              <a:rPr lang="ru-RU" baseline="0" dirty="0" smtClean="0"/>
-              <a:t>и </a:t>
-            </a:r>
-            <a:r>
-              <a:rPr lang="en-US" baseline="0" dirty="0" smtClean="0"/>
-              <a:t>EJB. </a:t>
-            </a:r>
-            <a:r>
-              <a:rPr lang="ru-RU" baseline="0" dirty="0" smtClean="0"/>
-              <a:t>Оно позволило овладеть базовыми навыками работы с этими технологиями</a:t>
-            </a:r>
-            <a:r>
-              <a:rPr lang="ru-RU" baseline="0" dirty="0" smtClean="0"/>
-              <a:t>.</a:t>
-            </a:r>
-          </a:p>
-          <a:p>
-            <a:endParaRPr lang="ru-RU" baseline="0" dirty="0" smtClean="0"/>
+            <a:endParaRPr lang="ru-RU" dirty="0"/>
           </a:p>
         </p:txBody>
       </p:sp>
@@ -1084,7 +932,7 @@
     </p:spTree>
     <p:extLst>
       <p:ext uri="{BB962C8B-B14F-4D97-AF65-F5344CB8AC3E}">
-        <p14:creationId xmlns:p14="http://schemas.microsoft.com/office/powerpoint/2010/main" val="2041405003"/>
+        <p14:creationId xmlns:p14="http://schemas.microsoft.com/office/powerpoint/2010/main" val="421480849"/>
       </p:ext>
     </p:extLst>
   </p:cSld>
@@ -1138,44 +986,95 @@
           <a:bodyPr/>
           <a:lstStyle/>
           <a:p>
+            <a:r>
+              <a:rPr lang="ru-RU" dirty="0" smtClean="0"/>
+              <a:t>Для</a:t>
+            </a:r>
+            <a:r>
+              <a:rPr lang="ru-RU" baseline="0" dirty="0" smtClean="0"/>
+              <a:t> тестирования приложения я выбрал 2 библиотеки </a:t>
+            </a:r>
+            <a:r>
+              <a:rPr lang="ru-RU" baseline="0" dirty="0" err="1" smtClean="0"/>
+              <a:t>Москито</a:t>
+            </a:r>
+            <a:r>
+              <a:rPr lang="ru-RU" baseline="0" dirty="0" smtClean="0"/>
+              <a:t> и </a:t>
+            </a:r>
+            <a:r>
+              <a:rPr lang="en-US" baseline="0" dirty="0" smtClean="0"/>
+              <a:t>Junit </a:t>
+            </a:r>
+            <a:r>
+              <a:rPr lang="ru-RU" baseline="0" dirty="0" smtClean="0"/>
+              <a:t>и тестировал бизнес логику.</a:t>
+            </a:r>
+          </a:p>
+          <a:p>
+            <a:r>
+              <a:rPr lang="ru-RU" baseline="0" dirty="0" smtClean="0"/>
+              <a:t>Для </a:t>
+            </a:r>
+            <a:r>
+              <a:rPr lang="ru-RU" baseline="0" dirty="0" err="1" smtClean="0"/>
+              <a:t>мокито</a:t>
+            </a:r>
+            <a:r>
+              <a:rPr lang="ru-RU" baseline="0" dirty="0" smtClean="0"/>
+              <a:t> </a:t>
+            </a:r>
+            <a:r>
+              <a:rPr lang="ru-RU" baseline="0" dirty="0" smtClean="0"/>
+              <a:t>: ставил </a:t>
+            </a:r>
+            <a:r>
+              <a:rPr lang="ru-RU" baseline="0" dirty="0" err="1" smtClean="0"/>
+              <a:t>загрушки</a:t>
+            </a:r>
+            <a:r>
+              <a:rPr lang="ru-RU" baseline="0" dirty="0" smtClean="0"/>
+              <a:t> на </a:t>
+            </a:r>
+            <a:r>
+              <a:rPr lang="en-US" baseline="0" dirty="0" smtClean="0"/>
+              <a:t>DAO </a:t>
+            </a:r>
+            <a:r>
+              <a:rPr lang="ru-RU" baseline="0" dirty="0" smtClean="0"/>
+              <a:t>и тестировал сервисы.</a:t>
+            </a:r>
+          </a:p>
+          <a:p>
+            <a:r>
+              <a:rPr lang="ru-RU" baseline="0" dirty="0" smtClean="0"/>
+              <a:t>Или проверял конкретные значения вывода отдельных методов уже всеми известными </a:t>
+            </a:r>
+            <a:r>
+              <a:rPr lang="en-US" baseline="0" dirty="0" err="1" smtClean="0"/>
+              <a:t>AsserTrue</a:t>
+            </a:r>
+            <a:r>
+              <a:rPr lang="en-US" baseline="0" dirty="0" smtClean="0"/>
+              <a:t>, </a:t>
+            </a:r>
+            <a:r>
+              <a:rPr lang="en-US" baseline="0" dirty="0" err="1" smtClean="0"/>
+              <a:t>AssertEquals</a:t>
+            </a:r>
+            <a:r>
+              <a:rPr lang="en-US" baseline="0" dirty="0" smtClean="0"/>
+              <a:t> </a:t>
+            </a:r>
+            <a:r>
+              <a:rPr lang="ru-RU" baseline="0" dirty="0" smtClean="0"/>
+              <a:t>и </a:t>
+            </a:r>
+            <a:r>
+              <a:rPr lang="ru-RU" baseline="0" dirty="0" err="1" smtClean="0"/>
+              <a:t>тд</a:t>
+            </a:r>
             <a:endParaRPr lang="ru-RU" baseline="0" dirty="0" smtClean="0"/>
-          </a:p>
-          <a:p>
-            <a:r>
-              <a:rPr lang="ru-RU" baseline="0" dirty="0" smtClean="0"/>
-              <a:t>Главной нашей  архитектурной задумкой стало создание приложения, которое бы работало независимо от доступности сервера с данными или от активности сервера обмена сообщениями. </a:t>
-            </a:r>
-          </a:p>
-          <a:p>
-            <a:endParaRPr lang="ru-RU" baseline="0" dirty="0" smtClean="0"/>
-          </a:p>
-          <a:p>
-            <a:r>
-              <a:rPr lang="ru-RU" baseline="0" dirty="0" smtClean="0"/>
-              <a:t>Далее, в приложении предусмотрен бин, который регистрирует слушателя и проверяет его работу.</a:t>
-            </a:r>
-          </a:p>
-          <a:p>
-            <a:endParaRPr lang="ru-RU" baseline="0" dirty="0" smtClean="0"/>
-          </a:p>
-          <a:p>
-            <a:r>
-              <a:rPr lang="ru-RU" baseline="0" dirty="0" smtClean="0"/>
-              <a:t>Чтобы сократить количество обращений к сервису было принято решение обращаться к сервису только в 2 случаях : запуск сервиса и обновление данных.</a:t>
-            </a:r>
-          </a:p>
-          <a:p>
-            <a:endParaRPr lang="ru-RU" baseline="0" dirty="0" smtClean="0"/>
-          </a:p>
-          <a:p>
-            <a:r>
-              <a:rPr lang="ru-RU" baseline="0" dirty="0" smtClean="0"/>
-              <a:t>И естественно, отбывающий поезд должен автоматически удаляться из расписания. </a:t>
-            </a:r>
-            <a:endParaRPr lang="ru-RU" dirty="0" smtClean="0"/>
-          </a:p>
-          <a:p>
-            <a:endParaRPr lang="ru-RU" dirty="0"/>
           </a:p>
         </p:txBody>
       </p:sp>
@@ -1205,7 +1104,7 @@
     </p:spTree>
     <p:extLst>
       <p:ext uri="{BB962C8B-B14F-4D97-AF65-F5344CB8AC3E}">
-        <p14:creationId xmlns:p14="http://schemas.microsoft.com/office/powerpoint/2010/main" val="766881514"/>
+        <p14:creationId xmlns:p14="http://schemas.microsoft.com/office/powerpoint/2010/main" val="1956747904"/>
       </p:ext>
     </p:extLst>
   </p:cSld>
@@ -1261,26 +1160,71 @@
           <a:p>
             <a:r>
               <a:rPr lang="ru-RU" dirty="0" smtClean="0"/>
-              <a:t>И третье приложение.</a:t>
+              <a:t>Для того,</a:t>
             </a:r>
             <a:r>
               <a:rPr lang="ru-RU" baseline="0" dirty="0" smtClean="0"/>
-              <a:t> Идея приложения появилось после лекции по </a:t>
+              <a:t> чтобы не выполнять ежедневную проверку функционала я сделал 39 автоматических тестов и запускал их 2 раза в день.</a:t>
+            </a:r>
+          </a:p>
+          <a:p>
+            <a:r>
+              <a:rPr lang="ru-RU" baseline="0" dirty="0" smtClean="0"/>
+              <a:t>Это позволяло мне понять : корректно ли в данными момент работают Элементы </a:t>
+            </a:r>
+            <a:r>
+              <a:rPr lang="en-US" baseline="0" dirty="0" smtClean="0"/>
+              <a:t>UI. </a:t>
+            </a:r>
+            <a:r>
+              <a:rPr lang="ru-RU" baseline="0" dirty="0" smtClean="0"/>
+              <a:t>В этом мне помог </a:t>
+            </a:r>
+            <a:r>
+              <a:rPr lang="en-US" baseline="0" dirty="0" smtClean="0"/>
+              <a:t>Selenium </a:t>
+            </a:r>
+            <a:r>
+              <a:rPr lang="ru-RU" baseline="0" dirty="0" smtClean="0"/>
+              <a:t>работающий корректно от нахождения Венеры в Козероге. Сами же тесты писал на </a:t>
+            </a:r>
+            <a:r>
+              <a:rPr lang="en-US" baseline="0" dirty="0" smtClean="0"/>
+              <a:t>Java </a:t>
+            </a:r>
+            <a:r>
+              <a:rPr lang="ru-RU" baseline="0" dirty="0" smtClean="0"/>
+              <a:t>с использованием обращения к элементам по </a:t>
+            </a:r>
+            <a:r>
+              <a:rPr lang="en-US" baseline="0" dirty="0" err="1" smtClean="0"/>
+              <a:t>xpath</a:t>
+            </a:r>
+            <a:r>
+              <a:rPr lang="en-US" baseline="0" dirty="0" smtClean="0"/>
+              <a:t> </a:t>
+            </a:r>
+            <a:r>
+              <a:rPr lang="ru-RU" baseline="0" dirty="0" smtClean="0"/>
+              <a:t>или по </a:t>
+            </a:r>
+            <a:r>
+              <a:rPr lang="en-US" baseline="0" dirty="0" smtClean="0"/>
+              <a:t>Id </a:t>
+            </a:r>
+            <a:r>
+              <a:rPr lang="ru-RU" baseline="0" dirty="0" smtClean="0"/>
+              <a:t>и </a:t>
             </a:r>
             <a:r>
               <a:rPr lang="ru-RU" baseline="0" dirty="0" err="1" smtClean="0"/>
-              <a:t>Ангулару</a:t>
+              <a:t>тд</a:t>
             </a:r>
             <a:r>
               <a:rPr lang="ru-RU" baseline="0" dirty="0" smtClean="0"/>
-              <a:t>. И сделано с целью закрепление материала, который читался на лекции. Поэтому оно вышло маленьким и по большей мере тренировочным. </a:t>
-            </a:r>
-          </a:p>
-          <a:p>
-            <a:r>
-              <a:rPr lang="ru-RU" baseline="0" dirty="0" smtClean="0"/>
-              <a:t>Приложение подразумевает открытие расписание по нажатию на город из списка. Ничего сложного, все банально и просто.</a:t>
-            </a:r>
+              <a:t>.</a:t>
+            </a:r>
+            <a:endParaRPr lang="ru-RU" dirty="0"/>
           </a:p>
         </p:txBody>
       </p:sp>
@@ -1310,7 +1254,7 @@
     </p:spTree>
     <p:extLst>
       <p:ext uri="{BB962C8B-B14F-4D97-AF65-F5344CB8AC3E}">
-        <p14:creationId xmlns:p14="http://schemas.microsoft.com/office/powerpoint/2010/main" val="1658113125"/>
+        <p14:creationId xmlns:p14="http://schemas.microsoft.com/office/powerpoint/2010/main" val="478001883"/>
       </p:ext>
     </p:extLst>
   </p:cSld>
@@ -1366,89 +1310,13 @@
           <a:p>
             <a:r>
               <a:rPr lang="ru-RU" dirty="0" smtClean="0"/>
-              <a:t>Для</a:t>
+              <a:t>Хочется</a:t>
             </a:r>
             <a:r>
               <a:rPr lang="ru-RU" baseline="0" dirty="0" smtClean="0"/>
-              <a:t> тестирования приложения я выбрал 2 библиотеки </a:t>
-            </a:r>
-            <a:r>
-              <a:rPr lang="ru-RU" baseline="0" dirty="0" err="1" smtClean="0"/>
-              <a:t>Москито</a:t>
-            </a:r>
-            <a:r>
-              <a:rPr lang="ru-RU" baseline="0" dirty="0" smtClean="0"/>
-              <a:t> и </a:t>
-            </a:r>
-            <a:r>
-              <a:rPr lang="en-US" baseline="0" dirty="0" smtClean="0"/>
-              <a:t>Junit </a:t>
-            </a:r>
-            <a:r>
-              <a:rPr lang="ru-RU" baseline="0" dirty="0" smtClean="0"/>
-              <a:t>и тестировал бизнес логику.</a:t>
-            </a:r>
-          </a:p>
-          <a:p>
-            <a:r>
-              <a:rPr lang="ru-RU" baseline="0" dirty="0" smtClean="0"/>
-              <a:t>Для </a:t>
-            </a:r>
-            <a:r>
-              <a:rPr lang="ru-RU" baseline="0" dirty="0" err="1" smtClean="0"/>
-              <a:t>москито</a:t>
-            </a:r>
-            <a:r>
-              <a:rPr lang="ru-RU" baseline="0" dirty="0" smtClean="0"/>
-              <a:t> : ставил </a:t>
-            </a:r>
-            <a:r>
-              <a:rPr lang="ru-RU" baseline="0" dirty="0" err="1" smtClean="0"/>
-              <a:t>загрушки</a:t>
-            </a:r>
-            <a:r>
-              <a:rPr lang="ru-RU" baseline="0" dirty="0" smtClean="0"/>
-              <a:t> на </a:t>
-            </a:r>
-            <a:r>
-              <a:rPr lang="en-US" baseline="0" dirty="0" smtClean="0"/>
-              <a:t>DAO </a:t>
-            </a:r>
-            <a:r>
-              <a:rPr lang="ru-RU" baseline="0" dirty="0" smtClean="0"/>
-              <a:t>и тестировал сервисы.</a:t>
-            </a:r>
-          </a:p>
-          <a:p>
-            <a:r>
-              <a:rPr lang="ru-RU" baseline="0" dirty="0" smtClean="0"/>
-              <a:t>Или проверял конкретные значения вывода отдельных методов уже всеми известными </a:t>
-            </a:r>
-            <a:r>
-              <a:rPr lang="en-US" baseline="0" dirty="0" err="1" smtClean="0"/>
-              <a:t>AsserTrue</a:t>
-            </a:r>
-            <a:r>
-              <a:rPr lang="en-US" baseline="0" dirty="0" smtClean="0"/>
-              <a:t>, </a:t>
-            </a:r>
-            <a:r>
-              <a:rPr lang="en-US" baseline="0" dirty="0" err="1" smtClean="0"/>
-              <a:t>AssertEquals</a:t>
-            </a:r>
-            <a:r>
-              <a:rPr lang="en-US" baseline="0" dirty="0" smtClean="0"/>
-              <a:t> </a:t>
-            </a:r>
-            <a:r>
-              <a:rPr lang="ru-RU" baseline="0" dirty="0" smtClean="0"/>
-              <a:t>и </a:t>
-            </a:r>
-            <a:r>
-              <a:rPr lang="ru-RU" baseline="0" dirty="0" err="1" smtClean="0"/>
-              <a:t>тд</a:t>
-            </a:r>
-            <a:endParaRPr lang="ru-RU" baseline="0" dirty="0" smtClean="0"/>
+              <a:t> сказать спасибо всем кураторам и преподавателем, что дали возможность нам получить знания; Это действительно было здорово. </a:t>
+            </a:r>
+            <a:endParaRPr lang="ru-RU" dirty="0"/>
           </a:p>
         </p:txBody>
       </p:sp>
@@ -1478,245 +1346,7 @@
     </p:spTree>
     <p:extLst>
       <p:ext uri="{BB962C8B-B14F-4D97-AF65-F5344CB8AC3E}">
-        <p14:creationId xmlns:p14="http://schemas.microsoft.com/office/powerpoint/2010/main" val="1956747904"/>
-      </p:ext>
-    </p:extLst>
-  </p:cSld>
-  <p:clrMapOvr>
-    <a:masterClrMapping/>
-  </p:clrMapOvr>
-</p:notes>
-</file>
-
-<file path=ppt/notesSlides/notesSlide8.xml><?xml version="1.0" encoding="utf-8"?>
-<p:notes xmlns:a="http://schemas.openxmlformats.org/drawingml/2006/main" xmlns:r="http://schemas.openxmlformats.org/officeDocument/2006/relationships" xmlns:p="http://schemas.openxmlformats.org/presentationml/2006/main">
-  <p:cSld>
-    <p:spTree>
-      <p:nvGrpSpPr>
-        <p:cNvPr id="1" name=""/>
-        <p:cNvGrpSpPr/>
-        <p:nvPr/>
-      </p:nvGrpSpPr>
-      <p:grpSpPr>
-        <a:xfrm>
-          <a:off x="0" y="0"/>
-          <a:ext cx="0" cy="0"/>
-          <a:chOff x="0" y="0"/>
-          <a:chExt cx="0" cy="0"/>
-        </a:xfrm>
-      </p:grpSpPr>
-      <p:sp>
-        <p:nvSpPr>
-          <p:cNvPr id="2" name="Образ слайда 1"/>
-          <p:cNvSpPr>
-            <a:spLocks noGrp="1" noRot="1" noChangeAspect="1"/>
-          </p:cNvSpPr>
-          <p:nvPr>
-            <p:ph type="sldImg"/>
-          </p:nvPr>
-        </p:nvSpPr>
-        <p:spPr/>
-      </p:sp>
-      <p:sp>
-        <p:nvSpPr>
-          <p:cNvPr id="3" name="Заметки 2"/>
-          <p:cNvSpPr>
-            <a:spLocks noGrp="1"/>
-          </p:cNvSpPr>
-          <p:nvPr>
-            <p:ph type="body" idx="1"/>
-          </p:nvPr>
-        </p:nvSpPr>
-        <p:spPr/>
-        <p:txBody>
-          <a:bodyPr/>
-          <a:lstStyle/>
-          <a:p>
-            <a:r>
-              <a:rPr lang="ru-RU" dirty="0" smtClean="0"/>
-              <a:t>Для того,</a:t>
-            </a:r>
-            <a:r>
-              <a:rPr lang="ru-RU" baseline="0" dirty="0" smtClean="0"/>
-              <a:t> чтобы не выполнять ежедневную проверку функционала я сделал 39 автоматических тестов и запускал их 2 раза в день.</a:t>
-            </a:r>
-          </a:p>
-          <a:p>
-            <a:r>
-              <a:rPr lang="ru-RU" baseline="0" dirty="0" smtClean="0"/>
-              <a:t>Это позволяло мне понять : корректно ли в данными момент работают Элементы </a:t>
-            </a:r>
-            <a:r>
-              <a:rPr lang="en-US" baseline="0" dirty="0" smtClean="0"/>
-              <a:t>UI. </a:t>
-            </a:r>
-            <a:r>
-              <a:rPr lang="ru-RU" baseline="0" dirty="0" smtClean="0"/>
-              <a:t>В этом мне помог </a:t>
-            </a:r>
-            <a:r>
-              <a:rPr lang="en-US" baseline="0" dirty="0" smtClean="0"/>
-              <a:t>Selenium </a:t>
-            </a:r>
-            <a:r>
-              <a:rPr lang="ru-RU" baseline="0" dirty="0" smtClean="0"/>
-              <a:t>работающий корректно от нахождения Венеры в Козероге. Сами же тесты писал на </a:t>
-            </a:r>
-            <a:r>
-              <a:rPr lang="en-US" baseline="0" dirty="0" smtClean="0"/>
-              <a:t>Java </a:t>
-            </a:r>
-            <a:r>
-              <a:rPr lang="ru-RU" baseline="0" dirty="0" smtClean="0"/>
-              <a:t>с использованием обращения к элементам по </a:t>
-            </a:r>
-            <a:r>
-              <a:rPr lang="en-US" baseline="0" dirty="0" err="1" smtClean="0"/>
-              <a:t>xpath</a:t>
-            </a:r>
-            <a:r>
-              <a:rPr lang="en-US" baseline="0" dirty="0" smtClean="0"/>
-              <a:t> </a:t>
-            </a:r>
-            <a:r>
-              <a:rPr lang="ru-RU" baseline="0" dirty="0" smtClean="0"/>
-              <a:t>или по </a:t>
-            </a:r>
-            <a:r>
-              <a:rPr lang="en-US" baseline="0" dirty="0" smtClean="0"/>
-              <a:t>Id </a:t>
-            </a:r>
-            <a:r>
-              <a:rPr lang="ru-RU" baseline="0" dirty="0" smtClean="0"/>
-              <a:t>и </a:t>
-            </a:r>
-            <a:r>
-              <a:rPr lang="ru-RU" baseline="0" dirty="0" err="1" smtClean="0"/>
-              <a:t>тд</a:t>
-            </a:r>
-            <a:r>
-              <a:rPr lang="ru-RU" baseline="0" dirty="0" smtClean="0"/>
-              <a:t>.</a:t>
-            </a:r>
-            <a:endParaRPr lang="ru-RU" dirty="0"/>
-          </a:p>
-        </p:txBody>
-      </p:sp>
-      <p:sp>
-        <p:nvSpPr>
-          <p:cNvPr id="4" name="Номер слайда 3"/>
-          <p:cNvSpPr>
-            <a:spLocks noGrp="1"/>
-          </p:cNvSpPr>
-          <p:nvPr>
-            <p:ph type="sldNum" sz="quarter" idx="10"/>
-          </p:nvPr>
-        </p:nvSpPr>
-        <p:spPr/>
-        <p:txBody>
-          <a:bodyPr/>
-          <a:lstStyle/>
-          <a:p>
-            <a:fld id="{E56B264A-FD85-1B46-9265-710D0808F009}" type="slidenum">
-              <a:rPr lang="ru-RU" smtClean="0"/>
-              <a:t>8</a:t>
-            </a:fld>
-            <a:endParaRPr lang="ru-RU"/>
-          </a:p>
-        </p:txBody>
-      </p:sp>
-    </p:spTree>
-    <p:extLst>
-      <p:ext uri="{BB962C8B-B14F-4D97-AF65-F5344CB8AC3E}">
-        <p14:creationId xmlns:p14="http://schemas.microsoft.com/office/powerpoint/2010/main" val="478001883"/>
-      </p:ext>
-    </p:extLst>
-  </p:cSld>
-  <p:clrMapOvr>
-    <a:masterClrMapping/>
-  </p:clrMapOvr>
-</p:notes>
-</file>
-
-<file path=ppt/notesSlides/notesSlide9.xml><?xml version="1.0" encoding="utf-8"?>
-<p:notes xmlns:a="http://schemas.openxmlformats.org/drawingml/2006/main" xmlns:r="http://schemas.openxmlformats.org/officeDocument/2006/relationships" xmlns:p="http://schemas.openxmlformats.org/presentationml/2006/main">
-  <p:cSld>
-    <p:spTree>
-      <p:nvGrpSpPr>
-        <p:cNvPr id="1" name=""/>
-        <p:cNvGrpSpPr/>
-        <p:nvPr/>
-      </p:nvGrpSpPr>
-      <p:grpSpPr>
-        <a:xfrm>
-          <a:off x="0" y="0"/>
-          <a:ext cx="0" cy="0"/>
-          <a:chOff x="0" y="0"/>
-          <a:chExt cx="0" cy="0"/>
-        </a:xfrm>
-      </p:grpSpPr>
-      <p:sp>
-        <p:nvSpPr>
-          <p:cNvPr id="2" name="Образ слайда 1"/>
-          <p:cNvSpPr>
-            <a:spLocks noGrp="1" noRot="1" noChangeAspect="1"/>
-          </p:cNvSpPr>
-          <p:nvPr>
-            <p:ph type="sldImg"/>
-          </p:nvPr>
-        </p:nvSpPr>
-        <p:spPr/>
-      </p:sp>
-      <p:sp>
-        <p:nvSpPr>
-          <p:cNvPr id="3" name="Заметки 2"/>
-          <p:cNvSpPr>
-            <a:spLocks noGrp="1"/>
-          </p:cNvSpPr>
-          <p:nvPr>
-            <p:ph type="body" idx="1"/>
-          </p:nvPr>
-        </p:nvSpPr>
-        <p:spPr/>
-        <p:txBody>
-          <a:bodyPr/>
-          <a:lstStyle/>
-          <a:p>
-            <a:r>
-              <a:rPr lang="ru-RU" dirty="0" smtClean="0"/>
-              <a:t>Плавно переходим к демонстрации.</a:t>
-            </a:r>
-            <a:endParaRPr lang="ru-RU" dirty="0"/>
-          </a:p>
-        </p:txBody>
-      </p:sp>
-      <p:sp>
-        <p:nvSpPr>
-          <p:cNvPr id="4" name="Номер слайда 3"/>
-          <p:cNvSpPr>
-            <a:spLocks noGrp="1"/>
-          </p:cNvSpPr>
-          <p:nvPr>
-            <p:ph type="sldNum" sz="quarter" idx="10"/>
-          </p:nvPr>
-        </p:nvSpPr>
-        <p:spPr/>
-        <p:txBody>
-          <a:bodyPr/>
-          <a:lstStyle/>
-          <a:p>
-            <a:fld id="{E56B264A-FD85-1B46-9265-710D0808F009}" type="slidenum">
-              <a:rPr lang="ru-RU" smtClean="0"/>
-              <a:t>9</a:t>
-            </a:fld>
-            <a:endParaRPr lang="ru-RU"/>
-          </a:p>
-        </p:txBody>
-      </p:sp>
-    </p:spTree>
-    <p:extLst>
-      <p:ext uri="{BB962C8B-B14F-4D97-AF65-F5344CB8AC3E}">
-        <p14:creationId xmlns:p14="http://schemas.microsoft.com/office/powerpoint/2010/main" val="575215919"/>
+        <p14:creationId xmlns:p14="http://schemas.microsoft.com/office/powerpoint/2010/main" val="455229061"/>
       </p:ext>
     </p:extLst>
   </p:cSld>
@@ -1855,7 +1485,7 @@
           <a:bodyPr/>
           <a:lstStyle/>
           <a:p>
-            <a:fld id="{C3C7FBEA-6A11-514B-9423-C113B0AD849F}" type="datetimeFigureOut">
+            <a:fld id="{B058C08B-D800-7F40-985D-B91C29EE9987}" type="datetime1">
               <a:rPr lang="ru-RU" smtClean="0"/>
               <a:t>29.05.17</a:t>
             </a:fld>
@@ -2025,7 +1655,7 @@
           <a:bodyPr/>
           <a:lstStyle/>
           <a:p>
-            <a:fld id="{C3C7FBEA-6A11-514B-9423-C113B0AD849F}" type="datetimeFigureOut">
+            <a:fld id="{5802A83B-5EE1-5241-A8B5-A5336BF00EF3}" type="datetime1">
               <a:rPr lang="ru-RU" smtClean="0"/>
               <a:t>29.05.17</a:t>
             </a:fld>
@@ -2205,7 +1835,7 @@
           <a:bodyPr/>
           <a:lstStyle/>
           <a:p>
-            <a:fld id="{C3C7FBEA-6A11-514B-9423-C113B0AD849F}" type="datetimeFigureOut">
+            <a:fld id="{7369D4D8-BA2F-CE4B-A0AA-F5AEC59485C7}" type="datetime1">
               <a:rPr lang="ru-RU" smtClean="0"/>
               <a:t>29.05.17</a:t>
             </a:fld>
@@ -2375,7 +2005,7 @@
           <a:bodyPr/>
           <a:lstStyle/>
           <a:p>
-            <a:fld id="{C3C7FBEA-6A11-514B-9423-C113B0AD849F}" type="datetimeFigureOut">
+            <a:fld id="{FB7D06B6-DDA3-9E45-A340-72D7C42E9020}" type="datetime1">
               <a:rPr lang="ru-RU" smtClean="0"/>
               <a:t>29.05.17</a:t>
             </a:fld>
@@ -2621,7 +2251,7 @@
           <a:bodyPr/>
           <a:lstStyle/>
           <a:p>
-            <a:fld id="{C3C7FBEA-6A11-514B-9423-C113B0AD849F}" type="datetimeFigureOut">
+            <a:fld id="{5061C3CC-6697-F84E-A653-8CF21EF9CDC9}" type="datetime1">
               <a:rPr lang="ru-RU" smtClean="0"/>
               <a:t>29.05.17</a:t>
             </a:fld>
@@ -2853,7 +2483,7 @@
           <a:bodyPr/>
           <a:lstStyle/>
           <a:p>
-            <a:fld id="{C3C7FBEA-6A11-514B-9423-C113B0AD849F}" type="datetimeFigureOut">
+            <a:fld id="{BA8A11AA-8AFA-924F-9282-82AEC35624D1}" type="datetime1">
               <a:rPr lang="ru-RU" smtClean="0"/>
               <a:t>29.05.17</a:t>
             </a:fld>
@@ -3220,7 +2850,7 @@
           <a:bodyPr/>
           <a:lstStyle/>
           <a:p>
-            <a:fld id="{C3C7FBEA-6A11-514B-9423-C113B0AD849F}" type="datetimeFigureOut">
+            <a:fld id="{093A153A-AB9D-CA4B-8623-31C751AF52C9}" type="datetime1">
               <a:rPr lang="ru-RU" smtClean="0"/>
               <a:t>29.05.17</a:t>
             </a:fld>
@@ -3338,7 +2968,7 @@
           <a:bodyPr/>
           <a:lstStyle/>
           <a:p>
-            <a:fld id="{C3C7FBEA-6A11-514B-9423-C113B0AD849F}" type="datetimeFigureOut">
+            <a:fld id="{A8A7E0E2-9360-9E44-B0DB-1CAED1019E18}" type="datetime1">
               <a:rPr lang="ru-RU" smtClean="0"/>
               <a:t>29.05.17</a:t>
             </a:fld>
@@ -3433,7 +3063,7 @@
           <a:bodyPr/>
           <a:lstStyle/>
           <a:p>
-            <a:fld id="{C3C7FBEA-6A11-514B-9423-C113B0AD849F}" type="datetimeFigureOut">
+            <a:fld id="{40CD7B2B-03EA-E242-A3B6-7C4E5360E413}" type="datetime1">
               <a:rPr lang="ru-RU" smtClean="0"/>
               <a:t>29.05.17</a:t>
             </a:fld>
@@ -3710,7 +3340,7 @@
           <a:bodyPr/>
           <a:lstStyle/>
           <a:p>
-            <a:fld id="{C3C7FBEA-6A11-514B-9423-C113B0AD849F}" type="datetimeFigureOut">
+            <a:fld id="{9482B799-E8F9-5941-9C1E-45A390BA6F59}" type="datetime1">
               <a:rPr lang="ru-RU" smtClean="0"/>
               <a:t>29.05.17</a:t>
             </a:fld>
@@ -3967,7 +3597,7 @@
           <a:bodyPr/>
           <a:lstStyle/>
           <a:p>
-            <a:fld id="{C3C7FBEA-6A11-514B-9423-C113B0AD849F}" type="datetimeFigureOut">
+            <a:fld id="{2B900EC9-CFFF-6648-B992-0F87990BC644}" type="datetime1">
               <a:rPr lang="ru-RU" smtClean="0"/>
               <a:t>29.05.17</a:t>
             </a:fld>
@@ -4180,7 +3810,7 @@
             </a:lvl1pPr>
           </a:lstStyle>
           <a:p>
-            <a:fld id="{C3C7FBEA-6A11-514B-9423-C113B0AD849F}" type="datetimeFigureOut">
+            <a:fld id="{E6E828FE-61DE-984E-B208-D61ABEBEB859}" type="datetime1">
               <a:rPr lang="ru-RU" smtClean="0"/>
               <a:t>29.05.17</a:t>
             </a:fld>
@@ -4287,6 +3917,7 @@
     <p:sldLayoutId id="2147483694" r:id="rId10"/>
     <p:sldLayoutId id="2147483695" r:id="rId11"/>
   </p:sldLayoutIdLst>
+  <p:hf hdr="0" ftr="0" dt="0"/>
   <p:txStyles>
     <p:titleStyle>
       <a:lvl1pPr algn="l" defTabSz="914400" rtl="0" eaLnBrk="1" latinLnBrk="0" hangingPunct="1">
@@ -4790,349 +4421,6 @@
 </p:sld>
 </file>
 
-<file path=ppt/slides/slide10.xml><?xml version="1.0" encoding="utf-8"?>
-<p:sld xmlns:a="http://schemas.openxmlformats.org/drawingml/2006/main" xmlns:r="http://schemas.openxmlformats.org/officeDocument/2006/relationships" xmlns:p="http://schemas.openxmlformats.org/presentationml/2006/main">
-  <p:cSld>
-    <p:spTree>
-      <p:nvGrpSpPr>
-        <p:cNvPr id="1" name=""/>
-        <p:cNvGrpSpPr/>
-        <p:nvPr/>
-      </p:nvGrpSpPr>
-      <p:grpSpPr>
-        <a:xfrm>
-          <a:off x="0" y="0"/>
-          <a:ext cx="0" cy="0"/>
-          <a:chOff x="0" y="0"/>
-          <a:chExt cx="0" cy="0"/>
-        </a:xfrm>
-      </p:grpSpPr>
-      <p:sp>
-        <p:nvSpPr>
-          <p:cNvPr id="2" name="Заголовок 1"/>
-          <p:cNvSpPr>
-            <a:spLocks noGrp="1"/>
-          </p:cNvSpPr>
-          <p:nvPr>
-            <p:ph type="title"/>
-          </p:nvPr>
-        </p:nvSpPr>
-        <p:spPr>
-          <a:xfrm>
-            <a:off x="900334" y="196998"/>
-            <a:ext cx="10515600" cy="1325563"/>
-          </a:xfrm>
-        </p:spPr>
-        <p:txBody>
-          <a:bodyPr/>
-          <a:lstStyle/>
-          <a:p>
-            <a:pPr algn="ctr"/>
-            <a:r>
-              <a:rPr lang="en-US" dirty="0" smtClean="0">
-                <a:solidFill>
-                  <a:srgbClr val="FFFF00"/>
-                </a:solidFill>
-                <a:latin typeface="Courier New" charset="0"/>
-                <a:ea typeface="Courier New" charset="0"/>
-                <a:cs typeface="Courier New" charset="0"/>
-              </a:rPr>
-              <a:t>//Result</a:t>
-            </a:r>
-            <a:endParaRPr lang="ru-RU" dirty="0">
-              <a:solidFill>
-                <a:srgbClr val="FFFF00"/>
-              </a:solidFill>
-              <a:latin typeface="Courier New" charset="0"/>
-              <a:ea typeface="Courier New" charset="0"/>
-              <a:cs typeface="Courier New" charset="0"/>
-            </a:endParaRPr>
-          </a:p>
-        </p:txBody>
-      </p:sp>
-      <p:sp>
-        <p:nvSpPr>
-          <p:cNvPr id="3" name="TextBox 2"/>
-          <p:cNvSpPr txBox="1"/>
-          <p:nvPr/>
-        </p:nvSpPr>
-        <p:spPr>
-          <a:xfrm>
-            <a:off x="1529862" y="2532185"/>
-            <a:ext cx="9302261" cy="1708160"/>
-          </a:xfrm>
-          <a:prstGeom prst="rect">
-            <a:avLst/>
-          </a:prstGeom>
-          <a:noFill/>
-        </p:spPr>
-        <p:txBody>
-          <a:bodyPr wrap="square" rtlCol="0">
-            <a:spAutoFit/>
-          </a:bodyPr>
-          <a:lstStyle/>
-          <a:p>
-            <a:pPr marL="457200" indent="-457200">
-              <a:buFont typeface="Arial" charset="0"/>
-              <a:buChar char="•"/>
-            </a:pPr>
-            <a:r>
-              <a:rPr lang="en-US" sz="3500" dirty="0" smtClean="0">
-                <a:latin typeface="Courier New" charset="0"/>
-                <a:ea typeface="Courier New" charset="0"/>
-                <a:cs typeface="Courier New" charset="0"/>
-              </a:rPr>
-              <a:t>Learned how to remake</a:t>
-            </a:r>
-          </a:p>
-          <a:p>
-            <a:pPr marL="457200" indent="-457200">
-              <a:buFont typeface="Arial" charset="0"/>
-              <a:buChar char="•"/>
-            </a:pPr>
-            <a:r>
-              <a:rPr lang="en-US" sz="3500" dirty="0">
-                <a:latin typeface="Courier New" charset="0"/>
-                <a:ea typeface="Courier New" charset="0"/>
-                <a:cs typeface="Courier New" charset="0"/>
-              </a:rPr>
-              <a:t>Learned to feel in a </a:t>
-            </a:r>
-            <a:r>
-              <a:rPr lang="en-US" sz="3500" dirty="0" smtClean="0">
-                <a:latin typeface="Courier New" charset="0"/>
-                <a:ea typeface="Courier New" charset="0"/>
-                <a:cs typeface="Courier New" charset="0"/>
-              </a:rPr>
-              <a:t>team</a:t>
-            </a:r>
-            <a:endParaRPr lang="ru-RU" sz="3500" dirty="0" smtClean="0">
-              <a:latin typeface="Courier New" charset="0"/>
-              <a:ea typeface="Courier New" charset="0"/>
-              <a:cs typeface="Courier New" charset="0"/>
-            </a:endParaRPr>
-          </a:p>
-          <a:p>
-            <a:pPr marL="457200" indent="-457200">
-              <a:buFont typeface="Arial" charset="0"/>
-              <a:buChar char="•"/>
-            </a:pPr>
-            <a:endParaRPr lang="ru-RU" sz="3500" dirty="0">
-              <a:latin typeface="Courier New" charset="0"/>
-              <a:ea typeface="Courier New" charset="0"/>
-              <a:cs typeface="Courier New" charset="0"/>
-            </a:endParaRPr>
-          </a:p>
-        </p:txBody>
-      </p:sp>
-    </p:spTree>
-    <p:extLst>
-      <p:ext uri="{BB962C8B-B14F-4D97-AF65-F5344CB8AC3E}">
-        <p14:creationId xmlns:p14="http://schemas.microsoft.com/office/powerpoint/2010/main" val="600550298"/>
-      </p:ext>
-    </p:extLst>
-  </p:cSld>
-  <p:clrMapOvr>
-    <a:masterClrMapping/>
-  </p:clrMapOvr>
-  <p:timing>
-    <p:tnLst>
-      <p:par>
-        <p:cTn id="1" dur="indefinite" restart="never" nodeType="tmRoot"/>
-      </p:par>
-    </p:tnLst>
-  </p:timing>
-</p:sld>
-</file>
-
-<file path=ppt/slides/slide11.xml><?xml version="1.0" encoding="utf-8"?>
-<p:sld xmlns:a="http://schemas.openxmlformats.org/drawingml/2006/main" xmlns:r="http://schemas.openxmlformats.org/officeDocument/2006/relationships" xmlns:p="http://schemas.openxmlformats.org/presentationml/2006/main">
-  <p:cSld>
-    <p:spTree>
-      <p:nvGrpSpPr>
-        <p:cNvPr id="1" name=""/>
-        <p:cNvGrpSpPr/>
-        <p:nvPr/>
-      </p:nvGrpSpPr>
-      <p:grpSpPr>
-        <a:xfrm>
-          <a:off x="0" y="0"/>
-          <a:ext cx="0" cy="0"/>
-          <a:chOff x="0" y="0"/>
-          <a:chExt cx="0" cy="0"/>
-        </a:xfrm>
-      </p:grpSpPr>
-      <p:sp>
-        <p:nvSpPr>
-          <p:cNvPr id="2" name="Заголовок 1"/>
-          <p:cNvSpPr>
-            <a:spLocks noGrp="1"/>
-          </p:cNvSpPr>
-          <p:nvPr>
-            <p:ph type="title"/>
-          </p:nvPr>
-        </p:nvSpPr>
-        <p:spPr/>
-        <p:txBody>
-          <a:bodyPr/>
-          <a:lstStyle/>
-          <a:p>
-            <a:pPr algn="ctr"/>
-            <a:r>
-              <a:rPr lang="en-US" dirty="0" smtClean="0"/>
-              <a:t>Q&amp;A</a:t>
-            </a:r>
-            <a:endParaRPr lang="ru-RU" dirty="0"/>
-          </a:p>
-        </p:txBody>
-      </p:sp>
-      <p:sp>
-        <p:nvSpPr>
-          <p:cNvPr id="3" name="Объект 2"/>
-          <p:cNvSpPr>
-            <a:spLocks noGrp="1"/>
-          </p:cNvSpPr>
-          <p:nvPr>
-            <p:ph idx="1"/>
-          </p:nvPr>
-        </p:nvSpPr>
-        <p:spPr>
-          <a:xfrm>
-            <a:off x="2757487" y="2311399"/>
-            <a:ext cx="6677025" cy="3103563"/>
-          </a:xfrm>
-        </p:spPr>
-        <p:txBody>
-          <a:bodyPr/>
-          <a:lstStyle/>
-          <a:p>
-            <a:pPr marL="0" marR="0" lvl="0" indent="0" algn="ctr" defTabSz="914400" eaLnBrk="1" fontAlgn="auto" latinLnBrk="0" hangingPunct="1">
-              <a:lnSpc>
-                <a:spcPct val="100000"/>
-              </a:lnSpc>
-              <a:spcBef>
-                <a:spcPts val="0"/>
-              </a:spcBef>
-              <a:spcAft>
-                <a:spcPts val="0"/>
-              </a:spcAft>
-              <a:buClrTx/>
-              <a:buSzTx/>
-              <a:buFontTx/>
-              <a:buNone/>
-              <a:tabLst/>
-              <a:defRPr/>
-            </a:pPr>
-            <a:r>
-              <a:rPr lang="en-US" sz="3200" dirty="0" err="1" smtClean="0">
-                <a:latin typeface="Courier New" charset="0"/>
-                <a:ea typeface="Courier New" charset="0"/>
-                <a:cs typeface="Courier New" charset="0"/>
-              </a:rPr>
-              <a:t>Prendota</a:t>
-            </a:r>
-            <a:r>
-              <a:rPr lang="en-US" sz="3200" dirty="0" smtClean="0">
-                <a:latin typeface="Courier New" charset="0"/>
-                <a:ea typeface="Courier New" charset="0"/>
-                <a:cs typeface="Courier New" charset="0"/>
-              </a:rPr>
-              <a:t>  Alexander</a:t>
-            </a:r>
-          </a:p>
-          <a:p>
-            <a:pPr marL="0" marR="0" lvl="0" indent="0" algn="ctr" defTabSz="914400" eaLnBrk="1" fontAlgn="auto" latinLnBrk="0" hangingPunct="1">
-              <a:lnSpc>
-                <a:spcPct val="100000"/>
-              </a:lnSpc>
-              <a:spcBef>
-                <a:spcPts val="0"/>
-              </a:spcBef>
-              <a:spcAft>
-                <a:spcPts val="0"/>
-              </a:spcAft>
-              <a:buClrTx/>
-              <a:buSzTx/>
-              <a:buFontTx/>
-              <a:buNone/>
-              <a:tabLst/>
-              <a:defRPr/>
-            </a:pPr>
-            <a:endParaRPr lang="en-US" sz="3200" dirty="0">
-              <a:latin typeface="Courier New" charset="0"/>
-              <a:ea typeface="Courier New" charset="0"/>
-              <a:cs typeface="Courier New" charset="0"/>
-            </a:endParaRPr>
-          </a:p>
-          <a:p>
-            <a:pPr marL="0" marR="0" lvl="0" indent="0" algn="ctr" defTabSz="914400" eaLnBrk="1" fontAlgn="auto" latinLnBrk="0" hangingPunct="1">
-              <a:lnSpc>
-                <a:spcPct val="100000"/>
-              </a:lnSpc>
-              <a:spcBef>
-                <a:spcPts val="0"/>
-              </a:spcBef>
-              <a:spcAft>
-                <a:spcPts val="0"/>
-              </a:spcAft>
-              <a:buClrTx/>
-              <a:buSzTx/>
-              <a:buFontTx/>
-              <a:buNone/>
-              <a:tabLst/>
-              <a:defRPr/>
-            </a:pPr>
-            <a:r>
-              <a:rPr lang="en-US" sz="3200" dirty="0">
-                <a:latin typeface="Courier New" charset="0"/>
-                <a:ea typeface="Courier New" charset="0"/>
-                <a:cs typeface="Courier New" charset="0"/>
-              </a:rPr>
-              <a:t>Prendota@mail.ru</a:t>
-            </a:r>
-          </a:p>
-          <a:p>
-            <a:pPr marL="0" marR="0" lvl="0" indent="0" defTabSz="914400" eaLnBrk="1" fontAlgn="auto" latinLnBrk="0" hangingPunct="1">
-              <a:lnSpc>
-                <a:spcPct val="100000"/>
-              </a:lnSpc>
-              <a:spcBef>
-                <a:spcPts val="0"/>
-              </a:spcBef>
-              <a:spcAft>
-                <a:spcPts val="0"/>
-              </a:spcAft>
-              <a:buClrTx/>
-              <a:buSzTx/>
-              <a:buFontTx/>
-              <a:buNone/>
-              <a:tabLst/>
-              <a:defRPr/>
-            </a:pPr>
-            <a:endParaRPr lang="ru-RU" dirty="0"/>
-          </a:p>
-        </p:txBody>
-      </p:sp>
-    </p:spTree>
-    <p:extLst>
-      <p:ext uri="{BB962C8B-B14F-4D97-AF65-F5344CB8AC3E}">
-        <p14:creationId xmlns:p14="http://schemas.microsoft.com/office/powerpoint/2010/main" val="481617623"/>
-      </p:ext>
-    </p:extLst>
-  </p:cSld>
-  <p:clrMapOvr>
-    <a:masterClrMapping/>
-  </p:clrMapOvr>
-  <p:timing>
-    <p:tnLst>
-      <p:par>
-        <p:cTn id="1" dur="indefinite" restart="never" nodeType="tmRoot"/>
-      </p:par>
-    </p:tnLst>
-  </p:timing>
-</p:sld>
-</file>
-
 <file path=ppt/slides/slide2.xml><?xml version="1.0" encoding="utf-8"?>
 <p:sld xmlns:a="http://schemas.openxmlformats.org/drawingml/2006/main" xmlns:r="http://schemas.openxmlformats.org/officeDocument/2006/relationships" xmlns:p="http://schemas.openxmlformats.org/presentationml/2006/main">
   <p:cSld>
@@ -5281,6 +4569,29 @@
           </a:prstGeom>
         </p:spPr>
       </p:pic>
+      <p:sp>
+        <p:nvSpPr>
+          <p:cNvPr id="5" name="Номер слайда 4"/>
+          <p:cNvSpPr>
+            <a:spLocks noGrp="1"/>
+          </p:cNvSpPr>
+          <p:nvPr>
+            <p:ph type="sldNum" sz="quarter" idx="12"/>
+          </p:nvPr>
+        </p:nvSpPr>
+        <p:spPr/>
+        <p:txBody>
+          <a:bodyPr/>
+          <a:lstStyle/>
+          <a:p>
+            <a:fld id="{F6A0668E-3129-374D-8632-A2837AE39A8E}" type="slidenum">
+              <a:rPr lang="ru-RU" smtClean="0"/>
+              <a:t>2</a:t>
+            </a:fld>
+            <a:endParaRPr lang="ru-RU"/>
+          </a:p>
+        </p:txBody>
+      </p:sp>
     </p:spTree>
     <p:extLst>
       <p:ext uri="{BB962C8B-B14F-4D97-AF65-F5344CB8AC3E}">
@@ -5328,487 +4639,6 @@
             <p:ph type="title"/>
           </p:nvPr>
         </p:nvSpPr>
-        <p:spPr/>
-        <p:txBody>
-          <a:bodyPr/>
-          <a:lstStyle/>
-          <a:p>
-            <a:pPr algn="ctr"/>
-            <a:r>
-              <a:rPr lang="en-US" dirty="0" smtClean="0">
-                <a:solidFill>
-                  <a:srgbClr val="FFFF00"/>
-                </a:solidFill>
-                <a:latin typeface="Courier New" charset="0"/>
-                <a:ea typeface="Courier New" charset="0"/>
-                <a:cs typeface="Courier New" charset="0"/>
-              </a:rPr>
-              <a:t>//Features</a:t>
-            </a:r>
-            <a:endParaRPr lang="ru-RU" dirty="0">
-              <a:solidFill>
-                <a:srgbClr val="FFFF00"/>
-              </a:solidFill>
-              <a:latin typeface="Courier New" charset="0"/>
-              <a:ea typeface="Courier New" charset="0"/>
-              <a:cs typeface="Courier New" charset="0"/>
-            </a:endParaRPr>
-          </a:p>
-        </p:txBody>
-      </p:sp>
-      <p:sp>
-        <p:nvSpPr>
-          <p:cNvPr id="3" name="Объект 2"/>
-          <p:cNvSpPr>
-            <a:spLocks noGrp="1"/>
-          </p:cNvSpPr>
-          <p:nvPr>
-            <p:ph idx="1"/>
-          </p:nvPr>
-        </p:nvSpPr>
-        <p:spPr/>
-        <p:txBody>
-          <a:bodyPr>
-            <a:normAutofit/>
-          </a:bodyPr>
-          <a:lstStyle/>
-          <a:p>
-            <a:pPr algn="ctr"/>
-            <a:r>
-              <a:rPr lang="en-US" sz="4000" dirty="0" smtClean="0">
-                <a:latin typeface="Courier New" charset="0"/>
-                <a:ea typeface="Courier New" charset="0"/>
-                <a:cs typeface="Courier New" charset="0"/>
-              </a:rPr>
-              <a:t>Price</a:t>
-            </a:r>
-          </a:p>
-          <a:p>
-            <a:pPr algn="ctr"/>
-            <a:r>
-              <a:rPr lang="en-US" sz="4000" dirty="0" smtClean="0">
-                <a:latin typeface="Courier New" charset="0"/>
-                <a:ea typeface="Courier New" charset="0"/>
-                <a:cs typeface="Courier New" charset="0"/>
-              </a:rPr>
-              <a:t>Support</a:t>
-            </a:r>
-          </a:p>
-          <a:p>
-            <a:pPr algn="ctr"/>
-            <a:r>
-              <a:rPr lang="en-US" sz="4000" dirty="0" smtClean="0">
-                <a:latin typeface="Courier New" charset="0"/>
-                <a:ea typeface="Courier New" charset="0"/>
-                <a:cs typeface="Courier New" charset="0"/>
-              </a:rPr>
-              <a:t>Statistics</a:t>
-            </a:r>
-          </a:p>
-          <a:p>
-            <a:pPr algn="ctr"/>
-            <a:r>
-              <a:rPr lang="en-US" sz="4000" dirty="0" smtClean="0">
-                <a:latin typeface="Courier New" charset="0"/>
-                <a:ea typeface="Courier New" charset="0"/>
-                <a:cs typeface="Courier New" charset="0"/>
-              </a:rPr>
-              <a:t>Transfer ways</a:t>
-            </a:r>
-          </a:p>
-          <a:p>
-            <a:pPr algn="ctr"/>
-            <a:r>
-              <a:rPr lang="en-US" sz="4000" dirty="0" smtClean="0">
-                <a:latin typeface="Courier New" charset="0"/>
-                <a:ea typeface="Courier New" charset="0"/>
-                <a:cs typeface="Courier New" charset="0"/>
-              </a:rPr>
-              <a:t>Generate QR-code</a:t>
-            </a:r>
-          </a:p>
-          <a:p>
-            <a:pPr algn="ctr"/>
-            <a:r>
-              <a:rPr lang="en-US" sz="4000" dirty="0" smtClean="0">
-                <a:latin typeface="Courier New" charset="0"/>
-                <a:ea typeface="Courier New" charset="0"/>
-                <a:cs typeface="Courier New" charset="0"/>
-              </a:rPr>
-              <a:t>Abstract back and frond</a:t>
-            </a:r>
-            <a:endParaRPr lang="ru-RU" sz="4000" dirty="0">
-              <a:latin typeface="Courier New" charset="0"/>
-              <a:ea typeface="Courier New" charset="0"/>
-              <a:cs typeface="Courier New" charset="0"/>
-            </a:endParaRPr>
-          </a:p>
-        </p:txBody>
-      </p:sp>
-    </p:spTree>
-    <p:extLst>
-      <p:ext uri="{BB962C8B-B14F-4D97-AF65-F5344CB8AC3E}">
-        <p14:creationId xmlns:p14="http://schemas.microsoft.com/office/powerpoint/2010/main" val="1239269725"/>
-      </p:ext>
-    </p:extLst>
-  </p:cSld>
-  <p:clrMapOvr>
-    <a:masterClrMapping/>
-  </p:clrMapOvr>
-  <p:timing>
-    <p:tnLst>
-      <p:par>
-        <p:cTn id="1" dur="indefinite" restart="never" nodeType="tmRoot">
-          <p:childTnLst>
-            <p:seq concurrent="1" nextAc="seek">
-              <p:cTn id="2" dur="indefinite" nodeType="mainSeq">
-                <p:childTnLst>
-                  <p:par>
-                    <p:cTn id="3" fill="hold">
-                      <p:stCondLst>
-                        <p:cond delay="indefinite"/>
-                      </p:stCondLst>
-                      <p:childTnLst>
-                        <p:par>
-                          <p:cTn id="4" fill="hold">
-                            <p:stCondLst>
-                              <p:cond delay="0"/>
-                            </p:stCondLst>
-                            <p:childTnLst>
-                              <p:par>
-                                <p:cTn id="5" presetID="1" presetClass="entr" presetSubtype="0" fill="hold" nodeType="clickEffect">
-                                  <p:stCondLst>
-                                    <p:cond delay="0"/>
-                                  </p:stCondLst>
-                                  <p:childTnLst>
-                                    <p:set>
-                                      <p:cBhvr>
-                                        <p:cTn id="6" dur="1" fill="hold">
-                                          <p:stCondLst>
-                                            <p:cond delay="0"/>
-                                          </p:stCondLst>
-                                        </p:cTn>
-                                        <p:tgtEl>
-                                          <p:spTgt spid="3">
-                                            <p:txEl>
-                                              <p:pRg st="0" end="0"/>
-                                            </p:txEl>
-                                          </p:spTgt>
-                                        </p:tgtEl>
-                                        <p:attrNameLst>
-                                          <p:attrName>style.visibility</p:attrName>
-                                        </p:attrNameLst>
-                                      </p:cBhvr>
-                                      <p:to>
-                                        <p:strVal val="visible"/>
-                                      </p:to>
-                                    </p:set>
-                                  </p:childTnLst>
-                                </p:cTn>
-                              </p:par>
-                            </p:childTnLst>
-                          </p:cTn>
-                        </p:par>
-                      </p:childTnLst>
-                    </p:cTn>
-                  </p:par>
-                  <p:par>
-                    <p:cTn id="7" fill="hold">
-                      <p:stCondLst>
-                        <p:cond delay="indefinite"/>
-                      </p:stCondLst>
-                      <p:childTnLst>
-                        <p:par>
-                          <p:cTn id="8" fill="hold">
-                            <p:stCondLst>
-                              <p:cond delay="0"/>
-                            </p:stCondLst>
-                            <p:childTnLst>
-                              <p:par>
-                                <p:cTn id="9" presetID="1" presetClass="entr" presetSubtype="0" fill="hold" nodeType="clickEffect">
-                                  <p:stCondLst>
-                                    <p:cond delay="0"/>
-                                  </p:stCondLst>
-                                  <p:childTnLst>
-                                    <p:set>
-                                      <p:cBhvr>
-                                        <p:cTn id="10" dur="1" fill="hold">
-                                          <p:stCondLst>
-                                            <p:cond delay="0"/>
-                                          </p:stCondLst>
-                                        </p:cTn>
-                                        <p:tgtEl>
-                                          <p:spTgt spid="3">
-                                            <p:txEl>
-                                              <p:pRg st="1" end="1"/>
-                                            </p:txEl>
-                                          </p:spTgt>
-                                        </p:tgtEl>
-                                        <p:attrNameLst>
-                                          <p:attrName>style.visibility</p:attrName>
-                                        </p:attrNameLst>
-                                      </p:cBhvr>
-                                      <p:to>
-                                        <p:strVal val="visible"/>
-                                      </p:to>
-                                    </p:set>
-                                  </p:childTnLst>
-                                </p:cTn>
-                              </p:par>
-                            </p:childTnLst>
-                          </p:cTn>
-                        </p:par>
-                      </p:childTnLst>
-                    </p:cTn>
-                  </p:par>
-                  <p:par>
-                    <p:cTn id="11" fill="hold">
-                      <p:stCondLst>
-                        <p:cond delay="indefinite"/>
-                      </p:stCondLst>
-                      <p:childTnLst>
-                        <p:par>
-                          <p:cTn id="12" fill="hold">
-                            <p:stCondLst>
-                              <p:cond delay="0"/>
-                            </p:stCondLst>
-                            <p:childTnLst>
-                              <p:par>
-                                <p:cTn id="13" presetID="1" presetClass="entr" presetSubtype="0" fill="hold" nodeType="clickEffect">
-                                  <p:stCondLst>
-                                    <p:cond delay="0"/>
-                                  </p:stCondLst>
-                                  <p:childTnLst>
-                                    <p:set>
-                                      <p:cBhvr>
-                                        <p:cTn id="14" dur="1" fill="hold">
-                                          <p:stCondLst>
-                                            <p:cond delay="0"/>
-                                          </p:stCondLst>
-                                        </p:cTn>
-                                        <p:tgtEl>
-                                          <p:spTgt spid="3">
-                                            <p:txEl>
-                                              <p:pRg st="2" end="2"/>
-                                            </p:txEl>
-                                          </p:spTgt>
-                                        </p:tgtEl>
-                                        <p:attrNameLst>
-                                          <p:attrName>style.visibility</p:attrName>
-                                        </p:attrNameLst>
-                                      </p:cBhvr>
-                                      <p:to>
-                                        <p:strVal val="visible"/>
-                                      </p:to>
-                                    </p:set>
-                                  </p:childTnLst>
-                                </p:cTn>
-                              </p:par>
-                            </p:childTnLst>
-                          </p:cTn>
-                        </p:par>
-                      </p:childTnLst>
-                    </p:cTn>
-                  </p:par>
-                  <p:par>
-                    <p:cTn id="15" fill="hold">
-                      <p:stCondLst>
-                        <p:cond delay="indefinite"/>
-                      </p:stCondLst>
-                      <p:childTnLst>
-                        <p:par>
-                          <p:cTn id="16" fill="hold">
-                            <p:stCondLst>
-                              <p:cond delay="0"/>
-                            </p:stCondLst>
-                            <p:childTnLst>
-                              <p:par>
-                                <p:cTn id="17" presetID="1" presetClass="entr" presetSubtype="0" fill="hold" nodeType="clickEffect">
-                                  <p:stCondLst>
-                                    <p:cond delay="0"/>
-                                  </p:stCondLst>
-                                  <p:childTnLst>
-                                    <p:set>
-                                      <p:cBhvr>
-                                        <p:cTn id="18" dur="1" fill="hold">
-                                          <p:stCondLst>
-                                            <p:cond delay="0"/>
-                                          </p:stCondLst>
-                                        </p:cTn>
-                                        <p:tgtEl>
-                                          <p:spTgt spid="3">
-                                            <p:txEl>
-                                              <p:pRg st="3" end="3"/>
-                                            </p:txEl>
-                                          </p:spTgt>
-                                        </p:tgtEl>
-                                        <p:attrNameLst>
-                                          <p:attrName>style.visibility</p:attrName>
-                                        </p:attrNameLst>
-                                      </p:cBhvr>
-                                      <p:to>
-                                        <p:strVal val="visible"/>
-                                      </p:to>
-                                    </p:set>
-                                  </p:childTnLst>
-                                </p:cTn>
-                              </p:par>
-                            </p:childTnLst>
-                          </p:cTn>
-                        </p:par>
-                      </p:childTnLst>
-                    </p:cTn>
-                  </p:par>
-                  <p:par>
-                    <p:cTn id="19" fill="hold">
-                      <p:stCondLst>
-                        <p:cond delay="indefinite"/>
-                      </p:stCondLst>
-                      <p:childTnLst>
-                        <p:par>
-                          <p:cTn id="20" fill="hold">
-                            <p:stCondLst>
-                              <p:cond delay="0"/>
-                            </p:stCondLst>
-                            <p:childTnLst>
-                              <p:par>
-                                <p:cTn id="21" presetID="1" presetClass="entr" presetSubtype="0" fill="hold" nodeType="clickEffect">
-                                  <p:stCondLst>
-                                    <p:cond delay="0"/>
-                                  </p:stCondLst>
-                                  <p:childTnLst>
-                                    <p:set>
-                                      <p:cBhvr>
-                                        <p:cTn id="22" dur="1" fill="hold">
-                                          <p:stCondLst>
-                                            <p:cond delay="0"/>
-                                          </p:stCondLst>
-                                        </p:cTn>
-                                        <p:tgtEl>
-                                          <p:spTgt spid="3">
-                                            <p:txEl>
-                                              <p:pRg st="4" end="4"/>
-                                            </p:txEl>
-                                          </p:spTgt>
-                                        </p:tgtEl>
-                                        <p:attrNameLst>
-                                          <p:attrName>style.visibility</p:attrName>
-                                        </p:attrNameLst>
-                                      </p:cBhvr>
-                                      <p:to>
-                                        <p:strVal val="visible"/>
-                                      </p:to>
-                                    </p:set>
-                                  </p:childTnLst>
-                                </p:cTn>
-                              </p:par>
-                            </p:childTnLst>
-                          </p:cTn>
-                        </p:par>
-                      </p:childTnLst>
-                    </p:cTn>
-                  </p:par>
-                  <p:par>
-                    <p:cTn id="23" fill="hold">
-                      <p:stCondLst>
-                        <p:cond delay="indefinite"/>
-                      </p:stCondLst>
-                      <p:childTnLst>
-                        <p:par>
-                          <p:cTn id="24" fill="hold">
-                            <p:stCondLst>
-                              <p:cond delay="0"/>
-                            </p:stCondLst>
-                            <p:childTnLst>
-                              <p:par>
-                                <p:cTn id="25" presetID="1" presetClass="entr" presetSubtype="0" fill="hold" nodeType="clickEffect">
-                                  <p:stCondLst>
-                                    <p:cond delay="0"/>
-                                  </p:stCondLst>
-                                  <p:childTnLst>
-                                    <p:set>
-                                      <p:cBhvr>
-                                        <p:cTn id="26" dur="1" fill="hold">
-                                          <p:stCondLst>
-                                            <p:cond delay="0"/>
-                                          </p:stCondLst>
-                                        </p:cTn>
-                                        <p:tgtEl>
-                                          <p:spTgt spid="3">
-                                            <p:txEl>
-                                              <p:pRg st="5" end="5"/>
-                                            </p:txEl>
-                                          </p:spTgt>
-                                        </p:tgtEl>
-                                        <p:attrNameLst>
-                                          <p:attrName>style.visibility</p:attrName>
-                                        </p:attrNameLst>
-                                      </p:cBhvr>
-                                      <p:to>
-                                        <p:strVal val="visible"/>
-                                      </p:to>
-                                    </p:set>
-                                  </p:childTnLst>
-                                </p:cTn>
-                              </p:par>
-                            </p:childTnLst>
-                          </p:cTn>
-                        </p:par>
-                      </p:childTnLst>
-                    </p:cTn>
-                  </p:par>
-                </p:childTnLst>
-              </p:cTn>
-              <p:prevCondLst>
-                <p:cond evt="onPrev" delay="0">
-                  <p:tgtEl>
-                    <p:sldTgt/>
-                  </p:tgtEl>
-                </p:cond>
-              </p:prevCondLst>
-              <p:nextCondLst>
-                <p:cond evt="onNext" delay="0">
-                  <p:tgtEl>
-                    <p:sldTgt/>
-                  </p:tgtEl>
-                </p:cond>
-              </p:nextCondLst>
-            </p:seq>
-          </p:childTnLst>
-        </p:cTn>
-      </p:par>
-    </p:tnLst>
-  </p:timing>
-</p:sld>
-</file>
-
-<file path=ppt/slides/slide4.xml><?xml version="1.0" encoding="utf-8"?>
-<p:sld xmlns:a="http://schemas.openxmlformats.org/drawingml/2006/main" xmlns:r="http://schemas.openxmlformats.org/officeDocument/2006/relationships" xmlns:p="http://schemas.openxmlformats.org/presentationml/2006/main">
-  <p:cSld>
-    <p:spTree>
-      <p:nvGrpSpPr>
-        <p:cNvPr id="1" name=""/>
-        <p:cNvGrpSpPr/>
-        <p:nvPr/>
-      </p:nvGrpSpPr>
-      <p:grpSpPr>
-        <a:xfrm>
-          <a:off x="0" y="0"/>
-          <a:ext cx="0" cy="0"/>
-          <a:chOff x="0" y="0"/>
-          <a:chExt cx="0" cy="0"/>
-        </a:xfrm>
-      </p:grpSpPr>
-      <p:sp>
-        <p:nvSpPr>
-          <p:cNvPr id="2" name="Заголовок 1"/>
-          <p:cNvSpPr>
-            <a:spLocks noGrp="1"/>
-          </p:cNvSpPr>
-          <p:nvPr>
-            <p:ph type="title"/>
-          </p:nvPr>
-        </p:nvSpPr>
         <p:spPr>
           <a:xfrm>
             <a:off x="592016" y="-42038"/>
@@ -5931,6 +4761,29 @@
           </a:prstGeom>
         </p:spPr>
       </p:pic>
+      <p:sp>
+        <p:nvSpPr>
+          <p:cNvPr id="5" name="Номер слайда 4"/>
+          <p:cNvSpPr>
+            <a:spLocks noGrp="1"/>
+          </p:cNvSpPr>
+          <p:nvPr>
+            <p:ph type="sldNum" sz="quarter" idx="12"/>
+          </p:nvPr>
+        </p:nvSpPr>
+        <p:spPr/>
+        <p:txBody>
+          <a:bodyPr/>
+          <a:lstStyle/>
+          <a:p>
+            <a:fld id="{F6A0668E-3129-374D-8632-A2837AE39A8E}" type="slidenum">
+              <a:rPr lang="ru-RU" smtClean="0"/>
+              <a:t>3</a:t>
+            </a:fld>
+            <a:endParaRPr lang="ru-RU"/>
+          </a:p>
+        </p:txBody>
+      </p:sp>
     </p:spTree>
     <p:extLst>
       <p:ext uri="{BB962C8B-B14F-4D97-AF65-F5344CB8AC3E}">
@@ -5951,6 +4804,173 @@
 </p:sld>
 </file>
 
+<file path=ppt/slides/slide4.xml><?xml version="1.0" encoding="utf-8"?>
+<p:sld xmlns:a="http://schemas.openxmlformats.org/drawingml/2006/main" xmlns:r="http://schemas.openxmlformats.org/officeDocument/2006/relationships" xmlns:p="http://schemas.openxmlformats.org/presentationml/2006/main">
+  <p:cSld>
+    <p:spTree>
+      <p:nvGrpSpPr>
+        <p:cNvPr id="1" name=""/>
+        <p:cNvGrpSpPr/>
+        <p:nvPr/>
+      </p:nvGrpSpPr>
+      <p:grpSpPr>
+        <a:xfrm>
+          <a:off x="0" y="0"/>
+          <a:ext cx="0" cy="0"/>
+          <a:chOff x="0" y="0"/>
+          <a:chExt cx="0" cy="0"/>
+        </a:xfrm>
+      </p:grpSpPr>
+      <p:sp>
+        <p:nvSpPr>
+          <p:cNvPr id="2" name="Заголовок 1"/>
+          <p:cNvSpPr>
+            <a:spLocks noGrp="1"/>
+          </p:cNvSpPr>
+          <p:nvPr>
+            <p:ph type="title"/>
+          </p:nvPr>
+        </p:nvSpPr>
+        <p:spPr/>
+        <p:txBody>
+          <a:bodyPr/>
+          <a:lstStyle/>
+          <a:p>
+            <a:pPr algn="ctr"/>
+            <a:r>
+              <a:rPr lang="en-US" dirty="0">
+                <a:solidFill>
+                  <a:srgbClr val="FFFF00"/>
+                </a:solidFill>
+                <a:latin typeface="Courier New" charset="0"/>
+                <a:ea typeface="Courier New" charset="0"/>
+                <a:cs typeface="Courier New" charset="0"/>
+              </a:rPr>
+              <a:t>// </a:t>
+            </a:r>
+            <a:r>
+              <a:rPr lang="en-US" dirty="0" smtClean="0">
+                <a:solidFill>
+                  <a:srgbClr val="FFFF00"/>
+                </a:solidFill>
+                <a:latin typeface="Courier New" charset="0"/>
+                <a:ea typeface="Courier New" charset="0"/>
+                <a:cs typeface="Courier New" charset="0"/>
+              </a:rPr>
+              <a:t>Features</a:t>
+            </a:r>
+            <a:endParaRPr lang="ru-RU" dirty="0"/>
+          </a:p>
+        </p:txBody>
+      </p:sp>
+      <p:sp>
+        <p:nvSpPr>
+          <p:cNvPr id="3" name="Объект 2"/>
+          <p:cNvSpPr>
+            <a:spLocks noGrp="1"/>
+          </p:cNvSpPr>
+          <p:nvPr>
+            <p:ph idx="1"/>
+          </p:nvPr>
+        </p:nvSpPr>
+        <p:spPr/>
+        <p:txBody>
+          <a:bodyPr/>
+          <a:lstStyle/>
+          <a:p>
+            <a:r>
+              <a:rPr lang="en-US" sz="4000" dirty="0" smtClean="0">
+                <a:latin typeface="Courier New" charset="0"/>
+                <a:ea typeface="Courier New" charset="0"/>
+                <a:cs typeface="Courier New" charset="0"/>
+              </a:rPr>
+              <a:t>Price calculation </a:t>
+            </a:r>
+          </a:p>
+          <a:p>
+            <a:r>
+              <a:rPr lang="en-US" sz="4000" dirty="0" smtClean="0">
+                <a:latin typeface="Courier New" charset="0"/>
+                <a:ea typeface="Courier New" charset="0"/>
+                <a:cs typeface="Courier New" charset="0"/>
+              </a:rPr>
+              <a:t>Technical Support Implementation </a:t>
+            </a:r>
+          </a:p>
+          <a:p>
+            <a:r>
+              <a:rPr lang="en-US" sz="4000" dirty="0" smtClean="0">
+                <a:latin typeface="Courier New" charset="0"/>
+                <a:ea typeface="Courier New" charset="0"/>
+                <a:cs typeface="Courier New" charset="0"/>
+              </a:rPr>
+              <a:t>Statistics </a:t>
+            </a:r>
+          </a:p>
+          <a:p>
+            <a:r>
+              <a:rPr lang="en-US" sz="4000" dirty="0" smtClean="0">
+                <a:latin typeface="Courier New" charset="0"/>
+                <a:ea typeface="Courier New" charset="0"/>
+                <a:cs typeface="Courier New" charset="0"/>
+              </a:rPr>
+              <a:t>Exception handler </a:t>
+            </a:r>
+          </a:p>
+          <a:p>
+            <a:r>
+              <a:rPr lang="en-US" sz="4000" dirty="0" smtClean="0">
+                <a:latin typeface="Courier New" charset="0"/>
+                <a:ea typeface="Courier New" charset="0"/>
+                <a:cs typeface="Courier New" charset="0"/>
+              </a:rPr>
+              <a:t>Testing </a:t>
+            </a:r>
+          </a:p>
+          <a:p>
+            <a:endParaRPr lang="en-US" dirty="0" smtClean="0"/>
+          </a:p>
+          <a:p>
+            <a:endParaRPr lang="en-US" dirty="0" smtClean="0"/>
+          </a:p>
+        </p:txBody>
+      </p:sp>
+      <p:sp>
+        <p:nvSpPr>
+          <p:cNvPr id="4" name="Номер слайда 3"/>
+          <p:cNvSpPr>
+            <a:spLocks noGrp="1"/>
+          </p:cNvSpPr>
+          <p:nvPr>
+            <p:ph type="sldNum" sz="quarter" idx="12"/>
+          </p:nvPr>
+        </p:nvSpPr>
+        <p:spPr/>
+        <p:txBody>
+          <a:bodyPr/>
+          <a:lstStyle/>
+          <a:p>
+            <a:fld id="{F6A0668E-3129-374D-8632-A2837AE39A8E}" type="slidenum">
+              <a:rPr lang="ru-RU" smtClean="0"/>
+              <a:t>4</a:t>
+            </a:fld>
+            <a:endParaRPr lang="ru-RU"/>
+          </a:p>
+        </p:txBody>
+      </p:sp>
+    </p:spTree>
+    <p:extLst>
+      <p:ext uri="{BB962C8B-B14F-4D97-AF65-F5344CB8AC3E}">
+        <p14:creationId xmlns:p14="http://schemas.microsoft.com/office/powerpoint/2010/main" val="386237549"/>
+      </p:ext>
+    </p:extLst>
+  </p:cSld>
+  <p:clrMapOvr>
+    <a:masterClrMapping/>
+  </p:clrMapOvr>
+</p:sld>
+</file>
+
 <file path=ppt/slides/slide5.xml><?xml version="1.0" encoding="utf-8"?>
 <p:sld xmlns:a="http://schemas.openxmlformats.org/drawingml/2006/main" xmlns:r="http://schemas.openxmlformats.org/officeDocument/2006/relationships" xmlns:p="http://schemas.openxmlformats.org/presentationml/2006/main">
   <p:cSld>
@@ -5993,9 +5013,31 @@
                 <a:ea typeface="Courier New" charset="0"/>
                 <a:cs typeface="Courier New" charset="0"/>
               </a:rPr>
-              <a:t>//Features</a:t>
-            </a:r>
-            <a:endParaRPr lang="ru-RU" dirty="0">
+              <a:t>// Testing</a:t>
+            </a:r>
+            <a:r>
+              <a:rPr lang="ru-RU" dirty="0" smtClean="0">
+                <a:solidFill>
+                  <a:srgbClr val="FFFF00"/>
+                </a:solidFill>
+                <a:latin typeface="Courier New" charset="0"/>
+                <a:ea typeface="Courier New" charset="0"/>
+                <a:cs typeface="Courier New" charset="0"/>
+              </a:rPr>
+              <a:t> </a:t>
+            </a:r>
+            <a:r>
+              <a:rPr lang="ru-RU" b="1" dirty="0" smtClean="0">
+                <a:solidFill>
+                  <a:srgbClr val="FFFF00"/>
+                </a:solidFill>
+                <a:latin typeface="Courier New" charset="0"/>
+                <a:ea typeface="Courier New" charset="0"/>
+                <a:cs typeface="Courier New" charset="0"/>
+              </a:rPr>
+              <a:t>301 </a:t>
+            </a:r>
+            <a:endParaRPr lang="ru-RU" b="1" dirty="0">
               <a:solidFill>
                 <a:srgbClr val="FFFF00"/>
               </a:solidFill>
@@ -6016,66 +5058,100 @@
             <p:ph idx="1"/>
           </p:nvPr>
         </p:nvSpPr>
-        <p:spPr/>
-        <p:txBody>
-          <a:bodyPr/>
-          <a:lstStyle/>
-          <a:p>
-            <a:pPr algn="ctr"/>
-            <a:r>
-              <a:rPr lang="en-US" sz="4800" dirty="0" smtClean="0">
+        <p:spPr>
+          <a:xfrm>
+            <a:off x="838200" y="1825625"/>
+            <a:ext cx="10515600" cy="1717675"/>
+          </a:xfrm>
+        </p:spPr>
+        <p:txBody>
+          <a:bodyPr/>
+          <a:lstStyle/>
+          <a:p>
+            <a:r>
+              <a:rPr lang="en-US" dirty="0" smtClean="0">
                 <a:latin typeface="Courier New" charset="0"/>
                 <a:ea typeface="Courier New" charset="0"/>
                 <a:cs typeface="Courier New" charset="0"/>
               </a:rPr>
-              <a:t>Exception handler</a:t>
-            </a:r>
-          </a:p>
-          <a:p>
-            <a:pPr algn="ctr"/>
-            <a:r>
-              <a:rPr lang="en-US" sz="4800" dirty="0" smtClean="0">
+              <a:t>Unit tests — </a:t>
+            </a:r>
+            <a:r>
+              <a:rPr lang="ru-RU" dirty="0" smtClean="0">
                 <a:latin typeface="Courier New" charset="0"/>
                 <a:ea typeface="Courier New" charset="0"/>
                 <a:cs typeface="Courier New" charset="0"/>
               </a:rPr>
-              <a:t>Listener registration</a:t>
-            </a:r>
-          </a:p>
-          <a:p>
-            <a:pPr algn="ctr"/>
-            <a:r>
-              <a:rPr lang="en-US" sz="4800" dirty="0" smtClean="0">
+              <a:t>262</a:t>
+            </a:r>
+            <a:r>
+              <a:rPr lang="en-US" dirty="0" smtClean="0">
                 <a:latin typeface="Courier New" charset="0"/>
                 <a:ea typeface="Courier New" charset="0"/>
                 <a:cs typeface="Courier New" charset="0"/>
               </a:rPr>
-              <a:t>Load data only 2 ways</a:t>
-            </a:r>
-          </a:p>
-          <a:p>
-            <a:pPr algn="ctr"/>
-            <a:r>
-              <a:rPr lang="en-US" sz="4800" dirty="0">
-                <a:latin typeface="Courier New" charset="0"/>
-                <a:ea typeface="Courier New" charset="0"/>
-                <a:cs typeface="Courier New" charset="0"/>
-              </a:rPr>
-              <a:t>Auto-deleting schedule</a:t>
-            </a:r>
-          </a:p>
-          <a:p>
-            <a:endParaRPr lang="en-US" dirty="0" smtClean="0"/>
-          </a:p>
-          <a:p>
-            <a:endParaRPr lang="ru-RU" dirty="0"/>
+              <a:t> </a:t>
+            </a:r>
+          </a:p>
+        </p:txBody>
+      </p:sp>
+      <p:pic>
+        <p:nvPicPr>
+          <p:cNvPr id="4" name="Изображение 3"/>
+          <p:cNvPicPr>
+            <a:picLocks noChangeAspect="1"/>
+          </p:cNvPicPr>
+          <p:nvPr/>
+        </p:nvPicPr>
+        <p:blipFill>
+          <a:blip r:embed="rId3">
+            <a:extLst>
+              <a:ext uri="{28A0092B-C50C-407E-A947-70E740481C1C}">
+                <a14:useLocalDpi xmlns:a14="http://schemas.microsoft.com/office/drawing/2010/main" val="0"/>
+              </a:ext>
+            </a:extLst>
+          </a:blip>
+          <a:stretch>
+            <a:fillRect/>
+          </a:stretch>
+        </p:blipFill>
+        <p:spPr>
+          <a:xfrm>
+            <a:off x="362507" y="2684462"/>
+            <a:ext cx="11466985" cy="2985681"/>
+          </a:xfrm>
+          <a:prstGeom prst="rect">
+            <a:avLst/>
+          </a:prstGeom>
+        </p:spPr>
+      </p:pic>
+      <p:sp>
+        <p:nvSpPr>
+          <p:cNvPr id="5" name="Номер слайда 4"/>
+          <p:cNvSpPr>
+            <a:spLocks noGrp="1"/>
+          </p:cNvSpPr>
+          <p:nvPr>
+            <p:ph type="sldNum" sz="quarter" idx="12"/>
+          </p:nvPr>
+        </p:nvSpPr>
+        <p:spPr/>
+        <p:txBody>
+          <a:bodyPr/>
+          <a:lstStyle/>
+          <a:p>
+            <a:fld id="{F6A0668E-3129-374D-8632-A2837AE39A8E}" type="slidenum">
+              <a:rPr lang="ru-RU" smtClean="0"/>
+              <a:t>5</a:t>
+            </a:fld>
+            <a:endParaRPr lang="ru-RU"/>
           </a:p>
         </p:txBody>
       </p:sp>
     </p:spTree>
     <p:extLst>
       <p:ext uri="{BB962C8B-B14F-4D97-AF65-F5344CB8AC3E}">
-        <p14:creationId xmlns:p14="http://schemas.microsoft.com/office/powerpoint/2010/main" val="78488965"/>
+        <p14:creationId xmlns:p14="http://schemas.microsoft.com/office/powerpoint/2010/main" val="620045295"/>
       </p:ext>
     </p:extLst>
   </p:cSld>
@@ -6085,226 +5161,7 @@
   <p:timing>
     <p:tnLst>
       <p:par>
-        <p:cTn id="1" dur="indefinite" restart="never" nodeType="tmRoot">
-          <p:childTnLst>
-            <p:seq concurrent="1" nextAc="seek">
-              <p:cTn id="2" dur="indefinite" nodeType="mainSeq">
-                <p:childTnLst>
-                  <p:par>
-                    <p:cTn id="3" fill="hold">
-                      <p:stCondLst>
-                        <p:cond delay="indefinite"/>
-                      </p:stCondLst>
-                      <p:childTnLst>
-                        <p:par>
-                          <p:cTn id="4" fill="hold">
-                            <p:stCondLst>
-                              <p:cond delay="0"/>
-                            </p:stCondLst>
-                            <p:childTnLst>
-                              <p:par>
-                                <p:cTn id="5" presetID="1" presetClass="entr" presetSubtype="0" fill="hold" nodeType="clickEffect">
-                                  <p:stCondLst>
-                                    <p:cond delay="0"/>
-                                  </p:stCondLst>
-                                  <p:childTnLst>
-                                    <p:set>
-                                      <p:cBhvr>
-                                        <p:cTn id="6" dur="1" fill="hold">
-                                          <p:stCondLst>
-                                            <p:cond delay="0"/>
-                                          </p:stCondLst>
-                                        </p:cTn>
-                                        <p:tgtEl>
-                                          <p:spTgt spid="3">
-                                            <p:txEl>
-                                              <p:pRg st="0" end="0"/>
-                                            </p:txEl>
-                                          </p:spTgt>
-                                        </p:tgtEl>
-                                        <p:attrNameLst>
-                                          <p:attrName>style.visibility</p:attrName>
-                                        </p:attrNameLst>
-                                      </p:cBhvr>
-                                      <p:to>
-                                        <p:strVal val="visible"/>
-                                      </p:to>
-                                    </p:set>
-                                  </p:childTnLst>
-                                </p:cTn>
-                              </p:par>
-                            </p:childTnLst>
-                          </p:cTn>
-                        </p:par>
-                      </p:childTnLst>
-                    </p:cTn>
-                  </p:par>
-                  <p:par>
-                    <p:cTn id="7" fill="hold">
-                      <p:stCondLst>
-                        <p:cond delay="indefinite"/>
-                      </p:stCondLst>
-                      <p:childTnLst>
-                        <p:par>
-                          <p:cTn id="8" fill="hold">
-                            <p:stCondLst>
-                              <p:cond delay="0"/>
-                            </p:stCondLst>
-                            <p:childTnLst>
-                              <p:par>
-                                <p:cTn id="9" presetID="1" presetClass="entr" presetSubtype="0" fill="hold" nodeType="clickEffect">
-                                  <p:stCondLst>
-                                    <p:cond delay="0"/>
-                                  </p:stCondLst>
-                                  <p:childTnLst>
-                                    <p:set>
-                                      <p:cBhvr>
-                                        <p:cTn id="10" dur="1" fill="hold">
-                                          <p:stCondLst>
-                                            <p:cond delay="0"/>
-                                          </p:stCondLst>
-                                        </p:cTn>
-                                        <p:tgtEl>
-                                          <p:spTgt spid="3">
-                                            <p:txEl>
-                                              <p:pRg st="1" end="1"/>
-                                            </p:txEl>
-                                          </p:spTgt>
-                                        </p:tgtEl>
-                                        <p:attrNameLst>
-                                          <p:attrName>style.visibility</p:attrName>
-                                        </p:attrNameLst>
-                                      </p:cBhvr>
-                                      <p:to>
-                                        <p:strVal val="visible"/>
-                                      </p:to>
-                                    </p:set>
-                                  </p:childTnLst>
-                                </p:cTn>
-                              </p:par>
-                            </p:childTnLst>
-                          </p:cTn>
-                        </p:par>
-                      </p:childTnLst>
-                    </p:cTn>
-                  </p:par>
-                  <p:par>
-                    <p:cTn id="11" fill="hold">
-                      <p:stCondLst>
-                        <p:cond delay="indefinite"/>
-                      </p:stCondLst>
-                      <p:childTnLst>
-                        <p:par>
-                          <p:cTn id="12" fill="hold">
-                            <p:stCondLst>
-                              <p:cond delay="0"/>
-                            </p:stCondLst>
-                            <p:childTnLst>
-                              <p:par>
-                                <p:cTn id="13" presetID="1" presetClass="entr" presetSubtype="0" fill="hold" nodeType="clickEffect">
-                                  <p:stCondLst>
-                                    <p:cond delay="0"/>
-                                  </p:stCondLst>
-                                  <p:childTnLst>
-                                    <p:set>
-                                      <p:cBhvr>
-                                        <p:cTn id="14" dur="1" fill="hold">
-                                          <p:stCondLst>
-                                            <p:cond delay="0"/>
-                                          </p:stCondLst>
-                                        </p:cTn>
-                                        <p:tgtEl>
-                                          <p:spTgt spid="3">
-                                            <p:txEl>
-                                              <p:pRg st="2" end="2"/>
-                                            </p:txEl>
-                                          </p:spTgt>
-                                        </p:tgtEl>
-                                        <p:attrNameLst>
-                                          <p:attrName>style.visibility</p:attrName>
-                                        </p:attrNameLst>
-                                      </p:cBhvr>
-                                      <p:to>
-                                        <p:strVal val="visible"/>
-                                      </p:to>
-                                    </p:set>
-                                  </p:childTnLst>
-                                </p:cTn>
-                              </p:par>
-                            </p:childTnLst>
-                          </p:cTn>
-                        </p:par>
-                      </p:childTnLst>
-                    </p:cTn>
-                  </p:par>
-                  <p:par>
-                    <p:cTn id="15" fill="hold">
-                      <p:stCondLst>
-                        <p:cond delay="indefinite"/>
-                      </p:stCondLst>
-                      <p:childTnLst>
-                        <p:par>
-                          <p:cTn id="16" fill="hold">
-                            <p:stCondLst>
-                              <p:cond delay="0"/>
-                            </p:stCondLst>
-                            <p:childTnLst>
-                              <p:par>
-                                <p:cTn id="17" presetID="1" presetClass="entr" presetSubtype="0" fill="hold" nodeType="clickEffect">
-                                  <p:stCondLst>
-                                    <p:cond delay="0"/>
-                                  </p:stCondLst>
-                                  <p:childTnLst>
-                                    <p:set>
-                                      <p:cBhvr>
-                                        <p:cTn id="18" dur="1" fill="hold">
-                                          <p:stCondLst>
-                                            <p:cond delay="0"/>
-                                          </p:stCondLst>
-                                        </p:cTn>
-                                        <p:tgtEl>
-                                          <p:spTgt spid="3">
-                                            <p:txEl>
-                                              <p:pRg st="3" end="3"/>
-                                            </p:txEl>
-                                          </p:spTgt>
-                                        </p:tgtEl>
-                                        <p:attrNameLst>
-                                          <p:attrName>style.visibility</p:attrName>
-                                        </p:attrNameLst>
-                                      </p:cBhvr>
-                                      <p:to>
-                                        <p:strVal val="visible"/>
-                                      </p:to>
-                                    </p:set>
-                                  </p:childTnLst>
-                                </p:cTn>
-                              </p:par>
-                            </p:childTnLst>
-                          </p:cTn>
-                        </p:par>
-                      </p:childTnLst>
-                    </p:cTn>
-                  </p:par>
-                </p:childTnLst>
-              </p:cTn>
-              <p:prevCondLst>
-                <p:cond evt="onPrev" delay="0">
-                  <p:tgtEl>
-                    <p:sldTgt/>
-                  </p:tgtEl>
-                </p:cond>
-              </p:prevCondLst>
-              <p:nextCondLst>
-                <p:cond evt="onNext" delay="0">
-                  <p:tgtEl>
-                    <p:sldTgt/>
-                  </p:tgtEl>
-                </p:cond>
-              </p:nextCondLst>
-            </p:seq>
-          </p:childTnLst>
-        </p:cTn>
+        <p:cTn id="1" dur="indefinite" restart="never" nodeType="tmRoot"/>
       </p:par>
     </p:tnLst>
   </p:timing>
@@ -6338,12 +5195,7 @@
             <p:ph type="title"/>
           </p:nvPr>
         </p:nvSpPr>
-        <p:spPr>
-          <a:xfrm>
-            <a:off x="774404" y="0"/>
-            <a:ext cx="10515600" cy="1325563"/>
-          </a:xfrm>
-        </p:spPr>
+        <p:spPr/>
         <p:txBody>
           <a:bodyPr/>
           <a:lstStyle/>
@@ -6358,9 +5210,31 @@
                 <a:ea typeface="Courier New" charset="0"/>
                 <a:cs typeface="Courier New" charset="0"/>
               </a:rPr>
-              <a:t>//DONE</a:t>
-            </a:r>
-            <a:endParaRPr lang="ru-RU" dirty="0">
+              <a:t>// Testing</a:t>
+            </a:r>
+            <a:r>
+              <a:rPr lang="ru-RU" dirty="0" smtClean="0">
+                <a:solidFill>
+                  <a:srgbClr val="FFFF00"/>
+                </a:solidFill>
+                <a:latin typeface="Courier New" charset="0"/>
+                <a:ea typeface="Courier New" charset="0"/>
+                <a:cs typeface="Courier New" charset="0"/>
+              </a:rPr>
+              <a:t> </a:t>
+            </a:r>
+            <a:r>
+              <a:rPr lang="ru-RU" b="1" dirty="0" smtClean="0">
+                <a:solidFill>
+                  <a:srgbClr val="FFFF00"/>
+                </a:solidFill>
+                <a:latin typeface="Courier New" charset="0"/>
+                <a:ea typeface="Courier New" charset="0"/>
+                <a:cs typeface="Courier New" charset="0"/>
+              </a:rPr>
+              <a:t>301 </a:t>
+            </a:r>
+            <a:endParaRPr lang="ru-RU" b="1" dirty="0">
               <a:solidFill>
                 <a:srgbClr val="FFFF00"/>
               </a:solidFill>
@@ -6383,52 +5257,52 @@
         </p:nvSpPr>
         <p:spPr>
           <a:xfrm>
-            <a:off x="1347336" y="974738"/>
-            <a:ext cx="10515600" cy="4803775"/>
+            <a:off x="838200" y="1825625"/>
+            <a:ext cx="10515600" cy="1717675"/>
           </a:xfrm>
         </p:spPr>
         <p:txBody>
-          <a:bodyPr>
-            <a:noAutofit/>
-          </a:bodyPr>
-          <a:lstStyle/>
-          <a:p>
-            <a:r>
-              <a:rPr lang="en-US" sz="4000" dirty="0" smtClean="0">
+          <a:bodyPr/>
+          <a:lstStyle/>
+          <a:p>
+            <a:r>
+              <a:rPr lang="en-US" dirty="0" smtClean="0">
                 <a:latin typeface="Courier New" charset="0"/>
                 <a:ea typeface="Courier New" charset="0"/>
                 <a:cs typeface="Courier New" charset="0"/>
               </a:rPr>
-              <a:t>Station Schedule Application</a:t>
-            </a:r>
-          </a:p>
-          <a:p>
-            <a:pPr marL="0" indent="0">
-              <a:buNone/>
-            </a:pPr>
-            <a:r>
-              <a:rPr lang="en-US" sz="4000" dirty="0">
+              <a:t>Selenium automatic tests — </a:t>
+            </a:r>
+            <a:r>
+              <a:rPr lang="ru-RU" dirty="0" smtClean="0">
                 <a:latin typeface="Courier New" charset="0"/>
                 <a:ea typeface="Courier New" charset="0"/>
                 <a:cs typeface="Courier New" charset="0"/>
               </a:rPr>
-              <a:t>	</a:t>
-            </a:r>
-            <a:r>
-              <a:rPr lang="en-US" sz="4000" i="1" dirty="0" smtClean="0">
+              <a:t>39</a:t>
+            </a:r>
+            <a:r>
+              <a:rPr lang="en-US" dirty="0" smtClean="0">
                 <a:latin typeface="Courier New" charset="0"/>
                 <a:ea typeface="Courier New" charset="0"/>
                 <a:cs typeface="Courier New" charset="0"/>
               </a:rPr>
-              <a:t>Angular JS</a:t>
-            </a:r>
+              <a:t> </a:t>
+            </a:r>
+            <a:endParaRPr lang="ru-RU" dirty="0">
+              <a:latin typeface="Courier New" charset="0"/>
+              <a:ea typeface="Courier New" charset="0"/>
+              <a:cs typeface="Courier New" charset="0"/>
+            </a:endParaRPr>
           </a:p>
         </p:txBody>
       </p:sp>
       <p:pic>
         <p:nvPicPr>
           <p:cNvPr id="4" name="Изображение 3"/>
-          <p:cNvPicPr/>
+          <p:cNvPicPr>
+            <a:picLocks noChangeAspect="1"/>
+          </p:cNvPicPr>
           <p:nvPr/>
         </p:nvPicPr>
         <p:blipFill>
@@ -6445,18 +5319,41 @@
         </p:blipFill>
         <p:spPr>
           <a:xfrm>
-            <a:off x="1670193" y="2300301"/>
-            <a:ext cx="8724021" cy="4679852"/>
+            <a:off x="659219" y="3112576"/>
+            <a:ext cx="10994065" cy="1980346"/>
           </a:xfrm>
           <a:prstGeom prst="rect">
             <a:avLst/>
           </a:prstGeom>
         </p:spPr>
       </p:pic>
+      <p:sp>
+        <p:nvSpPr>
+          <p:cNvPr id="5" name="Номер слайда 4"/>
+          <p:cNvSpPr>
+            <a:spLocks noGrp="1"/>
+          </p:cNvSpPr>
+          <p:nvPr>
+            <p:ph type="sldNum" sz="quarter" idx="12"/>
+          </p:nvPr>
+        </p:nvSpPr>
+        <p:spPr/>
+        <p:txBody>
+          <a:bodyPr/>
+          <a:lstStyle/>
+          <a:p>
+            <a:fld id="{F6A0668E-3129-374D-8632-A2837AE39A8E}" type="slidenum">
+              <a:rPr lang="ru-RU" smtClean="0"/>
+              <a:t>6</a:t>
+            </a:fld>
+            <a:endParaRPr lang="ru-RU"/>
+          </a:p>
+        </p:txBody>
+      </p:sp>
     </p:spTree>
     <p:extLst>
       <p:ext uri="{BB962C8B-B14F-4D97-AF65-F5344CB8AC3E}">
-        <p14:creationId xmlns:p14="http://schemas.microsoft.com/office/powerpoint/2010/main" val="476913084"/>
+        <p14:creationId xmlns:p14="http://schemas.microsoft.com/office/powerpoint/2010/main" val="802955033"/>
       </p:ext>
     </p:extLst>
   </p:cSld>
@@ -6507,400 +5404,167 @@
           <a:p>
             <a:pPr algn="ctr"/>
             <a:r>
-              <a:rPr lang="en-US" dirty="0" smtClean="0">
-                <a:solidFill>
-                  <a:srgbClr val="FFFF00"/>
-                </a:solidFill>
+              <a:rPr lang="en-US" dirty="0" smtClean="0"/>
+              <a:t>Q&amp;A</a:t>
+            </a:r>
+            <a:endParaRPr lang="ru-RU" dirty="0"/>
+          </a:p>
+        </p:txBody>
+      </p:sp>
+      <p:sp>
+        <p:nvSpPr>
+          <p:cNvPr id="3" name="Объект 2"/>
+          <p:cNvSpPr>
+            <a:spLocks noGrp="1"/>
+          </p:cNvSpPr>
+          <p:nvPr>
+            <p:ph idx="1"/>
+          </p:nvPr>
+        </p:nvSpPr>
+        <p:spPr>
+          <a:xfrm>
+            <a:off x="2757487" y="2311399"/>
+            <a:ext cx="6677025" cy="3103563"/>
+          </a:xfrm>
+        </p:spPr>
+        <p:txBody>
+          <a:bodyPr/>
+          <a:lstStyle/>
+          <a:p>
+            <a:pPr marL="0" marR="0" lvl="0" indent="0" algn="ctr" defTabSz="914400" eaLnBrk="1" fontAlgn="auto" latinLnBrk="0" hangingPunct="1">
+              <a:lnSpc>
+                <a:spcPct val="100000"/>
+              </a:lnSpc>
+              <a:spcBef>
+                <a:spcPts val="0"/>
+              </a:spcBef>
+              <a:spcAft>
+                <a:spcPts val="0"/>
+              </a:spcAft>
+              <a:buClrTx/>
+              <a:buSzTx/>
+              <a:buFontTx/>
+              <a:buNone/>
+              <a:tabLst/>
+              <a:defRPr/>
+            </a:pPr>
+            <a:r>
+              <a:rPr lang="en-US" sz="3200" dirty="0" err="1" smtClean="0">
                 <a:latin typeface="Courier New" charset="0"/>
                 <a:ea typeface="Courier New" charset="0"/>
                 <a:cs typeface="Courier New" charset="0"/>
               </a:rPr>
-              <a:t>// Testing</a:t>
-            </a:r>
-            <a:r>
-              <a:rPr lang="ru-RU" dirty="0" smtClean="0">
-                <a:solidFill>
-                  <a:srgbClr val="FFFF00"/>
-                </a:solidFill>
+              <a:t>Prendota</a:t>
+            </a:r>
+            <a:r>
+              <a:rPr lang="en-US" sz="3200" dirty="0" smtClean="0">
                 <a:latin typeface="Courier New" charset="0"/>
                 <a:ea typeface="Courier New" charset="0"/>
                 <a:cs typeface="Courier New" charset="0"/>
               </a:rPr>
-              <a:t> </a:t>
-            </a:r>
-            <a:r>
-              <a:rPr lang="ru-RU" b="1" dirty="0" smtClean="0">
-                <a:solidFill>
-                  <a:srgbClr val="FFFF00"/>
-                </a:solidFill>
+              <a:t>  Alexander</a:t>
+            </a:r>
+          </a:p>
+          <a:p>
+            <a:pPr marL="0" marR="0" lvl="0" indent="0" algn="ctr" defTabSz="914400" eaLnBrk="1" fontAlgn="auto" latinLnBrk="0" hangingPunct="1">
+              <a:lnSpc>
+                <a:spcPct val="100000"/>
+              </a:lnSpc>
+              <a:spcBef>
+                <a:spcPts val="0"/>
+              </a:spcBef>
+              <a:spcAft>
+                <a:spcPts val="0"/>
+              </a:spcAft>
+              <a:buClrTx/>
+              <a:buSzTx/>
+              <a:buFontTx/>
+              <a:buNone/>
+              <a:tabLst/>
+              <a:defRPr/>
+            </a:pPr>
+            <a:endParaRPr lang="en-US" sz="3200" dirty="0">
+              <a:latin typeface="Courier New" charset="0"/>
+              <a:ea typeface="Courier New" charset="0"/>
+              <a:cs typeface="Courier New" charset="0"/>
+            </a:endParaRPr>
+          </a:p>
+          <a:p>
+            <a:pPr marL="0" marR="0" lvl="0" indent="0" algn="ctr" defTabSz="914400" eaLnBrk="1" fontAlgn="auto" latinLnBrk="0" hangingPunct="1">
+              <a:lnSpc>
+                <a:spcPct val="100000"/>
+              </a:lnSpc>
+              <a:spcBef>
+                <a:spcPts val="0"/>
+              </a:spcBef>
+              <a:spcAft>
+                <a:spcPts val="0"/>
+              </a:spcAft>
+              <a:buClrTx/>
+              <a:buSzTx/>
+              <a:buFontTx/>
+              <a:buNone/>
+              <a:tabLst/>
+              <a:defRPr/>
+            </a:pPr>
+            <a:r>
+              <a:rPr lang="en-US" sz="3200" dirty="0">
                 <a:latin typeface="Courier New" charset="0"/>
                 <a:ea typeface="Courier New" charset="0"/>
                 <a:cs typeface="Courier New" charset="0"/>
               </a:rPr>
-              <a:t>301 </a:t>
-            </a:r>
-            <a:endParaRPr lang="ru-RU" b="1" dirty="0">
-              <a:solidFill>
-                <a:srgbClr val="FFFF00"/>
-              </a:solidFill>
-              <a:latin typeface="Courier New" charset="0"/>
-              <a:ea typeface="Courier New" charset="0"/>
-              <a:cs typeface="Courier New" charset="0"/>
-            </a:endParaRPr>
-          </a:p>
-        </p:txBody>
-      </p:sp>
-      <p:sp>
-        <p:nvSpPr>
-          <p:cNvPr id="3" name="Объект 2"/>
-          <p:cNvSpPr>
-            <a:spLocks noGrp="1"/>
-          </p:cNvSpPr>
-          <p:nvPr>
-            <p:ph idx="1"/>
-          </p:nvPr>
-        </p:nvSpPr>
-        <p:spPr>
-          <a:xfrm>
-            <a:off x="838200" y="1825625"/>
-            <a:ext cx="10515600" cy="1717675"/>
-          </a:xfrm>
-        </p:spPr>
-        <p:txBody>
-          <a:bodyPr/>
-          <a:lstStyle/>
-          <a:p>
-            <a:r>
-              <a:rPr lang="en-US" dirty="0" smtClean="0">
-                <a:latin typeface="Courier New" charset="0"/>
-                <a:ea typeface="Courier New" charset="0"/>
-                <a:cs typeface="Courier New" charset="0"/>
-              </a:rPr>
-              <a:t>Unit tests — </a:t>
-            </a:r>
-            <a:r>
-              <a:rPr lang="ru-RU" dirty="0" smtClean="0">
-                <a:latin typeface="Courier New" charset="0"/>
-                <a:ea typeface="Courier New" charset="0"/>
-                <a:cs typeface="Courier New" charset="0"/>
-              </a:rPr>
-              <a:t>262</a:t>
-            </a:r>
-            <a:r>
-              <a:rPr lang="en-US" dirty="0" smtClean="0">
-                <a:latin typeface="Courier New" charset="0"/>
-                <a:ea typeface="Courier New" charset="0"/>
-                <a:cs typeface="Courier New" charset="0"/>
-              </a:rPr>
-              <a:t> </a:t>
-            </a:r>
-          </a:p>
-        </p:txBody>
-      </p:sp>
-      <p:pic>
-        <p:nvPicPr>
-          <p:cNvPr id="4" name="Изображение 3"/>
-          <p:cNvPicPr>
-            <a:picLocks noChangeAspect="1"/>
-          </p:cNvPicPr>
-          <p:nvPr/>
-        </p:nvPicPr>
-        <p:blipFill>
-          <a:blip r:embed="rId3">
-            <a:extLst>
-              <a:ext uri="{28A0092B-C50C-407E-A947-70E740481C1C}">
-                <a14:useLocalDpi xmlns:a14="http://schemas.microsoft.com/office/drawing/2010/main" val="0"/>
-              </a:ext>
-            </a:extLst>
-          </a:blip>
-          <a:stretch>
-            <a:fillRect/>
-          </a:stretch>
-        </p:blipFill>
-        <p:spPr>
-          <a:xfrm>
-            <a:off x="362507" y="2684462"/>
-            <a:ext cx="11466985" cy="2985681"/>
-          </a:xfrm>
-          <a:prstGeom prst="rect">
-            <a:avLst/>
-          </a:prstGeom>
-        </p:spPr>
-      </p:pic>
+              <a:t>Prendota@mail.ru</a:t>
+            </a:r>
+          </a:p>
+          <a:p>
+            <a:pPr marL="0" marR="0" lvl="0" indent="0" defTabSz="914400" eaLnBrk="1" fontAlgn="auto" latinLnBrk="0" hangingPunct="1">
+              <a:lnSpc>
+                <a:spcPct val="100000"/>
+              </a:lnSpc>
+              <a:spcBef>
+                <a:spcPts val="0"/>
+              </a:spcBef>
+              <a:spcAft>
+                <a:spcPts val="0"/>
+              </a:spcAft>
+              <a:buClrTx/>
+              <a:buSzTx/>
+              <a:buFontTx/>
+              <a:buNone/>
+              <a:tabLst/>
+              <a:defRPr/>
+            </a:pPr>
+            <a:endParaRPr lang="ru-RU" dirty="0"/>
+          </a:p>
+        </p:txBody>
+      </p:sp>
+      <p:sp>
+        <p:nvSpPr>
+          <p:cNvPr id="4" name="Номер слайда 3"/>
+          <p:cNvSpPr>
+            <a:spLocks noGrp="1"/>
+          </p:cNvSpPr>
+          <p:nvPr>
+            <p:ph type="sldNum" sz="quarter" idx="12"/>
+          </p:nvPr>
+        </p:nvSpPr>
+        <p:spPr/>
+        <p:txBody>
+          <a:bodyPr/>
+          <a:lstStyle/>
+          <a:p>
+            <a:fld id="{F6A0668E-3129-374D-8632-A2837AE39A8E}" type="slidenum">
+              <a:rPr lang="ru-RU" smtClean="0"/>
+              <a:t>7</a:t>
+            </a:fld>
+            <a:endParaRPr lang="ru-RU"/>
+          </a:p>
+        </p:txBody>
+      </p:sp>
     </p:spTree>
     <p:extLst>
       <p:ext uri="{BB962C8B-B14F-4D97-AF65-F5344CB8AC3E}">
-        <p14:creationId xmlns:p14="http://schemas.microsoft.com/office/powerpoint/2010/main" val="620045295"/>
-      </p:ext>
-    </p:extLst>
-  </p:cSld>
-  <p:clrMapOvr>
-    <a:masterClrMapping/>
-  </p:clrMapOvr>
-  <p:timing>
-    <p:tnLst>
-      <p:par>
-        <p:cTn id="1" dur="indefinite" restart="never" nodeType="tmRoot"/>
-      </p:par>
-    </p:tnLst>
-  </p:timing>
-</p:sld>
-</file>
-
-<file path=ppt/slides/slide8.xml><?xml version="1.0" encoding="utf-8"?>
-<p:sld xmlns:a="http://schemas.openxmlformats.org/drawingml/2006/main" xmlns:r="http://schemas.openxmlformats.org/officeDocument/2006/relationships" xmlns:p="http://schemas.openxmlformats.org/presentationml/2006/main">
-  <p:cSld>
-    <p:spTree>
-      <p:nvGrpSpPr>
-        <p:cNvPr id="1" name=""/>
-        <p:cNvGrpSpPr/>
-        <p:nvPr/>
-      </p:nvGrpSpPr>
-      <p:grpSpPr>
-        <a:xfrm>
-          <a:off x="0" y="0"/>
-          <a:ext cx="0" cy="0"/>
-          <a:chOff x="0" y="0"/>
-          <a:chExt cx="0" cy="0"/>
-        </a:xfrm>
-      </p:grpSpPr>
-      <p:sp>
-        <p:nvSpPr>
-          <p:cNvPr id="2" name="Заголовок 1"/>
-          <p:cNvSpPr>
-            <a:spLocks noGrp="1"/>
-          </p:cNvSpPr>
-          <p:nvPr>
-            <p:ph type="title"/>
-          </p:nvPr>
-        </p:nvSpPr>
-        <p:spPr/>
-        <p:txBody>
-          <a:bodyPr/>
-          <a:lstStyle/>
-          <a:p>
-            <a:pPr algn="ctr"/>
-            <a:r>
-              <a:rPr lang="en-US" dirty="0" smtClean="0">
-                <a:solidFill>
-                  <a:srgbClr val="FFFF00"/>
-                </a:solidFill>
-                <a:latin typeface="Courier New" charset="0"/>
-                <a:ea typeface="Courier New" charset="0"/>
-                <a:cs typeface="Courier New" charset="0"/>
-              </a:rPr>
-              <a:t>// Testing</a:t>
-            </a:r>
-            <a:r>
-              <a:rPr lang="ru-RU" dirty="0" smtClean="0">
-                <a:solidFill>
-                  <a:srgbClr val="FFFF00"/>
-                </a:solidFill>
-                <a:latin typeface="Courier New" charset="0"/>
-                <a:ea typeface="Courier New" charset="0"/>
-                <a:cs typeface="Courier New" charset="0"/>
-              </a:rPr>
-              <a:t> </a:t>
-            </a:r>
-            <a:r>
-              <a:rPr lang="ru-RU" b="1" dirty="0" smtClean="0">
-                <a:solidFill>
-                  <a:srgbClr val="FFFF00"/>
-                </a:solidFill>
-                <a:latin typeface="Courier New" charset="0"/>
-                <a:ea typeface="Courier New" charset="0"/>
-                <a:cs typeface="Courier New" charset="0"/>
-              </a:rPr>
-              <a:t>301 </a:t>
-            </a:r>
-            <a:endParaRPr lang="ru-RU" b="1" dirty="0">
-              <a:solidFill>
-                <a:srgbClr val="FFFF00"/>
-              </a:solidFill>
-              <a:latin typeface="Courier New" charset="0"/>
-              <a:ea typeface="Courier New" charset="0"/>
-              <a:cs typeface="Courier New" charset="0"/>
-            </a:endParaRPr>
-          </a:p>
-        </p:txBody>
-      </p:sp>
-      <p:sp>
-        <p:nvSpPr>
-          <p:cNvPr id="3" name="Объект 2"/>
-          <p:cNvSpPr>
-            <a:spLocks noGrp="1"/>
-          </p:cNvSpPr>
-          <p:nvPr>
-            <p:ph idx="1"/>
-          </p:nvPr>
-        </p:nvSpPr>
-        <p:spPr>
-          <a:xfrm>
-            <a:off x="838200" y="1825625"/>
-            <a:ext cx="10515600" cy="1717675"/>
-          </a:xfrm>
-        </p:spPr>
-        <p:txBody>
-          <a:bodyPr/>
-          <a:lstStyle/>
-          <a:p>
-            <a:r>
-              <a:rPr lang="en-US" dirty="0" smtClean="0">
-                <a:latin typeface="Courier New" charset="0"/>
-                <a:ea typeface="Courier New" charset="0"/>
-                <a:cs typeface="Courier New" charset="0"/>
-              </a:rPr>
-              <a:t>Selenium automatic tests — </a:t>
-            </a:r>
-            <a:r>
-              <a:rPr lang="ru-RU" dirty="0" smtClean="0">
-                <a:latin typeface="Courier New" charset="0"/>
-                <a:ea typeface="Courier New" charset="0"/>
-                <a:cs typeface="Courier New" charset="0"/>
-              </a:rPr>
-              <a:t>39</a:t>
-            </a:r>
-            <a:r>
-              <a:rPr lang="en-US" dirty="0" smtClean="0">
-                <a:latin typeface="Courier New" charset="0"/>
-                <a:ea typeface="Courier New" charset="0"/>
-                <a:cs typeface="Courier New" charset="0"/>
-              </a:rPr>
-              <a:t> </a:t>
-            </a:r>
-            <a:endParaRPr lang="ru-RU" dirty="0">
-              <a:latin typeface="Courier New" charset="0"/>
-              <a:ea typeface="Courier New" charset="0"/>
-              <a:cs typeface="Courier New" charset="0"/>
-            </a:endParaRPr>
-          </a:p>
-        </p:txBody>
-      </p:sp>
-      <p:pic>
-        <p:nvPicPr>
-          <p:cNvPr id="4" name="Изображение 3"/>
-          <p:cNvPicPr>
-            <a:picLocks noChangeAspect="1"/>
-          </p:cNvPicPr>
-          <p:nvPr/>
-        </p:nvPicPr>
-        <p:blipFill>
-          <a:blip r:embed="rId3">
-            <a:extLst>
-              <a:ext uri="{28A0092B-C50C-407E-A947-70E740481C1C}">
-                <a14:useLocalDpi xmlns:a14="http://schemas.microsoft.com/office/drawing/2010/main" val="0"/>
-              </a:ext>
-            </a:extLst>
-          </a:blip>
-          <a:stretch>
-            <a:fillRect/>
-          </a:stretch>
-        </p:blipFill>
-        <p:spPr>
-          <a:xfrm>
-            <a:off x="659219" y="3112576"/>
-            <a:ext cx="10994065" cy="1980346"/>
-          </a:xfrm>
-          <a:prstGeom prst="rect">
-            <a:avLst/>
-          </a:prstGeom>
-        </p:spPr>
-      </p:pic>
-    </p:spTree>
-    <p:extLst>
-      <p:ext uri="{BB962C8B-B14F-4D97-AF65-F5344CB8AC3E}">
-        <p14:creationId xmlns:p14="http://schemas.microsoft.com/office/powerpoint/2010/main" val="802955033"/>
-      </p:ext>
-    </p:extLst>
-  </p:cSld>
-  <p:clrMapOvr>
-    <a:masterClrMapping/>
-  </p:clrMapOvr>
-  <p:timing>
-    <p:tnLst>
-      <p:par>
-        <p:cTn id="1" dur="indefinite" restart="never" nodeType="tmRoot"/>
-      </p:par>
-    </p:tnLst>
-  </p:timing>
-</p:sld>
-</file>
-
-<file path=ppt/slides/slide9.xml><?xml version="1.0" encoding="utf-8"?>
-<p:sld xmlns:a="http://schemas.openxmlformats.org/drawingml/2006/main" xmlns:r="http://schemas.openxmlformats.org/officeDocument/2006/relationships" xmlns:p="http://schemas.openxmlformats.org/presentationml/2006/main">
-  <p:cSld>
-    <p:spTree>
-      <p:nvGrpSpPr>
-        <p:cNvPr id="1" name=""/>
-        <p:cNvGrpSpPr/>
-        <p:nvPr/>
-      </p:nvGrpSpPr>
-      <p:grpSpPr>
-        <a:xfrm>
-          <a:off x="0" y="0"/>
-          <a:ext cx="0" cy="0"/>
-          <a:chOff x="0" y="0"/>
-          <a:chExt cx="0" cy="0"/>
-        </a:xfrm>
-      </p:grpSpPr>
-      <p:sp>
-        <p:nvSpPr>
-          <p:cNvPr id="2" name="Заголовок 1"/>
-          <p:cNvSpPr>
-            <a:spLocks noGrp="1"/>
-          </p:cNvSpPr>
-          <p:nvPr>
-            <p:ph type="title"/>
-          </p:nvPr>
-        </p:nvSpPr>
-        <p:spPr>
-          <a:xfrm>
-            <a:off x="623888" y="2451100"/>
-            <a:ext cx="10515600" cy="1325563"/>
-          </a:xfrm>
-        </p:spPr>
-        <p:txBody>
-          <a:bodyPr/>
-          <a:lstStyle/>
-          <a:p>
-            <a:pPr algn="ctr"/>
-            <a:r>
-              <a:rPr lang="ru-RU" dirty="0" smtClean="0">
-                <a:solidFill>
-                  <a:srgbClr val="FFFF00"/>
-                </a:solidFill>
-                <a:latin typeface="Courier New" charset="0"/>
-                <a:ea typeface="Courier New" charset="0"/>
-                <a:cs typeface="Courier New" charset="0"/>
-              </a:rPr>
-              <a:t>//</a:t>
-            </a:r>
-            <a:r>
-              <a:rPr lang="en-US" dirty="0" smtClean="0">
-                <a:solidFill>
-                  <a:srgbClr val="FFFF00"/>
-                </a:solidFill>
-                <a:latin typeface="Courier New" charset="0"/>
-                <a:ea typeface="Courier New" charset="0"/>
-                <a:cs typeface="Courier New" charset="0"/>
-              </a:rPr>
-              <a:t>Demonstration</a:t>
-            </a:r>
-            <a:endParaRPr lang="ru-RU" dirty="0">
-              <a:solidFill>
-                <a:srgbClr val="FFFF00"/>
-              </a:solidFill>
-              <a:latin typeface="Courier New" charset="0"/>
-              <a:ea typeface="Courier New" charset="0"/>
-              <a:cs typeface="Courier New" charset="0"/>
-            </a:endParaRPr>
-          </a:p>
-        </p:txBody>
-      </p:sp>
-    </p:spTree>
-    <p:extLst>
-      <p:ext uri="{BB962C8B-B14F-4D97-AF65-F5344CB8AC3E}">
-        <p14:creationId xmlns:p14="http://schemas.microsoft.com/office/powerpoint/2010/main" val="1399125485"/>
+        <p14:creationId xmlns:p14="http://schemas.microsoft.com/office/powerpoint/2010/main" val="481617623"/>
       </p:ext>
     </p:extLst>
   </p:cSld>
